--- a/billing-validation-schema.pptx
+++ b/billing-validation-schema.pptx
@@ -105,6 +105,11 @@
       </a:defRPr>
     </a:lvl9pPr>
   </p:defaultTextStyle>
+  <p:extLst>
+    <p:ext uri="{EFAFB233-063F-42B5-8137-9DF3F51BA10A}">
+      <p15:sldGuideLst xmlns:p15="http://schemas.microsoft.com/office/powerpoint/2012/main"/>
+    </p:ext>
+  </p:extLst>
 </p:presentation>
 </file>
 
@@ -2199,9 +2204,10 @@
         <a:lstStyle/>
         <a:p>
           <a:r>
-            <a:rPr lang="en-US" dirty="0"/>
-            <a:t>Members</a:t>
+            <a:rPr lang="en-US" smtClean="0"/>
+            <a:t>Subjects</a:t>
           </a:r>
+          <a:endParaRPr lang="en-US" dirty="0"/>
         </a:p>
       </dgm:t>
     </dgm:pt>
@@ -2348,6 +2354,13 @@
         </dgm:presLayoutVars>
       </dgm:prSet>
       <dgm:spPr/>
+      <dgm:t>
+        <a:bodyPr/>
+        <a:lstStyle/>
+        <a:p>
+          <a:endParaRPr lang="en-US"/>
+        </a:p>
+      </dgm:t>
     </dgm:pt>
     <dgm:pt modelId="{58ACBF22-9A56-4C74-BB78-A24F4D68246C}" type="pres">
       <dgm:prSet presAssocID="{BC9A9C50-9168-46B4-BB79-621CE0731647}" presName="hierRoot1" presStyleCnt="0">
@@ -2368,6 +2381,13 @@
         </dgm:presLayoutVars>
       </dgm:prSet>
       <dgm:spPr/>
+      <dgm:t>
+        <a:bodyPr/>
+        <a:lstStyle/>
+        <a:p>
+          <a:endParaRPr lang="en-US"/>
+        </a:p>
+      </dgm:t>
     </dgm:pt>
     <dgm:pt modelId="{913815F8-E455-4CDE-B225-C7C773A701C4}" type="pres">
       <dgm:prSet presAssocID="{BC9A9C50-9168-46B4-BB79-621CE0731647}" presName="topArc1" presStyleLbl="parChTrans1D1" presStyleIdx="0" presStyleCnt="38"/>
@@ -2380,6 +2400,13 @@
     <dgm:pt modelId="{A4BBF741-3E4A-4816-B4F7-1A249BA26555}" type="pres">
       <dgm:prSet presAssocID="{BC9A9C50-9168-46B4-BB79-621CE0731647}" presName="topConnNode1" presStyleLbl="node1" presStyleIdx="0" presStyleCnt="0"/>
       <dgm:spPr/>
+      <dgm:t>
+        <a:bodyPr/>
+        <a:lstStyle/>
+        <a:p>
+          <a:endParaRPr lang="en-US"/>
+        </a:p>
+      </dgm:t>
     </dgm:pt>
     <dgm:pt modelId="{8F5CC646-8D31-4BDB-9F88-15F62235BB60}" type="pres">
       <dgm:prSet presAssocID="{BC9A9C50-9168-46B4-BB79-621CE0731647}" presName="hierChild2" presStyleCnt="0"/>
@@ -2388,6 +2415,13 @@
     <dgm:pt modelId="{AE064FDC-50BF-44F4-B5F4-B1E730AE7EF5}" type="pres">
       <dgm:prSet presAssocID="{7C7BA107-4E8C-43D5-A00A-14BA98EFAEA2}" presName="Name28" presStyleLbl="parChTrans1D2" presStyleIdx="0" presStyleCnt="3"/>
       <dgm:spPr/>
+      <dgm:t>
+        <a:bodyPr/>
+        <a:lstStyle/>
+        <a:p>
+          <a:endParaRPr lang="en-US"/>
+        </a:p>
+      </dgm:t>
     </dgm:pt>
     <dgm:pt modelId="{73174E77-364C-447E-A06F-DAF91845A8FF}" type="pres">
       <dgm:prSet presAssocID="{B8906F86-17A3-4CEB-B44F-1493A95F557A}" presName="hierRoot2" presStyleCnt="0">
@@ -2408,6 +2442,13 @@
         </dgm:presLayoutVars>
       </dgm:prSet>
       <dgm:spPr/>
+      <dgm:t>
+        <a:bodyPr/>
+        <a:lstStyle/>
+        <a:p>
+          <a:endParaRPr lang="en-US"/>
+        </a:p>
+      </dgm:t>
     </dgm:pt>
     <dgm:pt modelId="{CDF3A4E5-ACA7-4A07-B01F-235E989A0A67}" type="pres">
       <dgm:prSet presAssocID="{B8906F86-17A3-4CEB-B44F-1493A95F557A}" presName="topArc2" presStyleLbl="parChTrans1D1" presStyleIdx="2" presStyleCnt="38"/>
@@ -2420,6 +2461,13 @@
     <dgm:pt modelId="{025B4776-2D53-4E2E-8D4C-6E16AF5C9282}" type="pres">
       <dgm:prSet presAssocID="{B8906F86-17A3-4CEB-B44F-1493A95F557A}" presName="topConnNode2" presStyleLbl="node2" presStyleIdx="0" presStyleCnt="0"/>
       <dgm:spPr/>
+      <dgm:t>
+        <a:bodyPr/>
+        <a:lstStyle/>
+        <a:p>
+          <a:endParaRPr lang="en-US"/>
+        </a:p>
+      </dgm:t>
     </dgm:pt>
     <dgm:pt modelId="{D6357C52-D749-44CB-887B-E38E6A21270A}" type="pres">
       <dgm:prSet presAssocID="{B8906F86-17A3-4CEB-B44F-1493A95F557A}" presName="hierChild4" presStyleCnt="0"/>
@@ -2428,6 +2476,13 @@
     <dgm:pt modelId="{70312117-582F-4247-A336-88AACE335E60}" type="pres">
       <dgm:prSet presAssocID="{267A48DD-6714-445C-95C4-0A20DBC604E8}" presName="Name28" presStyleLbl="parChTrans1D3" presStyleIdx="0" presStyleCnt="7"/>
       <dgm:spPr/>
+      <dgm:t>
+        <a:bodyPr/>
+        <a:lstStyle/>
+        <a:p>
+          <a:endParaRPr lang="en-US"/>
+        </a:p>
+      </dgm:t>
     </dgm:pt>
     <dgm:pt modelId="{2A7928A9-2A44-4CA1-BE2C-F082C1437DC8}" type="pres">
       <dgm:prSet presAssocID="{735FEB49-8C14-4DEF-9912-D98E8B581D0C}" presName="hierRoot2" presStyleCnt="0">
@@ -2448,6 +2503,13 @@
         </dgm:presLayoutVars>
       </dgm:prSet>
       <dgm:spPr/>
+      <dgm:t>
+        <a:bodyPr/>
+        <a:lstStyle/>
+        <a:p>
+          <a:endParaRPr lang="en-US"/>
+        </a:p>
+      </dgm:t>
     </dgm:pt>
     <dgm:pt modelId="{7A45DCA1-FFE9-4FB6-9670-F8D39F0B363D}" type="pres">
       <dgm:prSet presAssocID="{735FEB49-8C14-4DEF-9912-D98E8B581D0C}" presName="topArc2" presStyleLbl="parChTrans1D1" presStyleIdx="4" presStyleCnt="38"/>
@@ -2460,6 +2522,13 @@
     <dgm:pt modelId="{16B4F03A-215D-4545-9FBA-EA3E305E539C}" type="pres">
       <dgm:prSet presAssocID="{735FEB49-8C14-4DEF-9912-D98E8B581D0C}" presName="topConnNode2" presStyleLbl="node3" presStyleIdx="0" presStyleCnt="0"/>
       <dgm:spPr/>
+      <dgm:t>
+        <a:bodyPr/>
+        <a:lstStyle/>
+        <a:p>
+          <a:endParaRPr lang="en-US"/>
+        </a:p>
+      </dgm:t>
     </dgm:pt>
     <dgm:pt modelId="{9030BC8B-61AE-4591-8381-22725B6083B1}" type="pres">
       <dgm:prSet presAssocID="{735FEB49-8C14-4DEF-9912-D98E8B581D0C}" presName="hierChild4" presStyleCnt="0"/>
@@ -2472,6 +2541,13 @@
     <dgm:pt modelId="{A22CDC46-C806-4A47-ABE5-93DCA31BB80E}" type="pres">
       <dgm:prSet presAssocID="{EACB4901-6D83-49C4-A981-E2C11AE2C2D5}" presName="Name28" presStyleLbl="parChTrans1D3" presStyleIdx="1" presStyleCnt="7"/>
       <dgm:spPr/>
+      <dgm:t>
+        <a:bodyPr/>
+        <a:lstStyle/>
+        <a:p>
+          <a:endParaRPr lang="en-US"/>
+        </a:p>
+      </dgm:t>
     </dgm:pt>
     <dgm:pt modelId="{E2D3FE20-4FC2-4C6C-9FFB-C285211DAEAE}" type="pres">
       <dgm:prSet presAssocID="{912E8A23-D6C0-45FE-AE25-FC10026DEF3A}" presName="hierRoot2" presStyleCnt="0">
@@ -2492,6 +2568,13 @@
         </dgm:presLayoutVars>
       </dgm:prSet>
       <dgm:spPr/>
+      <dgm:t>
+        <a:bodyPr/>
+        <a:lstStyle/>
+        <a:p>
+          <a:endParaRPr lang="en-US"/>
+        </a:p>
+      </dgm:t>
     </dgm:pt>
     <dgm:pt modelId="{A3605420-2FAA-4652-8C9E-1C5EE8212F71}" type="pres">
       <dgm:prSet presAssocID="{912E8A23-D6C0-45FE-AE25-FC10026DEF3A}" presName="topArc2" presStyleLbl="parChTrans1D1" presStyleIdx="6" presStyleCnt="38"/>
@@ -2504,6 +2587,13 @@
     <dgm:pt modelId="{0C5084D6-6AE5-4CE5-A31D-D0EA49E194D2}" type="pres">
       <dgm:prSet presAssocID="{912E8A23-D6C0-45FE-AE25-FC10026DEF3A}" presName="topConnNode2" presStyleLbl="node3" presStyleIdx="0" presStyleCnt="0"/>
       <dgm:spPr/>
+      <dgm:t>
+        <a:bodyPr/>
+        <a:lstStyle/>
+        <a:p>
+          <a:endParaRPr lang="en-US"/>
+        </a:p>
+      </dgm:t>
     </dgm:pt>
     <dgm:pt modelId="{AC95922B-75BC-4B25-A699-CF68CAC00451}" type="pres">
       <dgm:prSet presAssocID="{912E8A23-D6C0-45FE-AE25-FC10026DEF3A}" presName="hierChild4" presStyleCnt="0"/>
@@ -2516,6 +2606,13 @@
     <dgm:pt modelId="{EF19D4C2-E2C9-459C-B5EB-B91817C71BEC}" type="pres">
       <dgm:prSet presAssocID="{78043E46-CA8E-4973-A6BF-48047BC6AEB9}" presName="Name28" presStyleLbl="parChTrans1D3" presStyleIdx="2" presStyleCnt="7"/>
       <dgm:spPr/>
+      <dgm:t>
+        <a:bodyPr/>
+        <a:lstStyle/>
+        <a:p>
+          <a:endParaRPr lang="en-US"/>
+        </a:p>
+      </dgm:t>
     </dgm:pt>
     <dgm:pt modelId="{8FAEFA91-7D7B-459C-A10E-E93C5830FD68}" type="pres">
       <dgm:prSet presAssocID="{DE1A2641-A3A1-4066-B356-BDC20EEF333E}" presName="hierRoot2" presStyleCnt="0">
@@ -2536,6 +2633,13 @@
         </dgm:presLayoutVars>
       </dgm:prSet>
       <dgm:spPr/>
+      <dgm:t>
+        <a:bodyPr/>
+        <a:lstStyle/>
+        <a:p>
+          <a:endParaRPr lang="en-US"/>
+        </a:p>
+      </dgm:t>
     </dgm:pt>
     <dgm:pt modelId="{584CAF65-B122-4032-BAAC-79E41A8E80D5}" type="pres">
       <dgm:prSet presAssocID="{DE1A2641-A3A1-4066-B356-BDC20EEF333E}" presName="topArc2" presStyleLbl="parChTrans1D1" presStyleIdx="8" presStyleCnt="38"/>
@@ -2548,6 +2652,13 @@
     <dgm:pt modelId="{2FE6D7F7-5C53-4B29-A45A-C2D496A910AF}" type="pres">
       <dgm:prSet presAssocID="{DE1A2641-A3A1-4066-B356-BDC20EEF333E}" presName="topConnNode2" presStyleLbl="node3" presStyleIdx="0" presStyleCnt="0"/>
       <dgm:spPr/>
+      <dgm:t>
+        <a:bodyPr/>
+        <a:lstStyle/>
+        <a:p>
+          <a:endParaRPr lang="en-US"/>
+        </a:p>
+      </dgm:t>
     </dgm:pt>
     <dgm:pt modelId="{00C26415-174B-46AB-97A4-B4E312E293DA}" type="pres">
       <dgm:prSet presAssocID="{DE1A2641-A3A1-4066-B356-BDC20EEF333E}" presName="hierChild4" presStyleCnt="0"/>
@@ -2564,6 +2675,13 @@
     <dgm:pt modelId="{90C37845-CF01-47D4-AFB5-489916AFB6EF}" type="pres">
       <dgm:prSet presAssocID="{CBB24B04-170C-4FE6-8FE5-4EB888A4BC34}" presName="Name28" presStyleLbl="parChTrans1D2" presStyleIdx="1" presStyleCnt="3"/>
       <dgm:spPr/>
+      <dgm:t>
+        <a:bodyPr/>
+        <a:lstStyle/>
+        <a:p>
+          <a:endParaRPr lang="en-US"/>
+        </a:p>
+      </dgm:t>
     </dgm:pt>
     <dgm:pt modelId="{EE7880AF-7E6A-4835-8118-0EA01A813B93}" type="pres">
       <dgm:prSet presAssocID="{2DCAE112-F0F2-405F-A6D2-4555D7500456}" presName="hierRoot2" presStyleCnt="0">
@@ -2584,6 +2702,13 @@
         </dgm:presLayoutVars>
       </dgm:prSet>
       <dgm:spPr/>
+      <dgm:t>
+        <a:bodyPr/>
+        <a:lstStyle/>
+        <a:p>
+          <a:endParaRPr lang="en-US"/>
+        </a:p>
+      </dgm:t>
     </dgm:pt>
     <dgm:pt modelId="{0CAA213D-36ED-410F-83B2-502D8F18B0C0}" type="pres">
       <dgm:prSet presAssocID="{2DCAE112-F0F2-405F-A6D2-4555D7500456}" presName="topArc2" presStyleLbl="parChTrans1D1" presStyleIdx="10" presStyleCnt="38"/>
@@ -2596,6 +2721,13 @@
     <dgm:pt modelId="{B8F07238-0CA4-4EB4-8C1B-5717F48ADF62}" type="pres">
       <dgm:prSet presAssocID="{2DCAE112-F0F2-405F-A6D2-4555D7500456}" presName="topConnNode2" presStyleLbl="node2" presStyleIdx="0" presStyleCnt="0"/>
       <dgm:spPr/>
+      <dgm:t>
+        <a:bodyPr/>
+        <a:lstStyle/>
+        <a:p>
+          <a:endParaRPr lang="en-US"/>
+        </a:p>
+      </dgm:t>
     </dgm:pt>
     <dgm:pt modelId="{3EF01635-D061-4158-ADCD-4720C856DB58}" type="pres">
       <dgm:prSet presAssocID="{2DCAE112-F0F2-405F-A6D2-4555D7500456}" presName="hierChild4" presStyleCnt="0"/>
@@ -2604,6 +2736,13 @@
     <dgm:pt modelId="{04B28A38-B58C-48B2-B318-A615F842A447}" type="pres">
       <dgm:prSet presAssocID="{03939815-54A3-4173-9374-3229E8C8C468}" presName="Name28" presStyleLbl="parChTrans1D3" presStyleIdx="3" presStyleCnt="7"/>
       <dgm:spPr/>
+      <dgm:t>
+        <a:bodyPr/>
+        <a:lstStyle/>
+        <a:p>
+          <a:endParaRPr lang="en-US"/>
+        </a:p>
+      </dgm:t>
     </dgm:pt>
     <dgm:pt modelId="{8A5034CA-677E-4104-A59E-2E2ABF7F04EC}" type="pres">
       <dgm:prSet presAssocID="{8A07FF1D-E38A-4342-AF9A-01C4A1DD8AE6}" presName="hierRoot2" presStyleCnt="0">
@@ -2624,6 +2763,13 @@
         </dgm:presLayoutVars>
       </dgm:prSet>
       <dgm:spPr/>
+      <dgm:t>
+        <a:bodyPr/>
+        <a:lstStyle/>
+        <a:p>
+          <a:endParaRPr lang="en-US"/>
+        </a:p>
+      </dgm:t>
     </dgm:pt>
     <dgm:pt modelId="{26AE720A-3128-4096-90F0-68E5E8700A96}" type="pres">
       <dgm:prSet presAssocID="{8A07FF1D-E38A-4342-AF9A-01C4A1DD8AE6}" presName="topArc2" presStyleLbl="parChTrans1D1" presStyleIdx="12" presStyleCnt="38"/>
@@ -2636,6 +2782,13 @@
     <dgm:pt modelId="{EA13E322-382D-42EC-A377-75DDE3126A70}" type="pres">
       <dgm:prSet presAssocID="{8A07FF1D-E38A-4342-AF9A-01C4A1DD8AE6}" presName="topConnNode2" presStyleLbl="node3" presStyleIdx="0" presStyleCnt="0"/>
       <dgm:spPr/>
+      <dgm:t>
+        <a:bodyPr/>
+        <a:lstStyle/>
+        <a:p>
+          <a:endParaRPr lang="en-US"/>
+        </a:p>
+      </dgm:t>
     </dgm:pt>
     <dgm:pt modelId="{D2468B1E-79F2-46A4-AE7D-29219EB8D1E6}" type="pres">
       <dgm:prSet presAssocID="{8A07FF1D-E38A-4342-AF9A-01C4A1DD8AE6}" presName="hierChild4" presStyleCnt="0"/>
@@ -2644,6 +2797,13 @@
     <dgm:pt modelId="{EB6F2F9B-C4C6-4174-9FD1-BFE8FFE1BE96}" type="pres">
       <dgm:prSet presAssocID="{6DA28D63-4730-4A5B-AB18-D532E19BDA3A}" presName="Name28" presStyleLbl="parChTrans1D4" presStyleIdx="0" presStyleCnt="8"/>
       <dgm:spPr/>
+      <dgm:t>
+        <a:bodyPr/>
+        <a:lstStyle/>
+        <a:p>
+          <a:endParaRPr lang="en-US"/>
+        </a:p>
+      </dgm:t>
     </dgm:pt>
     <dgm:pt modelId="{B713059C-5A0B-40D4-8C8F-568E6BF62205}" type="pres">
       <dgm:prSet presAssocID="{9BE01FAD-D3E7-488E-B77D-1653BD01874C}" presName="hierRoot2" presStyleCnt="0">
@@ -2664,6 +2824,13 @@
         </dgm:presLayoutVars>
       </dgm:prSet>
       <dgm:spPr/>
+      <dgm:t>
+        <a:bodyPr/>
+        <a:lstStyle/>
+        <a:p>
+          <a:endParaRPr lang="en-US"/>
+        </a:p>
+      </dgm:t>
     </dgm:pt>
     <dgm:pt modelId="{358BFEB8-AA1B-418C-ACCA-2BDE9D1E78B9}" type="pres">
       <dgm:prSet presAssocID="{9BE01FAD-D3E7-488E-B77D-1653BD01874C}" presName="topArc2" presStyleLbl="parChTrans1D1" presStyleIdx="14" presStyleCnt="38"/>
@@ -2676,6 +2843,13 @@
     <dgm:pt modelId="{C4D0AD07-3FD3-4E28-9C9A-99EDB4502C65}" type="pres">
       <dgm:prSet presAssocID="{9BE01FAD-D3E7-488E-B77D-1653BD01874C}" presName="topConnNode2" presStyleLbl="node4" presStyleIdx="0" presStyleCnt="0"/>
       <dgm:spPr/>
+      <dgm:t>
+        <a:bodyPr/>
+        <a:lstStyle/>
+        <a:p>
+          <a:endParaRPr lang="en-US"/>
+        </a:p>
+      </dgm:t>
     </dgm:pt>
     <dgm:pt modelId="{D6158B28-47DE-443F-BD27-48A7FC7FF116}" type="pres">
       <dgm:prSet presAssocID="{9BE01FAD-D3E7-488E-B77D-1653BD01874C}" presName="hierChild4" presStyleCnt="0"/>
@@ -2688,6 +2862,13 @@
     <dgm:pt modelId="{E304A664-A974-47E0-B86C-7B7C75A8CAEC}" type="pres">
       <dgm:prSet presAssocID="{7238AB7F-EEC4-473A-8CD5-8FD9BD98477C}" presName="Name28" presStyleLbl="parChTrans1D4" presStyleIdx="1" presStyleCnt="8"/>
       <dgm:spPr/>
+      <dgm:t>
+        <a:bodyPr/>
+        <a:lstStyle/>
+        <a:p>
+          <a:endParaRPr lang="en-US"/>
+        </a:p>
+      </dgm:t>
     </dgm:pt>
     <dgm:pt modelId="{8B56A3C1-0794-4DBF-AEAB-5A50E7BFCD55}" type="pres">
       <dgm:prSet presAssocID="{DAA55E57-B63E-42F8-A75C-1C8E0D5168F4}" presName="hierRoot2" presStyleCnt="0">
@@ -2708,6 +2889,13 @@
         </dgm:presLayoutVars>
       </dgm:prSet>
       <dgm:spPr/>
+      <dgm:t>
+        <a:bodyPr/>
+        <a:lstStyle/>
+        <a:p>
+          <a:endParaRPr lang="en-US"/>
+        </a:p>
+      </dgm:t>
     </dgm:pt>
     <dgm:pt modelId="{5FC656A9-5418-4BD9-90A6-11A2BCC63031}" type="pres">
       <dgm:prSet presAssocID="{DAA55E57-B63E-42F8-A75C-1C8E0D5168F4}" presName="topArc2" presStyleLbl="parChTrans1D1" presStyleIdx="16" presStyleCnt="38"/>
@@ -2720,6 +2908,13 @@
     <dgm:pt modelId="{0097E48B-9DDF-4437-B50D-D232EACFC8E1}" type="pres">
       <dgm:prSet presAssocID="{DAA55E57-B63E-42F8-A75C-1C8E0D5168F4}" presName="topConnNode2" presStyleLbl="node4" presStyleIdx="0" presStyleCnt="0"/>
       <dgm:spPr/>
+      <dgm:t>
+        <a:bodyPr/>
+        <a:lstStyle/>
+        <a:p>
+          <a:endParaRPr lang="en-US"/>
+        </a:p>
+      </dgm:t>
     </dgm:pt>
     <dgm:pt modelId="{B19184AB-C9ED-4B41-B726-5371986ACBC3}" type="pres">
       <dgm:prSet presAssocID="{DAA55E57-B63E-42F8-A75C-1C8E0D5168F4}" presName="hierChild4" presStyleCnt="0"/>
@@ -2728,6 +2923,13 @@
     <dgm:pt modelId="{467A319E-C633-4231-AD74-585F9C882649}" type="pres">
       <dgm:prSet presAssocID="{3672CFA3-F824-4353-A416-4BE028791597}" presName="Name28" presStyleLbl="parChTrans1D4" presStyleIdx="2" presStyleCnt="8"/>
       <dgm:spPr/>
+      <dgm:t>
+        <a:bodyPr/>
+        <a:lstStyle/>
+        <a:p>
+          <a:endParaRPr lang="en-US"/>
+        </a:p>
+      </dgm:t>
     </dgm:pt>
     <dgm:pt modelId="{65E042FB-CDAE-4C82-B033-3E19F95606F2}" type="pres">
       <dgm:prSet presAssocID="{BB9CCF92-5598-47EF-9C32-5DE7578698FF}" presName="hierRoot2" presStyleCnt="0">
@@ -2748,6 +2950,13 @@
         </dgm:presLayoutVars>
       </dgm:prSet>
       <dgm:spPr/>
+      <dgm:t>
+        <a:bodyPr/>
+        <a:lstStyle/>
+        <a:p>
+          <a:endParaRPr lang="en-US"/>
+        </a:p>
+      </dgm:t>
     </dgm:pt>
     <dgm:pt modelId="{ECD733D7-55FC-4656-9AA1-A2003AC6C222}" type="pres">
       <dgm:prSet presAssocID="{BB9CCF92-5598-47EF-9C32-5DE7578698FF}" presName="topArc2" presStyleLbl="parChTrans1D1" presStyleIdx="18" presStyleCnt="38"/>
@@ -2760,6 +2969,13 @@
     <dgm:pt modelId="{62064C34-13B0-4B83-B89F-6272547ED960}" type="pres">
       <dgm:prSet presAssocID="{BB9CCF92-5598-47EF-9C32-5DE7578698FF}" presName="topConnNode2" presStyleLbl="node4" presStyleIdx="0" presStyleCnt="0"/>
       <dgm:spPr/>
+      <dgm:t>
+        <a:bodyPr/>
+        <a:lstStyle/>
+        <a:p>
+          <a:endParaRPr lang="en-US"/>
+        </a:p>
+      </dgm:t>
     </dgm:pt>
     <dgm:pt modelId="{6BED4778-EAE8-4206-AA47-E1BE3BCF550C}" type="pres">
       <dgm:prSet presAssocID="{BB9CCF92-5598-47EF-9C32-5DE7578698FF}" presName="hierChild4" presStyleCnt="0"/>
@@ -2772,6 +2988,13 @@
     <dgm:pt modelId="{04871622-80D8-4603-87A9-C7CAC11D2205}" type="pres">
       <dgm:prSet presAssocID="{D79E8F8B-6AC8-4832-B42B-9CD2FBEC40BC}" presName="Name28" presStyleLbl="parChTrans1D4" presStyleIdx="3" presStyleCnt="8"/>
       <dgm:spPr/>
+      <dgm:t>
+        <a:bodyPr/>
+        <a:lstStyle/>
+        <a:p>
+          <a:endParaRPr lang="en-US"/>
+        </a:p>
+      </dgm:t>
     </dgm:pt>
     <dgm:pt modelId="{1DC8DA14-E8E1-44C1-BA3B-70D3640B93AB}" type="pres">
       <dgm:prSet presAssocID="{C14D0F75-6609-48C1-97E3-B941EDEAFB10}" presName="hierRoot2" presStyleCnt="0">
@@ -2792,6 +3015,13 @@
         </dgm:presLayoutVars>
       </dgm:prSet>
       <dgm:spPr/>
+      <dgm:t>
+        <a:bodyPr/>
+        <a:lstStyle/>
+        <a:p>
+          <a:endParaRPr lang="en-US"/>
+        </a:p>
+      </dgm:t>
     </dgm:pt>
     <dgm:pt modelId="{2809223E-4C25-41DC-93D7-CC03DAC5D890}" type="pres">
       <dgm:prSet presAssocID="{C14D0F75-6609-48C1-97E3-B941EDEAFB10}" presName="topArc2" presStyleLbl="parChTrans1D1" presStyleIdx="20" presStyleCnt="38"/>
@@ -2804,6 +3034,13 @@
     <dgm:pt modelId="{3C234821-AF37-4521-AFCA-D46CA2EEB3C5}" type="pres">
       <dgm:prSet presAssocID="{C14D0F75-6609-48C1-97E3-B941EDEAFB10}" presName="topConnNode2" presStyleLbl="node4" presStyleIdx="0" presStyleCnt="0"/>
       <dgm:spPr/>
+      <dgm:t>
+        <a:bodyPr/>
+        <a:lstStyle/>
+        <a:p>
+          <a:endParaRPr lang="en-US"/>
+        </a:p>
+      </dgm:t>
     </dgm:pt>
     <dgm:pt modelId="{14BE1229-14ED-4563-89E7-2C5B537BD81F}" type="pres">
       <dgm:prSet presAssocID="{C14D0F75-6609-48C1-97E3-B941EDEAFB10}" presName="hierChild4" presStyleCnt="0"/>
@@ -2824,6 +3061,13 @@
     <dgm:pt modelId="{31A0854A-240B-4533-B3AA-44214A012F3C}" type="pres">
       <dgm:prSet presAssocID="{EB531047-420C-4832-A697-5D55E49DEC24}" presName="Name28" presStyleLbl="parChTrans1D3" presStyleIdx="4" presStyleCnt="7"/>
       <dgm:spPr/>
+      <dgm:t>
+        <a:bodyPr/>
+        <a:lstStyle/>
+        <a:p>
+          <a:endParaRPr lang="en-US"/>
+        </a:p>
+      </dgm:t>
     </dgm:pt>
     <dgm:pt modelId="{1CC7D38C-23DB-4532-9CF3-F89FFD4D0C04}" type="pres">
       <dgm:prSet presAssocID="{A30F1F8E-C4E9-4A09-AC6A-AD5FC9F73251}" presName="hierRoot2" presStyleCnt="0">
@@ -2844,6 +3088,13 @@
         </dgm:presLayoutVars>
       </dgm:prSet>
       <dgm:spPr/>
+      <dgm:t>
+        <a:bodyPr/>
+        <a:lstStyle/>
+        <a:p>
+          <a:endParaRPr lang="en-US"/>
+        </a:p>
+      </dgm:t>
     </dgm:pt>
     <dgm:pt modelId="{E0391976-5A78-4E23-8764-A379419E1243}" type="pres">
       <dgm:prSet presAssocID="{A30F1F8E-C4E9-4A09-AC6A-AD5FC9F73251}" presName="topArc2" presStyleLbl="parChTrans1D1" presStyleIdx="22" presStyleCnt="38"/>
@@ -2856,6 +3107,13 @@
     <dgm:pt modelId="{B72C17FE-E3EC-4354-BCF8-6C9463B8076E}" type="pres">
       <dgm:prSet presAssocID="{A30F1F8E-C4E9-4A09-AC6A-AD5FC9F73251}" presName="topConnNode2" presStyleLbl="node3" presStyleIdx="0" presStyleCnt="0"/>
       <dgm:spPr/>
+      <dgm:t>
+        <a:bodyPr/>
+        <a:lstStyle/>
+        <a:p>
+          <a:endParaRPr lang="en-US"/>
+        </a:p>
+      </dgm:t>
     </dgm:pt>
     <dgm:pt modelId="{DCAD5CFF-43F6-4C5A-9AA3-5A8495102A58}" type="pres">
       <dgm:prSet presAssocID="{A30F1F8E-C4E9-4A09-AC6A-AD5FC9F73251}" presName="hierChild4" presStyleCnt="0"/>
@@ -2864,6 +3122,13 @@
     <dgm:pt modelId="{B68CC3AB-C1CD-4045-A423-3EE9A8EAA826}" type="pres">
       <dgm:prSet presAssocID="{41301CB3-C92D-423D-AA82-39E83E9F8ED4}" presName="Name28" presStyleLbl="parChTrans1D4" presStyleIdx="4" presStyleCnt="8"/>
       <dgm:spPr/>
+      <dgm:t>
+        <a:bodyPr/>
+        <a:lstStyle/>
+        <a:p>
+          <a:endParaRPr lang="en-US"/>
+        </a:p>
+      </dgm:t>
     </dgm:pt>
     <dgm:pt modelId="{0C5B831F-4544-4973-9301-7C00AC78359A}" type="pres">
       <dgm:prSet presAssocID="{C9E729E9-B75A-4976-9C61-A35BC00A20C6}" presName="hierRoot2" presStyleCnt="0">
@@ -2884,6 +3149,13 @@
         </dgm:presLayoutVars>
       </dgm:prSet>
       <dgm:spPr/>
+      <dgm:t>
+        <a:bodyPr/>
+        <a:lstStyle/>
+        <a:p>
+          <a:endParaRPr lang="en-US"/>
+        </a:p>
+      </dgm:t>
     </dgm:pt>
     <dgm:pt modelId="{F29754F1-5E60-4712-86DF-45B987E87C13}" type="pres">
       <dgm:prSet presAssocID="{C9E729E9-B75A-4976-9C61-A35BC00A20C6}" presName="topArc2" presStyleLbl="parChTrans1D1" presStyleIdx="24" presStyleCnt="38"/>
@@ -2896,6 +3168,13 @@
     <dgm:pt modelId="{AF3ECC84-54E9-4A85-97DD-A434AAA851C4}" type="pres">
       <dgm:prSet presAssocID="{C9E729E9-B75A-4976-9C61-A35BC00A20C6}" presName="topConnNode2" presStyleLbl="node4" presStyleIdx="0" presStyleCnt="0"/>
       <dgm:spPr/>
+      <dgm:t>
+        <a:bodyPr/>
+        <a:lstStyle/>
+        <a:p>
+          <a:endParaRPr lang="en-US"/>
+        </a:p>
+      </dgm:t>
     </dgm:pt>
     <dgm:pt modelId="{83F3DBA9-4919-4AE5-A99F-8A20C9543147}" type="pres">
       <dgm:prSet presAssocID="{C9E729E9-B75A-4976-9C61-A35BC00A20C6}" presName="hierChild4" presStyleCnt="0"/>
@@ -2908,6 +3187,13 @@
     <dgm:pt modelId="{F02B1DC9-037E-4DAD-A9FE-3CE7A0AACE6B}" type="pres">
       <dgm:prSet presAssocID="{D7175D20-010C-46C3-A67F-0ACA9FCB4A10}" presName="Name28" presStyleLbl="parChTrans1D4" presStyleIdx="5" presStyleCnt="8"/>
       <dgm:spPr/>
+      <dgm:t>
+        <a:bodyPr/>
+        <a:lstStyle/>
+        <a:p>
+          <a:endParaRPr lang="en-US"/>
+        </a:p>
+      </dgm:t>
     </dgm:pt>
     <dgm:pt modelId="{6DE4263E-B336-4A8B-8625-36AB0E4E2870}" type="pres">
       <dgm:prSet presAssocID="{678858C1-A72E-4293-B4E2-EDEE76913A07}" presName="hierRoot2" presStyleCnt="0">
@@ -2928,6 +3214,13 @@
         </dgm:presLayoutVars>
       </dgm:prSet>
       <dgm:spPr/>
+      <dgm:t>
+        <a:bodyPr/>
+        <a:lstStyle/>
+        <a:p>
+          <a:endParaRPr lang="en-US"/>
+        </a:p>
+      </dgm:t>
     </dgm:pt>
     <dgm:pt modelId="{D2AFD490-A191-4869-B89A-974D768FD000}" type="pres">
       <dgm:prSet presAssocID="{678858C1-A72E-4293-B4E2-EDEE76913A07}" presName="topArc2" presStyleLbl="parChTrans1D1" presStyleIdx="26" presStyleCnt="38"/>
@@ -2940,6 +3233,13 @@
     <dgm:pt modelId="{BF620ED3-149B-4BE5-8967-76C975947210}" type="pres">
       <dgm:prSet presAssocID="{678858C1-A72E-4293-B4E2-EDEE76913A07}" presName="topConnNode2" presStyleLbl="node4" presStyleIdx="0" presStyleCnt="0"/>
       <dgm:spPr/>
+      <dgm:t>
+        <a:bodyPr/>
+        <a:lstStyle/>
+        <a:p>
+          <a:endParaRPr lang="en-US"/>
+        </a:p>
+      </dgm:t>
     </dgm:pt>
     <dgm:pt modelId="{8B6F4F6B-A26C-4921-B0A5-0B41FCD2B2BA}" type="pres">
       <dgm:prSet presAssocID="{678858C1-A72E-4293-B4E2-EDEE76913A07}" presName="hierChild4" presStyleCnt="0"/>
@@ -2948,6 +3248,13 @@
     <dgm:pt modelId="{5E377BED-F03D-46CC-AA06-1AB44EC31CC6}" type="pres">
       <dgm:prSet presAssocID="{5F7B2DD5-0342-4DC8-A4C5-14746FFA0543}" presName="Name28" presStyleLbl="parChTrans1D4" presStyleIdx="6" presStyleCnt="8"/>
       <dgm:spPr/>
+      <dgm:t>
+        <a:bodyPr/>
+        <a:lstStyle/>
+        <a:p>
+          <a:endParaRPr lang="en-US"/>
+        </a:p>
+      </dgm:t>
     </dgm:pt>
     <dgm:pt modelId="{EE00C228-730F-4965-9003-563757A3980A}" type="pres">
       <dgm:prSet presAssocID="{8911FAA6-4CF0-4725-9FCB-2AA265211C55}" presName="hierRoot2" presStyleCnt="0">
@@ -2968,6 +3275,13 @@
         </dgm:presLayoutVars>
       </dgm:prSet>
       <dgm:spPr/>
+      <dgm:t>
+        <a:bodyPr/>
+        <a:lstStyle/>
+        <a:p>
+          <a:endParaRPr lang="en-US"/>
+        </a:p>
+      </dgm:t>
     </dgm:pt>
     <dgm:pt modelId="{6A42D77A-295B-4597-B1FB-68DE99ADF4E0}" type="pres">
       <dgm:prSet presAssocID="{8911FAA6-4CF0-4725-9FCB-2AA265211C55}" presName="topArc2" presStyleLbl="parChTrans1D1" presStyleIdx="28" presStyleCnt="38"/>
@@ -2980,6 +3294,13 @@
     <dgm:pt modelId="{814D1106-94DB-4D23-8033-58FF71181428}" type="pres">
       <dgm:prSet presAssocID="{8911FAA6-4CF0-4725-9FCB-2AA265211C55}" presName="topConnNode2" presStyleLbl="node4" presStyleIdx="0" presStyleCnt="0"/>
       <dgm:spPr/>
+      <dgm:t>
+        <a:bodyPr/>
+        <a:lstStyle/>
+        <a:p>
+          <a:endParaRPr lang="en-US"/>
+        </a:p>
+      </dgm:t>
     </dgm:pt>
     <dgm:pt modelId="{C133A48C-031B-417B-A0D8-44D5D5EC0FFF}" type="pres">
       <dgm:prSet presAssocID="{8911FAA6-4CF0-4725-9FCB-2AA265211C55}" presName="hierChild4" presStyleCnt="0"/>
@@ -2992,6 +3313,13 @@
     <dgm:pt modelId="{77B7204B-35D9-44FE-A09E-2BB7DC02E423}" type="pres">
       <dgm:prSet presAssocID="{3F7381DD-ED20-4116-BC12-2B4DE078BF64}" presName="Name28" presStyleLbl="parChTrans1D4" presStyleIdx="7" presStyleCnt="8"/>
       <dgm:spPr/>
+      <dgm:t>
+        <a:bodyPr/>
+        <a:lstStyle/>
+        <a:p>
+          <a:endParaRPr lang="en-US"/>
+        </a:p>
+      </dgm:t>
     </dgm:pt>
     <dgm:pt modelId="{416E5DCA-879E-402C-B65C-40C2542B134B}" type="pres">
       <dgm:prSet presAssocID="{58ED5B74-4D3D-4D7B-9D0F-2CFA2949F825}" presName="hierRoot2" presStyleCnt="0">
@@ -3012,6 +3340,13 @@
         </dgm:presLayoutVars>
       </dgm:prSet>
       <dgm:spPr/>
+      <dgm:t>
+        <a:bodyPr/>
+        <a:lstStyle/>
+        <a:p>
+          <a:endParaRPr lang="en-US"/>
+        </a:p>
+      </dgm:t>
     </dgm:pt>
     <dgm:pt modelId="{BE74F30F-6CE3-4911-B9CD-01716538E96C}" type="pres">
       <dgm:prSet presAssocID="{58ED5B74-4D3D-4D7B-9D0F-2CFA2949F825}" presName="topArc2" presStyleLbl="parChTrans1D1" presStyleIdx="30" presStyleCnt="38"/>
@@ -3024,6 +3359,13 @@
     <dgm:pt modelId="{924F1AF0-7F0E-43D8-B102-1AEA37EFA997}" type="pres">
       <dgm:prSet presAssocID="{58ED5B74-4D3D-4D7B-9D0F-2CFA2949F825}" presName="topConnNode2" presStyleLbl="node4" presStyleIdx="0" presStyleCnt="0"/>
       <dgm:spPr/>
+      <dgm:t>
+        <a:bodyPr/>
+        <a:lstStyle/>
+        <a:p>
+          <a:endParaRPr lang="en-US"/>
+        </a:p>
+      </dgm:t>
     </dgm:pt>
     <dgm:pt modelId="{52731F3B-D233-4711-8D57-64496127D910}" type="pres">
       <dgm:prSet presAssocID="{58ED5B74-4D3D-4D7B-9D0F-2CFA2949F825}" presName="hierChild4" presStyleCnt="0"/>
@@ -3048,6 +3390,13 @@
     <dgm:pt modelId="{887C2793-92AA-423A-BA14-65E1BA15AD87}" type="pres">
       <dgm:prSet presAssocID="{B26DDD2C-087C-40F0-81B8-0429EF3788B7}" presName="Name28" presStyleLbl="parChTrans1D2" presStyleIdx="2" presStyleCnt="3"/>
       <dgm:spPr/>
+      <dgm:t>
+        <a:bodyPr/>
+        <a:lstStyle/>
+        <a:p>
+          <a:endParaRPr lang="en-US"/>
+        </a:p>
+      </dgm:t>
     </dgm:pt>
     <dgm:pt modelId="{3D13DE21-AA12-4703-8CB5-0EFE7598C3E6}" type="pres">
       <dgm:prSet presAssocID="{8B7D134F-FB71-4F52-BA71-23B591E5F035}" presName="hierRoot2" presStyleCnt="0">
@@ -3068,6 +3417,13 @@
         </dgm:presLayoutVars>
       </dgm:prSet>
       <dgm:spPr/>
+      <dgm:t>
+        <a:bodyPr/>
+        <a:lstStyle/>
+        <a:p>
+          <a:endParaRPr lang="en-US"/>
+        </a:p>
+      </dgm:t>
     </dgm:pt>
     <dgm:pt modelId="{BA0AB7FF-14DE-4678-90ED-E7BDC2A62102}" type="pres">
       <dgm:prSet presAssocID="{8B7D134F-FB71-4F52-BA71-23B591E5F035}" presName="topArc2" presStyleLbl="parChTrans1D1" presStyleIdx="32" presStyleCnt="38"/>
@@ -3080,6 +3436,13 @@
     <dgm:pt modelId="{1BF99EAF-4BD0-488E-A479-BBF6BA69C6BC}" type="pres">
       <dgm:prSet presAssocID="{8B7D134F-FB71-4F52-BA71-23B591E5F035}" presName="topConnNode2" presStyleLbl="node2" presStyleIdx="0" presStyleCnt="0"/>
       <dgm:spPr/>
+      <dgm:t>
+        <a:bodyPr/>
+        <a:lstStyle/>
+        <a:p>
+          <a:endParaRPr lang="en-US"/>
+        </a:p>
+      </dgm:t>
     </dgm:pt>
     <dgm:pt modelId="{508779BD-5D19-498D-9DA3-D44EEDF36E4A}" type="pres">
       <dgm:prSet presAssocID="{8B7D134F-FB71-4F52-BA71-23B591E5F035}" presName="hierChild4" presStyleCnt="0"/>
@@ -3088,6 +3451,13 @@
     <dgm:pt modelId="{597285AF-50DA-4769-96C9-9E575824AC57}" type="pres">
       <dgm:prSet presAssocID="{6F6FD406-9F95-40B3-B949-D2ED5A72BFED}" presName="Name28" presStyleLbl="parChTrans1D3" presStyleIdx="5" presStyleCnt="7"/>
       <dgm:spPr/>
+      <dgm:t>
+        <a:bodyPr/>
+        <a:lstStyle/>
+        <a:p>
+          <a:endParaRPr lang="en-US"/>
+        </a:p>
+      </dgm:t>
     </dgm:pt>
     <dgm:pt modelId="{B30EC938-229E-4757-BD1F-35587566EA31}" type="pres">
       <dgm:prSet presAssocID="{FF4042ED-4161-4B0B-9C47-17BD99290380}" presName="hierRoot2" presStyleCnt="0">
@@ -3108,6 +3478,13 @@
         </dgm:presLayoutVars>
       </dgm:prSet>
       <dgm:spPr/>
+      <dgm:t>
+        <a:bodyPr/>
+        <a:lstStyle/>
+        <a:p>
+          <a:endParaRPr lang="en-US"/>
+        </a:p>
+      </dgm:t>
     </dgm:pt>
     <dgm:pt modelId="{9AB12965-1D96-4328-8990-C7DFA675EAB7}" type="pres">
       <dgm:prSet presAssocID="{FF4042ED-4161-4B0B-9C47-17BD99290380}" presName="topArc2" presStyleLbl="parChTrans1D1" presStyleIdx="34" presStyleCnt="38"/>
@@ -3120,6 +3497,13 @@
     <dgm:pt modelId="{00924CC8-73ED-4E75-B39E-237DACDB86DA}" type="pres">
       <dgm:prSet presAssocID="{FF4042ED-4161-4B0B-9C47-17BD99290380}" presName="topConnNode2" presStyleLbl="node3" presStyleIdx="0" presStyleCnt="0"/>
       <dgm:spPr/>
+      <dgm:t>
+        <a:bodyPr/>
+        <a:lstStyle/>
+        <a:p>
+          <a:endParaRPr lang="en-US"/>
+        </a:p>
+      </dgm:t>
     </dgm:pt>
     <dgm:pt modelId="{025DE0B3-EA28-4F5A-95C2-10E034D4996A}" type="pres">
       <dgm:prSet presAssocID="{FF4042ED-4161-4B0B-9C47-17BD99290380}" presName="hierChild4" presStyleCnt="0"/>
@@ -3132,6 +3516,13 @@
     <dgm:pt modelId="{69A97763-BE97-416D-8B03-4DD1726590CB}" type="pres">
       <dgm:prSet presAssocID="{EEE139DD-6BD9-4EC9-8042-E78DD30D1D8C}" presName="Name28" presStyleLbl="parChTrans1D3" presStyleIdx="6" presStyleCnt="7"/>
       <dgm:spPr/>
+      <dgm:t>
+        <a:bodyPr/>
+        <a:lstStyle/>
+        <a:p>
+          <a:endParaRPr lang="en-US"/>
+        </a:p>
+      </dgm:t>
     </dgm:pt>
     <dgm:pt modelId="{489CBF60-8953-428F-BB5C-529327D79B24}" type="pres">
       <dgm:prSet presAssocID="{384B76A2-E8AF-480B-A70F-40B4172E8325}" presName="hierRoot2" presStyleCnt="0">
@@ -3152,6 +3543,13 @@
         </dgm:presLayoutVars>
       </dgm:prSet>
       <dgm:spPr/>
+      <dgm:t>
+        <a:bodyPr/>
+        <a:lstStyle/>
+        <a:p>
+          <a:endParaRPr lang="en-US"/>
+        </a:p>
+      </dgm:t>
     </dgm:pt>
     <dgm:pt modelId="{63E1FDAA-089D-49DA-9354-A157E9208242}" type="pres">
       <dgm:prSet presAssocID="{384B76A2-E8AF-480B-A70F-40B4172E8325}" presName="topArc2" presStyleLbl="parChTrans1D1" presStyleIdx="36" presStyleCnt="38"/>
@@ -3164,6 +3562,13 @@
     <dgm:pt modelId="{D7FE098F-E7D2-4DCC-A8E8-4D8E8EF8CCE0}" type="pres">
       <dgm:prSet presAssocID="{384B76A2-E8AF-480B-A70F-40B4172E8325}" presName="topConnNode2" presStyleLbl="node3" presStyleIdx="0" presStyleCnt="0"/>
       <dgm:spPr/>
+      <dgm:t>
+        <a:bodyPr/>
+        <a:lstStyle/>
+        <a:p>
+          <a:endParaRPr lang="en-US"/>
+        </a:p>
+      </dgm:t>
     </dgm:pt>
     <dgm:pt modelId="{1146A36C-F909-483A-A3DF-6D994E1FC1BB}" type="pres">
       <dgm:prSet presAssocID="{384B76A2-E8AF-480B-A70F-40B4172E8325}" presName="hierChild4" presStyleCnt="0"/>
@@ -3183,82 +3588,82 @@
     </dgm:pt>
   </dgm:ptLst>
   <dgm:cxnLst>
+    <dgm:cxn modelId="{371FE67F-96FA-429E-87BC-43AB2BAA47FE}" srcId="{8B7D134F-FB71-4F52-BA71-23B591E5F035}" destId="{384B76A2-E8AF-480B-A70F-40B4172E8325}" srcOrd="1" destOrd="0" parTransId="{EEE139DD-6BD9-4EC9-8042-E78DD30D1D8C}" sibTransId="{70F714F6-58C5-4D86-AD12-872694D650D3}"/>
+    <dgm:cxn modelId="{5FDEE348-5F04-4961-A042-ABEA8E261C53}" type="presOf" srcId="{BC9A9C50-9168-46B4-BB79-621CE0731647}" destId="{A4BBF741-3E4A-4816-B4F7-1A249BA26555}" srcOrd="1" destOrd="0" presId="urn:microsoft.com/office/officeart/2008/layout/HalfCircleOrganizationChart"/>
+    <dgm:cxn modelId="{E5A8F33A-C255-4B42-8EF7-FC8FCA159F3E}" type="presOf" srcId="{B8906F86-17A3-4CEB-B44F-1493A95F557A}" destId="{798D18AE-42C6-4677-B0F2-C762175DE80C}" srcOrd="0" destOrd="0" presId="urn:microsoft.com/office/officeart/2008/layout/HalfCircleOrganizationChart"/>
+    <dgm:cxn modelId="{32D8B335-78A3-47A7-897C-7D7BF6E8AF9A}" type="presOf" srcId="{8B7D134F-FB71-4F52-BA71-23B591E5F035}" destId="{1BF99EAF-4BD0-488E-A479-BBF6BA69C6BC}" srcOrd="1" destOrd="0" presId="urn:microsoft.com/office/officeart/2008/layout/HalfCircleOrganizationChart"/>
+    <dgm:cxn modelId="{A43362D4-14B5-4CF9-8B68-B2685632F81F}" type="presOf" srcId="{2DCAE112-F0F2-405F-A6D2-4555D7500456}" destId="{B8F07238-0CA4-4EB4-8C1B-5717F48ADF62}" srcOrd="1" destOrd="0" presId="urn:microsoft.com/office/officeart/2008/layout/HalfCircleOrganizationChart"/>
+    <dgm:cxn modelId="{2ED5369A-8EC5-475A-B9E8-1FA05675D5A6}" type="presOf" srcId="{EB531047-420C-4832-A697-5D55E49DEC24}" destId="{31A0854A-240B-4533-B3AA-44214A012F3C}" srcOrd="0" destOrd="0" presId="urn:microsoft.com/office/officeart/2008/layout/HalfCircleOrganizationChart"/>
+    <dgm:cxn modelId="{CAE17770-3EF1-4ACD-9718-0968224B7018}" srcId="{A30F1F8E-C4E9-4A09-AC6A-AD5FC9F73251}" destId="{678858C1-A72E-4293-B4E2-EDEE76913A07}" srcOrd="1" destOrd="0" parTransId="{D7175D20-010C-46C3-A67F-0ACA9FCB4A10}" sibTransId="{3232B2D0-4AC7-455E-9ABA-C8841405528B}"/>
+    <dgm:cxn modelId="{A1131D20-4EE8-4581-A3B0-2D1CD6976D72}" type="presOf" srcId="{FF4042ED-4161-4B0B-9C47-17BD99290380}" destId="{00924CC8-73ED-4E75-B39E-237DACDB86DA}" srcOrd="1" destOrd="0" presId="urn:microsoft.com/office/officeart/2008/layout/HalfCircleOrganizationChart"/>
+    <dgm:cxn modelId="{12C80C45-8574-4E8A-9F4A-9CB5F949F764}" srcId="{B8906F86-17A3-4CEB-B44F-1493A95F557A}" destId="{912E8A23-D6C0-45FE-AE25-FC10026DEF3A}" srcOrd="1" destOrd="0" parTransId="{EACB4901-6D83-49C4-A981-E2C11AE2C2D5}" sibTransId="{0141CC35-3EE2-4908-8E48-00AAD09710E2}"/>
+    <dgm:cxn modelId="{80884BB8-B867-45D4-A03A-B3F1A0723CDF}" srcId="{DAA55E57-B63E-42F8-A75C-1C8E0D5168F4}" destId="{BB9CCF92-5598-47EF-9C32-5DE7578698FF}" srcOrd="0" destOrd="0" parTransId="{3672CFA3-F824-4353-A416-4BE028791597}" sibTransId="{DFC1E806-84B4-4A4B-BE7D-7A20A01C50A8}"/>
+    <dgm:cxn modelId="{3A698977-74B6-4061-81BD-6A1DD3CABA85}" type="presOf" srcId="{384B76A2-E8AF-480B-A70F-40B4172E8325}" destId="{D7FE098F-E7D2-4DCC-A8E8-4D8E8EF8CCE0}" srcOrd="1" destOrd="0" presId="urn:microsoft.com/office/officeart/2008/layout/HalfCircleOrganizationChart"/>
+    <dgm:cxn modelId="{BD822CCB-99CB-421E-9C91-03C923D82F0F}" type="presOf" srcId="{41301CB3-C92D-423D-AA82-39E83E9F8ED4}" destId="{B68CC3AB-C1CD-4045-A423-3EE9A8EAA826}" srcOrd="0" destOrd="0" presId="urn:microsoft.com/office/officeart/2008/layout/HalfCircleOrganizationChart"/>
+    <dgm:cxn modelId="{97BB1BB6-7B78-4A91-A989-F56BBED7A0D1}" type="presOf" srcId="{BB9CCF92-5598-47EF-9C32-5DE7578698FF}" destId="{62064C34-13B0-4B83-B89F-6272547ED960}" srcOrd="1" destOrd="0" presId="urn:microsoft.com/office/officeart/2008/layout/HalfCircleOrganizationChart"/>
+    <dgm:cxn modelId="{5555E481-1BEC-43D8-8EDE-0D2F9A2C8468}" srcId="{2DCAE112-F0F2-405F-A6D2-4555D7500456}" destId="{A30F1F8E-C4E9-4A09-AC6A-AD5FC9F73251}" srcOrd="1" destOrd="0" parTransId="{EB531047-420C-4832-A697-5D55E49DEC24}" sibTransId="{0663B977-E838-431B-9EBA-237F99B5CC48}"/>
+    <dgm:cxn modelId="{536FB19E-FA6F-4868-ABBD-CC8B937E1FDF}" srcId="{DAA55E57-B63E-42F8-A75C-1C8E0D5168F4}" destId="{C14D0F75-6609-48C1-97E3-B941EDEAFB10}" srcOrd="1" destOrd="0" parTransId="{D79E8F8B-6AC8-4832-B42B-9CD2FBEC40BC}" sibTransId="{AF6FC7F4-FC4D-4542-8EDA-B7CAB1D2D627}"/>
+    <dgm:cxn modelId="{08D56FF4-E9A5-4B76-8425-805EC64B299D}" type="presOf" srcId="{6DA28D63-4730-4A5B-AB18-D532E19BDA3A}" destId="{EB6F2F9B-C4C6-4174-9FD1-BFE8FFE1BE96}" srcOrd="0" destOrd="0" presId="urn:microsoft.com/office/officeart/2008/layout/HalfCircleOrganizationChart"/>
+    <dgm:cxn modelId="{497726F5-2F62-44DE-AD01-E9CD2189C4FB}" type="presOf" srcId="{C14D0F75-6609-48C1-97E3-B941EDEAFB10}" destId="{8A3828F0-D508-45CD-909C-6B79D3147092}" srcOrd="0" destOrd="0" presId="urn:microsoft.com/office/officeart/2008/layout/HalfCircleOrganizationChart"/>
+    <dgm:cxn modelId="{1717D4C9-F652-44AA-91C2-470A06AB284B}" type="presOf" srcId="{03939815-54A3-4173-9374-3229E8C8C468}" destId="{04B28A38-B58C-48B2-B318-A615F842A447}" srcOrd="0" destOrd="0" presId="urn:microsoft.com/office/officeart/2008/layout/HalfCircleOrganizationChart"/>
+    <dgm:cxn modelId="{876EC622-163E-4292-9463-7617EBFE2C62}" type="presOf" srcId="{B26DDD2C-087C-40F0-81B8-0429EF3788B7}" destId="{887C2793-92AA-423A-BA14-65E1BA15AD87}" srcOrd="0" destOrd="0" presId="urn:microsoft.com/office/officeart/2008/layout/HalfCircleOrganizationChart"/>
+    <dgm:cxn modelId="{696C2235-3DB0-4E14-90F3-99437C58B424}" type="presOf" srcId="{7238AB7F-EEC4-473A-8CD5-8FD9BD98477C}" destId="{E304A664-A974-47E0-B86C-7B7C75A8CAEC}" srcOrd="0" destOrd="0" presId="urn:microsoft.com/office/officeart/2008/layout/HalfCircleOrganizationChart"/>
+    <dgm:cxn modelId="{5DB8DC26-E30C-43AD-ABD2-75C4940DDF20}" type="presOf" srcId="{BC9A9C50-9168-46B4-BB79-621CE0731647}" destId="{027B608F-637C-48ED-B7F5-4CB9A5090520}" srcOrd="0" destOrd="0" presId="urn:microsoft.com/office/officeart/2008/layout/HalfCircleOrganizationChart"/>
+    <dgm:cxn modelId="{502B9D22-EA71-40EA-A665-91CBDFFF7DD1}" type="presOf" srcId="{6F6FD406-9F95-40B3-B949-D2ED5A72BFED}" destId="{597285AF-50DA-4769-96C9-9E575824AC57}" srcOrd="0" destOrd="0" presId="urn:microsoft.com/office/officeart/2008/layout/HalfCircleOrganizationChart"/>
+    <dgm:cxn modelId="{4032905D-758B-47DB-B763-57A41CBFEB5B}" srcId="{2DCAE112-F0F2-405F-A6D2-4555D7500456}" destId="{8A07FF1D-E38A-4342-AF9A-01C4A1DD8AE6}" srcOrd="0" destOrd="0" parTransId="{03939815-54A3-4173-9374-3229E8C8C468}" sibTransId="{8672B0B0-74DC-4A65-8520-78DCC0625D5F}"/>
     <dgm:cxn modelId="{767E5908-5361-4E9F-9336-FCF1648B7DD6}" type="presOf" srcId="{8B7D134F-FB71-4F52-BA71-23B591E5F035}" destId="{5F55BD0A-AB40-4596-A090-AB58D56BCA0D}" srcOrd="0" destOrd="0" presId="urn:microsoft.com/office/officeart/2008/layout/HalfCircleOrganizationChart"/>
-    <dgm:cxn modelId="{B2D56E19-7181-4880-BA91-30CCA672BF24}" type="presOf" srcId="{BB9CCF92-5598-47EF-9C32-5DE7578698FF}" destId="{4DC5B7ED-AD35-422A-9F4D-B38A01DBDA7B}" srcOrd="0" destOrd="0" presId="urn:microsoft.com/office/officeart/2008/layout/HalfCircleOrganizationChart"/>
-    <dgm:cxn modelId="{50B8981F-B215-477A-9DBB-0AFC4B7F59DE}" type="presOf" srcId="{DAA55E57-B63E-42F8-A75C-1C8E0D5168F4}" destId="{0097E48B-9DDF-4437-B50D-D232EACFC8E1}" srcOrd="1" destOrd="0" presId="urn:microsoft.com/office/officeart/2008/layout/HalfCircleOrganizationChart"/>
-    <dgm:cxn modelId="{A1131D20-4EE8-4581-A3B0-2D1CD6976D72}" type="presOf" srcId="{FF4042ED-4161-4B0B-9C47-17BD99290380}" destId="{00924CC8-73ED-4E75-B39E-237DACDB86DA}" srcOrd="1" destOrd="0" presId="urn:microsoft.com/office/officeart/2008/layout/HalfCircleOrganizationChart"/>
+    <dgm:cxn modelId="{8CE90931-D064-4824-BDBB-D1CCC5D44859}" type="presOf" srcId="{A30F1F8E-C4E9-4A09-AC6A-AD5FC9F73251}" destId="{1FE5DD0D-626C-4429-ABC0-04A581071A0B}" srcOrd="0" destOrd="0" presId="urn:microsoft.com/office/officeart/2008/layout/HalfCircleOrganizationChart"/>
+    <dgm:cxn modelId="{B2461594-5996-46F9-BDDB-D73DCBEABA54}" type="presOf" srcId="{58ED5B74-4D3D-4D7B-9D0F-2CFA2949F825}" destId="{924F1AF0-7F0E-43D8-B102-1AEA37EFA997}" srcOrd="1" destOrd="0" presId="urn:microsoft.com/office/officeart/2008/layout/HalfCircleOrganizationChart"/>
+    <dgm:cxn modelId="{5645BCBB-16A6-4CF6-8B94-098A77A88D5A}" type="presOf" srcId="{912E8A23-D6C0-45FE-AE25-FC10026DEF3A}" destId="{0C5084D6-6AE5-4CE5-A31D-D0EA49E194D2}" srcOrd="1" destOrd="0" presId="urn:microsoft.com/office/officeart/2008/layout/HalfCircleOrganizationChart"/>
+    <dgm:cxn modelId="{57C34CB6-BFD7-456B-9F7A-017B56E32873}" type="presOf" srcId="{7C7BA107-4E8C-43D5-A00A-14BA98EFAEA2}" destId="{AE064FDC-50BF-44F4-B5F4-B1E730AE7EF5}" srcOrd="0" destOrd="0" presId="urn:microsoft.com/office/officeart/2008/layout/HalfCircleOrganizationChart"/>
+    <dgm:cxn modelId="{DC8CBAA8-674C-4A9A-97D2-F3FF05E9CED1}" type="presOf" srcId="{DD0C602C-77F9-465F-8D3E-CA33EA17A398}" destId="{B2120968-539E-4B0D-BFF5-8A6B5DAEADBA}" srcOrd="0" destOrd="0" presId="urn:microsoft.com/office/officeart/2008/layout/HalfCircleOrganizationChart"/>
+    <dgm:cxn modelId="{419318DA-F390-4246-8D43-AA2D24F011CE}" type="presOf" srcId="{EEE139DD-6BD9-4EC9-8042-E78DD30D1D8C}" destId="{69A97763-BE97-416D-8B03-4DD1726590CB}" srcOrd="0" destOrd="0" presId="urn:microsoft.com/office/officeart/2008/layout/HalfCircleOrganizationChart"/>
+    <dgm:cxn modelId="{EF0352CC-8D60-4E32-A383-DDA3B3C70A78}" type="presOf" srcId="{5F7B2DD5-0342-4DC8-A4C5-14746FFA0543}" destId="{5E377BED-F03D-46CC-AA06-1AB44EC31CC6}" srcOrd="0" destOrd="0" presId="urn:microsoft.com/office/officeart/2008/layout/HalfCircleOrganizationChart"/>
+    <dgm:cxn modelId="{D62C79B6-DAEB-41BD-9E89-F73FE8AAD279}" type="presOf" srcId="{9BE01FAD-D3E7-488E-B77D-1653BD01874C}" destId="{C4D0AD07-3FD3-4E28-9C9A-99EDB4502C65}" srcOrd="1" destOrd="0" presId="urn:microsoft.com/office/officeart/2008/layout/HalfCircleOrganizationChart"/>
+    <dgm:cxn modelId="{B060E496-2574-4AAE-AD6A-B990AAC3F539}" type="presOf" srcId="{DAA55E57-B63E-42F8-A75C-1C8E0D5168F4}" destId="{E164D8C9-DC1F-46E8-B93C-56DE76C1CC16}" srcOrd="0" destOrd="0" presId="urn:microsoft.com/office/officeart/2008/layout/HalfCircleOrganizationChart"/>
+    <dgm:cxn modelId="{AA3F299A-00BE-4E02-B092-B24BD97F2B29}" srcId="{678858C1-A72E-4293-B4E2-EDEE76913A07}" destId="{8911FAA6-4CF0-4725-9FCB-2AA265211C55}" srcOrd="0" destOrd="0" parTransId="{5F7B2DD5-0342-4DC8-A4C5-14746FFA0543}" sibTransId="{7DA2D2F3-3052-4492-899A-0552EC9715B9}"/>
+    <dgm:cxn modelId="{5AA81478-6852-4714-ADDD-AD8126DBF6A8}" type="presOf" srcId="{384B76A2-E8AF-480B-A70F-40B4172E8325}" destId="{CF8737D6-2447-4442-950B-85C1F400A989}" srcOrd="0" destOrd="0" presId="urn:microsoft.com/office/officeart/2008/layout/HalfCircleOrganizationChart"/>
+    <dgm:cxn modelId="{96EA3FC7-42E4-4A7C-B29D-7B711059835C}" type="presOf" srcId="{DE1A2641-A3A1-4066-B356-BDC20EEF333E}" destId="{2FE6D7F7-5C53-4B29-A45A-C2D496A910AF}" srcOrd="1" destOrd="0" presId="urn:microsoft.com/office/officeart/2008/layout/HalfCircleOrganizationChart"/>
+    <dgm:cxn modelId="{A35B60FE-47DF-4554-96BA-A8CCF0F02E64}" srcId="{B8906F86-17A3-4CEB-B44F-1493A95F557A}" destId="{DE1A2641-A3A1-4066-B356-BDC20EEF333E}" srcOrd="2" destOrd="0" parTransId="{78043E46-CA8E-4973-A6BF-48047BC6AEB9}" sibTransId="{815F95EE-C1A4-4188-BEA1-8430528F93B0}"/>
+    <dgm:cxn modelId="{93DFBED6-0BAA-4E5E-A72C-F7F9D18FE0FA}" type="presOf" srcId="{C9E729E9-B75A-4976-9C61-A35BC00A20C6}" destId="{AF3ECC84-54E9-4A85-97DD-A434AAA851C4}" srcOrd="1" destOrd="0" presId="urn:microsoft.com/office/officeart/2008/layout/HalfCircleOrganizationChart"/>
+    <dgm:cxn modelId="{4ED48A3E-22AB-4A36-9B37-30F078EDA181}" type="presOf" srcId="{D79E8F8B-6AC8-4832-B42B-9CD2FBEC40BC}" destId="{04871622-80D8-4603-87A9-C7CAC11D2205}" srcOrd="0" destOrd="0" presId="urn:microsoft.com/office/officeart/2008/layout/HalfCircleOrganizationChart"/>
+    <dgm:cxn modelId="{71FA187A-3076-44FE-9462-396B12E43AFD}" srcId="{8B7D134F-FB71-4F52-BA71-23B591E5F035}" destId="{FF4042ED-4161-4B0B-9C47-17BD99290380}" srcOrd="0" destOrd="0" parTransId="{6F6FD406-9F95-40B3-B949-D2ED5A72BFED}" sibTransId="{170F1A97-7A0C-4AA5-982F-358740DFD550}"/>
+    <dgm:cxn modelId="{CA1EC9AB-9AC5-4A82-9873-FA0C89DBE53F}" type="presOf" srcId="{CBB24B04-170C-4FE6-8FE5-4EB888A4BC34}" destId="{90C37845-CF01-47D4-AFB5-489916AFB6EF}" srcOrd="0" destOrd="0" presId="urn:microsoft.com/office/officeart/2008/layout/HalfCircleOrganizationChart"/>
+    <dgm:cxn modelId="{5E2FCB76-7E08-429E-A7CC-24E7E3A459A7}" srcId="{B8906F86-17A3-4CEB-B44F-1493A95F557A}" destId="{735FEB49-8C14-4DEF-9912-D98E8B581D0C}" srcOrd="0" destOrd="0" parTransId="{267A48DD-6714-445C-95C4-0A20DBC604E8}" sibTransId="{26124F59-FE0B-4CF8-A7A9-6542D490FFDE}"/>
     <dgm:cxn modelId="{AC227520-668B-46D7-9446-AEFA82B45AC7}" type="presOf" srcId="{267A48DD-6714-445C-95C4-0A20DBC604E8}" destId="{70312117-582F-4247-A336-88AACE335E60}" srcOrd="0" destOrd="0" presId="urn:microsoft.com/office/officeart/2008/layout/HalfCircleOrganizationChart"/>
-    <dgm:cxn modelId="{502B9D22-EA71-40EA-A665-91CBDFFF7DD1}" type="presOf" srcId="{6F6FD406-9F95-40B3-B949-D2ED5A72BFED}" destId="{597285AF-50DA-4769-96C9-9E575824AC57}" srcOrd="0" destOrd="0" presId="urn:microsoft.com/office/officeart/2008/layout/HalfCircleOrganizationChart"/>
-    <dgm:cxn modelId="{876EC622-163E-4292-9463-7617EBFE2C62}" type="presOf" srcId="{B26DDD2C-087C-40F0-81B8-0429EF3788B7}" destId="{887C2793-92AA-423A-BA14-65E1BA15AD87}" srcOrd="0" destOrd="0" presId="urn:microsoft.com/office/officeart/2008/layout/HalfCircleOrganizationChart"/>
-    <dgm:cxn modelId="{5DB8DC26-E30C-43AD-ABD2-75C4940DDF20}" type="presOf" srcId="{BC9A9C50-9168-46B4-BB79-621CE0731647}" destId="{027B608F-637C-48ED-B7F5-4CB9A5090520}" srcOrd="0" destOrd="0" presId="urn:microsoft.com/office/officeart/2008/layout/HalfCircleOrganizationChart"/>
-    <dgm:cxn modelId="{8236BD2A-3DB9-4F42-A577-53077908C52E}" type="presOf" srcId="{D7175D20-010C-46C3-A67F-0ACA9FCB4A10}" destId="{F02B1DC9-037E-4DAD-A9FE-3CE7A0AACE6B}" srcOrd="0" destOrd="0" presId="urn:microsoft.com/office/officeart/2008/layout/HalfCircleOrganizationChart"/>
+    <dgm:cxn modelId="{EB351F78-7942-496F-8BB9-8F4A2286B229}" type="presOf" srcId="{8911FAA6-4CF0-4725-9FCB-2AA265211C55}" destId="{F2ECA258-5C4B-4660-ACFA-D9B70432D97E}" srcOrd="0" destOrd="0" presId="urn:microsoft.com/office/officeart/2008/layout/HalfCircleOrganizationChart"/>
+    <dgm:cxn modelId="{36093D4A-F640-490D-85E7-53F7DB8D5E27}" type="presOf" srcId="{8911FAA6-4CF0-4725-9FCB-2AA265211C55}" destId="{814D1106-94DB-4D23-8033-58FF71181428}" srcOrd="1" destOrd="0" presId="urn:microsoft.com/office/officeart/2008/layout/HalfCircleOrganizationChart"/>
     <dgm:cxn modelId="{B31E782B-4AA6-4DE4-8875-1D45CD57F270}" srcId="{DD0C602C-77F9-465F-8D3E-CA33EA17A398}" destId="{BC9A9C50-9168-46B4-BB79-621CE0731647}" srcOrd="0" destOrd="0" parTransId="{03D2FCA4-57FC-41FB-ADC8-D05D0C221A0F}" sibTransId="{0FEEB6FE-9D66-480F-AEA0-68B7EDA42144}"/>
-    <dgm:cxn modelId="{8CE90931-D064-4824-BDBB-D1CCC5D44859}" type="presOf" srcId="{A30F1F8E-C4E9-4A09-AC6A-AD5FC9F73251}" destId="{1FE5DD0D-626C-4429-ABC0-04A581071A0B}" srcOrd="0" destOrd="0" presId="urn:microsoft.com/office/officeart/2008/layout/HalfCircleOrganizationChart"/>
-    <dgm:cxn modelId="{148B2534-5402-4236-92A6-A157806DA655}" type="presOf" srcId="{DE1A2641-A3A1-4066-B356-BDC20EEF333E}" destId="{8B23F889-E026-4F19-A786-8BB36A0F0FBB}" srcOrd="0" destOrd="0" presId="urn:microsoft.com/office/officeart/2008/layout/HalfCircleOrganizationChart"/>
-    <dgm:cxn modelId="{696C2235-3DB0-4E14-90F3-99437C58B424}" type="presOf" srcId="{7238AB7F-EEC4-473A-8CD5-8FD9BD98477C}" destId="{E304A664-A974-47E0-B86C-7B7C75A8CAEC}" srcOrd="0" destOrd="0" presId="urn:microsoft.com/office/officeart/2008/layout/HalfCircleOrganizationChart"/>
-    <dgm:cxn modelId="{32D8B335-78A3-47A7-897C-7D7BF6E8AF9A}" type="presOf" srcId="{8B7D134F-FB71-4F52-BA71-23B591E5F035}" destId="{1BF99EAF-4BD0-488E-A479-BBF6BA69C6BC}" srcOrd="1" destOrd="0" presId="urn:microsoft.com/office/officeart/2008/layout/HalfCircleOrganizationChart"/>
-    <dgm:cxn modelId="{E5A8F33A-C255-4B42-8EF7-FC8FCA159F3E}" type="presOf" srcId="{B8906F86-17A3-4CEB-B44F-1493A95F557A}" destId="{798D18AE-42C6-4677-B0F2-C762175DE80C}" srcOrd="0" destOrd="0" presId="urn:microsoft.com/office/officeart/2008/layout/HalfCircleOrganizationChart"/>
-    <dgm:cxn modelId="{86CEDE3D-AB2B-49D5-B852-C43B01B89891}" type="presOf" srcId="{735FEB49-8C14-4DEF-9912-D98E8B581D0C}" destId="{2FF21D57-CC43-47F5-A1C3-C95874AEA47A}" srcOrd="0" destOrd="0" presId="urn:microsoft.com/office/officeart/2008/layout/HalfCircleOrganizationChart"/>
-    <dgm:cxn modelId="{4ED48A3E-22AB-4A36-9B37-30F078EDA181}" type="presOf" srcId="{D79E8F8B-6AC8-4832-B42B-9CD2FBEC40BC}" destId="{04871622-80D8-4603-87A9-C7CAC11D2205}" srcOrd="0" destOrd="0" presId="urn:microsoft.com/office/officeart/2008/layout/HalfCircleOrganizationChart"/>
-    <dgm:cxn modelId="{4032905D-758B-47DB-B763-57A41CBFEB5B}" srcId="{2DCAE112-F0F2-405F-A6D2-4555D7500456}" destId="{8A07FF1D-E38A-4342-AF9A-01C4A1DD8AE6}" srcOrd="0" destOrd="0" parTransId="{03939815-54A3-4173-9374-3229E8C8C468}" sibTransId="{8672B0B0-74DC-4A65-8520-78DCC0625D5F}"/>
-    <dgm:cxn modelId="{D50AED5D-DCDF-47C1-83CB-8D1E49488805}" type="presOf" srcId="{3F7381DD-ED20-4116-BC12-2B4DE078BF64}" destId="{77B7204B-35D9-44FE-A09E-2BB7DC02E423}" srcOrd="0" destOrd="0" presId="urn:microsoft.com/office/officeart/2008/layout/HalfCircleOrganizationChart"/>
-    <dgm:cxn modelId="{60EE0864-598A-44F0-A2C0-FEA39647D058}" type="presOf" srcId="{78043E46-CA8E-4973-A6BF-48047BC6AEB9}" destId="{EF19D4C2-E2C9-459C-B5EB-B91817C71BEC}" srcOrd="0" destOrd="0" presId="urn:microsoft.com/office/officeart/2008/layout/HalfCircleOrganizationChart"/>
-    <dgm:cxn modelId="{12C80C45-8574-4E8A-9F4A-9CB5F949F764}" srcId="{B8906F86-17A3-4CEB-B44F-1493A95F557A}" destId="{912E8A23-D6C0-45FE-AE25-FC10026DEF3A}" srcOrd="1" destOrd="0" parTransId="{EACB4901-6D83-49C4-A981-E2C11AE2C2D5}" sibTransId="{0141CC35-3EE2-4908-8E48-00AAD09710E2}"/>
-    <dgm:cxn modelId="{5FDEE348-5F04-4961-A042-ABEA8E261C53}" type="presOf" srcId="{BC9A9C50-9168-46B4-BB79-621CE0731647}" destId="{A4BBF741-3E4A-4816-B4F7-1A249BA26555}" srcOrd="1" destOrd="0" presId="urn:microsoft.com/office/officeart/2008/layout/HalfCircleOrganizationChart"/>
-    <dgm:cxn modelId="{36093D4A-F640-490D-85E7-53F7DB8D5E27}" type="presOf" srcId="{8911FAA6-4CF0-4725-9FCB-2AA265211C55}" destId="{814D1106-94DB-4D23-8033-58FF71181428}" srcOrd="1" destOrd="0" presId="urn:microsoft.com/office/officeart/2008/layout/HalfCircleOrganizationChart"/>
-    <dgm:cxn modelId="{CAE17770-3EF1-4ACD-9718-0968224B7018}" srcId="{A30F1F8E-C4E9-4A09-AC6A-AD5FC9F73251}" destId="{678858C1-A72E-4293-B4E2-EDEE76913A07}" srcOrd="1" destOrd="0" parTransId="{D7175D20-010C-46C3-A67F-0ACA9FCB4A10}" sibTransId="{3232B2D0-4AC7-455E-9ABA-C8841405528B}"/>
-    <dgm:cxn modelId="{A59B9D72-8A6D-449F-88A9-C508E37736E7}" srcId="{BC9A9C50-9168-46B4-BB79-621CE0731647}" destId="{8B7D134F-FB71-4F52-BA71-23B591E5F035}" srcOrd="2" destOrd="0" parTransId="{B26DDD2C-087C-40F0-81B8-0429EF3788B7}" sibTransId="{A3C33986-7EC2-4735-A682-E0D7F66782FE}"/>
-    <dgm:cxn modelId="{CF8CC952-80FA-4F73-88F2-C8B74E17118F}" type="presOf" srcId="{B8906F86-17A3-4CEB-B44F-1493A95F557A}" destId="{025B4776-2D53-4E2E-8D4C-6E16AF5C9282}" srcOrd="1" destOrd="0" presId="urn:microsoft.com/office/officeart/2008/layout/HalfCircleOrganizationChart"/>
-    <dgm:cxn modelId="{C0F49576-35A7-4D63-A7BC-E633A186C6C7}" srcId="{8A07FF1D-E38A-4342-AF9A-01C4A1DD8AE6}" destId="{9BE01FAD-D3E7-488E-B77D-1653BD01874C}" srcOrd="0" destOrd="0" parTransId="{6DA28D63-4730-4A5B-AB18-D532E19BDA3A}" sibTransId="{3DD3D6F6-A4E5-43F0-BD80-0D036A79561D}"/>
-    <dgm:cxn modelId="{5E2FCB76-7E08-429E-A7CC-24E7E3A459A7}" srcId="{B8906F86-17A3-4CEB-B44F-1493A95F557A}" destId="{735FEB49-8C14-4DEF-9912-D98E8B581D0C}" srcOrd="0" destOrd="0" parTransId="{267A48DD-6714-445C-95C4-0A20DBC604E8}" sibTransId="{26124F59-FE0B-4CF8-A7A9-6542D490FFDE}"/>
-    <dgm:cxn modelId="{3A698977-74B6-4061-81BD-6A1DD3CABA85}" type="presOf" srcId="{384B76A2-E8AF-480B-A70F-40B4172E8325}" destId="{D7FE098F-E7D2-4DCC-A8E8-4D8E8EF8CCE0}" srcOrd="1" destOrd="0" presId="urn:microsoft.com/office/officeart/2008/layout/HalfCircleOrganizationChart"/>
-    <dgm:cxn modelId="{5AA81478-6852-4714-ADDD-AD8126DBF6A8}" type="presOf" srcId="{384B76A2-E8AF-480B-A70F-40B4172E8325}" destId="{CF8737D6-2447-4442-950B-85C1F400A989}" srcOrd="0" destOrd="0" presId="urn:microsoft.com/office/officeart/2008/layout/HalfCircleOrganizationChart"/>
-    <dgm:cxn modelId="{EB351F78-7942-496F-8BB9-8F4A2286B229}" type="presOf" srcId="{8911FAA6-4CF0-4725-9FCB-2AA265211C55}" destId="{F2ECA258-5C4B-4660-ACFA-D9B70432D97E}" srcOrd="0" destOrd="0" presId="urn:microsoft.com/office/officeart/2008/layout/HalfCircleOrganizationChart"/>
-    <dgm:cxn modelId="{67E43158-8AB6-4DDB-8E1D-87BFE2523A53}" srcId="{8A07FF1D-E38A-4342-AF9A-01C4A1DD8AE6}" destId="{DAA55E57-B63E-42F8-A75C-1C8E0D5168F4}" srcOrd="1" destOrd="0" parTransId="{7238AB7F-EEC4-473A-8CD5-8FD9BD98477C}" sibTransId="{82F6B85B-D53B-439D-A1AF-AD063E801C41}"/>
-    <dgm:cxn modelId="{71FA187A-3076-44FE-9462-396B12E43AFD}" srcId="{8B7D134F-FB71-4F52-BA71-23B591E5F035}" destId="{FF4042ED-4161-4B0B-9C47-17BD99290380}" srcOrd="0" destOrd="0" parTransId="{6F6FD406-9F95-40B3-B949-D2ED5A72BFED}" sibTransId="{170F1A97-7A0C-4AA5-982F-358740DFD550}"/>
-    <dgm:cxn modelId="{B135C07E-C5A5-4BF4-84BF-33DCEC8938D4}" type="presOf" srcId="{EACB4901-6D83-49C4-A981-E2C11AE2C2D5}" destId="{A22CDC46-C806-4A47-ABE5-93DCA31BB80E}" srcOrd="0" destOrd="0" presId="urn:microsoft.com/office/officeart/2008/layout/HalfCircleOrganizationChart"/>
-    <dgm:cxn modelId="{371FE67F-96FA-429E-87BC-43AB2BAA47FE}" srcId="{8B7D134F-FB71-4F52-BA71-23B591E5F035}" destId="{384B76A2-E8AF-480B-A70F-40B4172E8325}" srcOrd="1" destOrd="0" parTransId="{EEE139DD-6BD9-4EC9-8042-E78DD30D1D8C}" sibTransId="{70F714F6-58C5-4D86-AD12-872694D650D3}"/>
-    <dgm:cxn modelId="{9CF9F47F-A0FE-4162-9E97-01B6EC12290D}" type="presOf" srcId="{678858C1-A72E-4293-B4E2-EDEE76913A07}" destId="{C34920F2-4739-44A0-9A50-BD806DF6D3B7}" srcOrd="0" destOrd="0" presId="urn:microsoft.com/office/officeart/2008/layout/HalfCircleOrganizationChart"/>
-    <dgm:cxn modelId="{5555E481-1BEC-43D8-8EDE-0D2F9A2C8468}" srcId="{2DCAE112-F0F2-405F-A6D2-4555D7500456}" destId="{A30F1F8E-C4E9-4A09-AC6A-AD5FC9F73251}" srcOrd="1" destOrd="0" parTransId="{EB531047-420C-4832-A697-5D55E49DEC24}" sibTransId="{0663B977-E838-431B-9EBA-237F99B5CC48}"/>
-    <dgm:cxn modelId="{B2461594-5996-46F9-BDDB-D73DCBEABA54}" type="presOf" srcId="{58ED5B74-4D3D-4D7B-9D0F-2CFA2949F825}" destId="{924F1AF0-7F0E-43D8-B102-1AEA37EFA997}" srcOrd="1" destOrd="0" presId="urn:microsoft.com/office/officeart/2008/layout/HalfCircleOrganizationChart"/>
-    <dgm:cxn modelId="{B060E496-2574-4AAE-AD6A-B990AAC3F539}" type="presOf" srcId="{DAA55E57-B63E-42F8-A75C-1C8E0D5168F4}" destId="{E164D8C9-DC1F-46E8-B93C-56DE76C1CC16}" srcOrd="0" destOrd="0" presId="urn:microsoft.com/office/officeart/2008/layout/HalfCircleOrganizationChart"/>
-    <dgm:cxn modelId="{A71CEB96-324C-49F7-9518-1B76B7480524}" type="presOf" srcId="{912E8A23-D6C0-45FE-AE25-FC10026DEF3A}" destId="{098F425B-56B9-4B89-911B-15E648D4DE42}" srcOrd="0" destOrd="0" presId="urn:microsoft.com/office/officeart/2008/layout/HalfCircleOrganizationChart"/>
-    <dgm:cxn modelId="{ED60F296-6716-44E6-AD37-124A72F97271}" type="presOf" srcId="{8A07FF1D-E38A-4342-AF9A-01C4A1DD8AE6}" destId="{EA13E322-382D-42EC-A377-75DDE3126A70}" srcOrd="1" destOrd="0" presId="urn:microsoft.com/office/officeart/2008/layout/HalfCircleOrganizationChart"/>
-    <dgm:cxn modelId="{AA3F299A-00BE-4E02-B092-B24BD97F2B29}" srcId="{678858C1-A72E-4293-B4E2-EDEE76913A07}" destId="{8911FAA6-4CF0-4725-9FCB-2AA265211C55}" srcOrd="0" destOrd="0" parTransId="{5F7B2DD5-0342-4DC8-A4C5-14746FFA0543}" sibTransId="{7DA2D2F3-3052-4492-899A-0552EC9715B9}"/>
-    <dgm:cxn modelId="{2ED5369A-8EC5-475A-B9E8-1FA05675D5A6}" type="presOf" srcId="{EB531047-420C-4832-A697-5D55E49DEC24}" destId="{31A0854A-240B-4533-B3AA-44214A012F3C}" srcOrd="0" destOrd="0" presId="urn:microsoft.com/office/officeart/2008/layout/HalfCircleOrganizationChart"/>
-    <dgm:cxn modelId="{D570DE9A-C3A8-4355-871B-3B50920FE0F5}" type="presOf" srcId="{58ED5B74-4D3D-4D7B-9D0F-2CFA2949F825}" destId="{3FA22E62-5893-49D9-945B-F2924B998B21}" srcOrd="0" destOrd="0" presId="urn:microsoft.com/office/officeart/2008/layout/HalfCircleOrganizationChart"/>
-    <dgm:cxn modelId="{536FB19E-FA6F-4868-ABBD-CC8B937E1FDF}" srcId="{DAA55E57-B63E-42F8-A75C-1C8E0D5168F4}" destId="{C14D0F75-6609-48C1-97E3-B941EDEAFB10}" srcOrd="1" destOrd="0" parTransId="{D79E8F8B-6AC8-4832-B42B-9CD2FBEC40BC}" sibTransId="{AF6FC7F4-FC4D-4542-8EDA-B7CAB1D2D627}"/>
-    <dgm:cxn modelId="{DC8CBAA8-674C-4A9A-97D2-F3FF05E9CED1}" type="presOf" srcId="{DD0C602C-77F9-465F-8D3E-CA33EA17A398}" destId="{B2120968-539E-4B0D-BFF5-8A6B5DAEADBA}" srcOrd="0" destOrd="0" presId="urn:microsoft.com/office/officeart/2008/layout/HalfCircleOrganizationChart"/>
-    <dgm:cxn modelId="{CA1EC9AB-9AC5-4A82-9873-FA0C89DBE53F}" type="presOf" srcId="{CBB24B04-170C-4FE6-8FE5-4EB888A4BC34}" destId="{90C37845-CF01-47D4-AFB5-489916AFB6EF}" srcOrd="0" destOrd="0" presId="urn:microsoft.com/office/officeart/2008/layout/HalfCircleOrganizationChart"/>
+    <dgm:cxn modelId="{7C7FD9BB-E63A-4F15-A68C-08E4EF32818D}" type="presOf" srcId="{FF4042ED-4161-4B0B-9C47-17BD99290380}" destId="{7D6212AA-4C0A-4CDE-9489-1D5DE61EE3BD}" srcOrd="0" destOrd="0" presId="urn:microsoft.com/office/officeart/2008/layout/HalfCircleOrganizationChart"/>
     <dgm:cxn modelId="{DFD5AEAF-D4FC-45B5-B7CF-487B4CE75D8F}" type="presOf" srcId="{C9E729E9-B75A-4976-9C61-A35BC00A20C6}" destId="{EE4053F2-DE86-47DF-BFF1-69036EE6DA5C}" srcOrd="0" destOrd="0" presId="urn:microsoft.com/office/officeart/2008/layout/HalfCircleOrganizationChart"/>
     <dgm:cxn modelId="{33BBD1B3-584C-4A50-BCD8-E56457ADB335}" type="presOf" srcId="{2DCAE112-F0F2-405F-A6D2-4555D7500456}" destId="{6C893041-A832-4B74-BAC1-C00C4DEAE91B}" srcOrd="0" destOrd="0" presId="urn:microsoft.com/office/officeart/2008/layout/HalfCircleOrganizationChart"/>
-    <dgm:cxn modelId="{97BB1BB6-7B78-4A91-A989-F56BBED7A0D1}" type="presOf" srcId="{BB9CCF92-5598-47EF-9C32-5DE7578698FF}" destId="{62064C34-13B0-4B83-B89F-6272547ED960}" srcOrd="1" destOrd="0" presId="urn:microsoft.com/office/officeart/2008/layout/HalfCircleOrganizationChart"/>
+    <dgm:cxn modelId="{50B8981F-B215-477A-9DBB-0AFC4B7F59DE}" type="presOf" srcId="{DAA55E57-B63E-42F8-A75C-1C8E0D5168F4}" destId="{0097E48B-9DDF-4437-B50D-D232EACFC8E1}" srcOrd="1" destOrd="0" presId="urn:microsoft.com/office/officeart/2008/layout/HalfCircleOrganizationChart"/>
+    <dgm:cxn modelId="{4ACD7AD6-9CE9-43AF-B6D5-C823C76DFF93}" srcId="{BC9A9C50-9168-46B4-BB79-621CE0731647}" destId="{2DCAE112-F0F2-405F-A6D2-4555D7500456}" srcOrd="1" destOrd="0" parTransId="{CBB24B04-170C-4FE6-8FE5-4EB888A4BC34}" sibTransId="{304D5F5D-386C-458B-AD4A-18819B48FF63}"/>
+    <dgm:cxn modelId="{B2D56E19-7181-4880-BA91-30CCA672BF24}" type="presOf" srcId="{BB9CCF92-5598-47EF-9C32-5DE7578698FF}" destId="{4DC5B7ED-AD35-422A-9F4D-B38A01DBDA7B}" srcOrd="0" destOrd="0" presId="urn:microsoft.com/office/officeart/2008/layout/HalfCircleOrganizationChart"/>
+    <dgm:cxn modelId="{0BF5C5E2-A912-4B12-BBCA-D3EC7FE54F07}" type="presOf" srcId="{8A07FF1D-E38A-4342-AF9A-01C4A1DD8AE6}" destId="{5F595239-3592-47D7-86E6-6E551D57B10C}" srcOrd="0" destOrd="0" presId="urn:microsoft.com/office/officeart/2008/layout/HalfCircleOrganizationChart"/>
+    <dgm:cxn modelId="{9CF9F47F-A0FE-4162-9E97-01B6EC12290D}" type="presOf" srcId="{678858C1-A72E-4293-B4E2-EDEE76913A07}" destId="{C34920F2-4739-44A0-9A50-BD806DF6D3B7}" srcOrd="0" destOrd="0" presId="urn:microsoft.com/office/officeart/2008/layout/HalfCircleOrganizationChart"/>
+    <dgm:cxn modelId="{5F3F3FFF-E7EA-4CC6-9C70-62F4E6B3A4D6}" srcId="{BC9A9C50-9168-46B4-BB79-621CE0731647}" destId="{B8906F86-17A3-4CEB-B44F-1493A95F557A}" srcOrd="0" destOrd="0" parTransId="{7C7BA107-4E8C-43D5-A00A-14BA98EFAEA2}" sibTransId="{89B30F45-2A35-4210-A38A-FDCDABBABEF7}"/>
+    <dgm:cxn modelId="{67E43158-8AB6-4DDB-8E1D-87BFE2523A53}" srcId="{8A07FF1D-E38A-4342-AF9A-01C4A1DD8AE6}" destId="{DAA55E57-B63E-42F8-A75C-1C8E0D5168F4}" srcOrd="1" destOrd="0" parTransId="{7238AB7F-EEC4-473A-8CD5-8FD9BD98477C}" sibTransId="{82F6B85B-D53B-439D-A1AF-AD063E801C41}"/>
+    <dgm:cxn modelId="{DAC802FC-CA03-49F3-AA06-B79634483264}" type="presOf" srcId="{A30F1F8E-C4E9-4A09-AC6A-AD5FC9F73251}" destId="{B72C17FE-E3EC-4354-BCF8-6C9463B8076E}" srcOrd="1" destOrd="0" presId="urn:microsoft.com/office/officeart/2008/layout/HalfCircleOrganizationChart"/>
+    <dgm:cxn modelId="{ED60F296-6716-44E6-AD37-124A72F97271}" type="presOf" srcId="{8A07FF1D-E38A-4342-AF9A-01C4A1DD8AE6}" destId="{EA13E322-382D-42EC-A377-75DDE3126A70}" srcOrd="1" destOrd="0" presId="urn:microsoft.com/office/officeart/2008/layout/HalfCircleOrganizationChart"/>
+    <dgm:cxn modelId="{D570DE9A-C3A8-4355-871B-3B50920FE0F5}" type="presOf" srcId="{58ED5B74-4D3D-4D7B-9D0F-2CFA2949F825}" destId="{3FA22E62-5893-49D9-945B-F2924B998B21}" srcOrd="0" destOrd="0" presId="urn:microsoft.com/office/officeart/2008/layout/HalfCircleOrganizationChart"/>
+    <dgm:cxn modelId="{CF8CC952-80FA-4F73-88F2-C8B74E17118F}" type="presOf" srcId="{B8906F86-17A3-4CEB-B44F-1493A95F557A}" destId="{025B4776-2D53-4E2E-8D4C-6E16AF5C9282}" srcOrd="1" destOrd="0" presId="urn:microsoft.com/office/officeart/2008/layout/HalfCircleOrganizationChart"/>
+    <dgm:cxn modelId="{8236BD2A-3DB9-4F42-A577-53077908C52E}" type="presOf" srcId="{D7175D20-010C-46C3-A67F-0ACA9FCB4A10}" destId="{F02B1DC9-037E-4DAD-A9FE-3CE7A0AACE6B}" srcOrd="0" destOrd="0" presId="urn:microsoft.com/office/officeart/2008/layout/HalfCircleOrganizationChart"/>
+    <dgm:cxn modelId="{060697B6-8D6C-4796-82E5-6BD427D8DD59}" type="presOf" srcId="{C14D0F75-6609-48C1-97E3-B941EDEAFB10}" destId="{3C234821-AF37-4521-AFCA-D46CA2EEB3C5}" srcOrd="1" destOrd="0" presId="urn:microsoft.com/office/officeart/2008/layout/HalfCircleOrganizationChart"/>
+    <dgm:cxn modelId="{86CEDE3D-AB2B-49D5-B852-C43B01B89891}" type="presOf" srcId="{735FEB49-8C14-4DEF-9912-D98E8B581D0C}" destId="{2FF21D57-CC43-47F5-A1C3-C95874AEA47A}" srcOrd="0" destOrd="0" presId="urn:microsoft.com/office/officeart/2008/layout/HalfCircleOrganizationChart"/>
+    <dgm:cxn modelId="{FE5DF3C5-FB9D-4D4E-BE05-96D870C868BE}" type="presOf" srcId="{735FEB49-8C14-4DEF-9912-D98E8B581D0C}" destId="{16B4F03A-215D-4545-9FBA-EA3E305E539C}" srcOrd="1" destOrd="0" presId="urn:microsoft.com/office/officeart/2008/layout/HalfCircleOrganizationChart"/>
+    <dgm:cxn modelId="{96ECB5CA-3F09-4B76-BEC2-6DB9189D1857}" srcId="{A30F1F8E-C4E9-4A09-AC6A-AD5FC9F73251}" destId="{C9E729E9-B75A-4976-9C61-A35BC00A20C6}" srcOrd="0" destOrd="0" parTransId="{41301CB3-C92D-423D-AA82-39E83E9F8ED4}" sibTransId="{6BDA0E34-B499-44E8-9591-97990E74ACD1}"/>
+    <dgm:cxn modelId="{283F1FF3-FD18-46E3-A8FE-84CEAF57091D}" srcId="{678858C1-A72E-4293-B4E2-EDEE76913A07}" destId="{58ED5B74-4D3D-4D7B-9D0F-2CFA2949F825}" srcOrd="1" destOrd="0" parTransId="{3F7381DD-ED20-4116-BC12-2B4DE078BF64}" sibTransId="{E950A640-BF18-4F4B-9B4E-EFAAF12CBB7F}"/>
+    <dgm:cxn modelId="{886FE1FD-B8A0-4F3D-B1A1-909D92FF3179}" type="presOf" srcId="{3672CFA3-F824-4353-A416-4BE028791597}" destId="{467A319E-C633-4231-AD74-585F9C882649}" srcOrd="0" destOrd="0" presId="urn:microsoft.com/office/officeart/2008/layout/HalfCircleOrganizationChart"/>
+    <dgm:cxn modelId="{148B2534-5402-4236-92A6-A157806DA655}" type="presOf" srcId="{DE1A2641-A3A1-4066-B356-BDC20EEF333E}" destId="{8B23F889-E026-4F19-A786-8BB36A0F0FBB}" srcOrd="0" destOrd="0" presId="urn:microsoft.com/office/officeart/2008/layout/HalfCircleOrganizationChart"/>
+    <dgm:cxn modelId="{D50AED5D-DCDF-47C1-83CB-8D1E49488805}" type="presOf" srcId="{3F7381DD-ED20-4116-BC12-2B4DE078BF64}" destId="{77B7204B-35D9-44FE-A09E-2BB7DC02E423}" srcOrd="0" destOrd="0" presId="urn:microsoft.com/office/officeart/2008/layout/HalfCircleOrganizationChart"/>
     <dgm:cxn modelId="{10C538B6-4A11-4629-A8D1-38BBC7F06C23}" type="presOf" srcId="{9BE01FAD-D3E7-488E-B77D-1653BD01874C}" destId="{69439DCC-B0CC-4AEE-AEAA-7D82B650B240}" srcOrd="0" destOrd="0" presId="urn:microsoft.com/office/officeart/2008/layout/HalfCircleOrganizationChart"/>
-    <dgm:cxn modelId="{57C34CB6-BFD7-456B-9F7A-017B56E32873}" type="presOf" srcId="{7C7BA107-4E8C-43D5-A00A-14BA98EFAEA2}" destId="{AE064FDC-50BF-44F4-B5F4-B1E730AE7EF5}" srcOrd="0" destOrd="0" presId="urn:microsoft.com/office/officeart/2008/layout/HalfCircleOrganizationChart"/>
-    <dgm:cxn modelId="{D62C79B6-DAEB-41BD-9E89-F73FE8AAD279}" type="presOf" srcId="{9BE01FAD-D3E7-488E-B77D-1653BD01874C}" destId="{C4D0AD07-3FD3-4E28-9C9A-99EDB4502C65}" srcOrd="1" destOrd="0" presId="urn:microsoft.com/office/officeart/2008/layout/HalfCircleOrganizationChart"/>
-    <dgm:cxn modelId="{060697B6-8D6C-4796-82E5-6BD427D8DD59}" type="presOf" srcId="{C14D0F75-6609-48C1-97E3-B941EDEAFB10}" destId="{3C234821-AF37-4521-AFCA-D46CA2EEB3C5}" srcOrd="1" destOrd="0" presId="urn:microsoft.com/office/officeart/2008/layout/HalfCircleOrganizationChart"/>
-    <dgm:cxn modelId="{80884BB8-B867-45D4-A03A-B3F1A0723CDF}" srcId="{DAA55E57-B63E-42F8-A75C-1C8E0D5168F4}" destId="{BB9CCF92-5598-47EF-9C32-5DE7578698FF}" srcOrd="0" destOrd="0" parTransId="{3672CFA3-F824-4353-A416-4BE028791597}" sibTransId="{DFC1E806-84B4-4A4B-BE7D-7A20A01C50A8}"/>
-    <dgm:cxn modelId="{5645BCBB-16A6-4CF6-8B94-098A77A88D5A}" type="presOf" srcId="{912E8A23-D6C0-45FE-AE25-FC10026DEF3A}" destId="{0C5084D6-6AE5-4CE5-A31D-D0EA49E194D2}" srcOrd="1" destOrd="0" presId="urn:microsoft.com/office/officeart/2008/layout/HalfCircleOrganizationChart"/>
-    <dgm:cxn modelId="{7C7FD9BB-E63A-4F15-A68C-08E4EF32818D}" type="presOf" srcId="{FF4042ED-4161-4B0B-9C47-17BD99290380}" destId="{7D6212AA-4C0A-4CDE-9489-1D5DE61EE3BD}" srcOrd="0" destOrd="0" presId="urn:microsoft.com/office/officeart/2008/layout/HalfCircleOrganizationChart"/>
-    <dgm:cxn modelId="{FE5DF3C5-FB9D-4D4E-BE05-96D870C868BE}" type="presOf" srcId="{735FEB49-8C14-4DEF-9912-D98E8B581D0C}" destId="{16B4F03A-215D-4545-9FBA-EA3E305E539C}" srcOrd="1" destOrd="0" presId="urn:microsoft.com/office/officeart/2008/layout/HalfCircleOrganizationChart"/>
-    <dgm:cxn modelId="{96EA3FC7-42E4-4A7C-B29D-7B711059835C}" type="presOf" srcId="{DE1A2641-A3A1-4066-B356-BDC20EEF333E}" destId="{2FE6D7F7-5C53-4B29-A45A-C2D496A910AF}" srcOrd="1" destOrd="0" presId="urn:microsoft.com/office/officeart/2008/layout/HalfCircleOrganizationChart"/>
-    <dgm:cxn modelId="{1717D4C9-F652-44AA-91C2-470A06AB284B}" type="presOf" srcId="{03939815-54A3-4173-9374-3229E8C8C468}" destId="{04B28A38-B58C-48B2-B318-A615F842A447}" srcOrd="0" destOrd="0" presId="urn:microsoft.com/office/officeart/2008/layout/HalfCircleOrganizationChart"/>
-    <dgm:cxn modelId="{96ECB5CA-3F09-4B76-BEC2-6DB9189D1857}" srcId="{A30F1F8E-C4E9-4A09-AC6A-AD5FC9F73251}" destId="{C9E729E9-B75A-4976-9C61-A35BC00A20C6}" srcOrd="0" destOrd="0" parTransId="{41301CB3-C92D-423D-AA82-39E83E9F8ED4}" sibTransId="{6BDA0E34-B499-44E8-9591-97990E74ACD1}"/>
-    <dgm:cxn modelId="{BD822CCB-99CB-421E-9C91-03C923D82F0F}" type="presOf" srcId="{41301CB3-C92D-423D-AA82-39E83E9F8ED4}" destId="{B68CC3AB-C1CD-4045-A423-3EE9A8EAA826}" srcOrd="0" destOrd="0" presId="urn:microsoft.com/office/officeart/2008/layout/HalfCircleOrganizationChart"/>
-    <dgm:cxn modelId="{EF0352CC-8D60-4E32-A383-DDA3B3C70A78}" type="presOf" srcId="{5F7B2DD5-0342-4DC8-A4C5-14746FFA0543}" destId="{5E377BED-F03D-46CC-AA06-1AB44EC31CC6}" srcOrd="0" destOrd="0" presId="urn:microsoft.com/office/officeart/2008/layout/HalfCircleOrganizationChart"/>
-    <dgm:cxn modelId="{A43362D4-14B5-4CF9-8B68-B2685632F81F}" type="presOf" srcId="{2DCAE112-F0F2-405F-A6D2-4555D7500456}" destId="{B8F07238-0CA4-4EB4-8C1B-5717F48ADF62}" srcOrd="1" destOrd="0" presId="urn:microsoft.com/office/officeart/2008/layout/HalfCircleOrganizationChart"/>
-    <dgm:cxn modelId="{4ACD7AD6-9CE9-43AF-B6D5-C823C76DFF93}" srcId="{BC9A9C50-9168-46B4-BB79-621CE0731647}" destId="{2DCAE112-F0F2-405F-A6D2-4555D7500456}" srcOrd="1" destOrd="0" parTransId="{CBB24B04-170C-4FE6-8FE5-4EB888A4BC34}" sibTransId="{304D5F5D-386C-458B-AD4A-18819B48FF63}"/>
-    <dgm:cxn modelId="{93DFBED6-0BAA-4E5E-A72C-F7F9D18FE0FA}" type="presOf" srcId="{C9E729E9-B75A-4976-9C61-A35BC00A20C6}" destId="{AF3ECC84-54E9-4A85-97DD-A434AAA851C4}" srcOrd="1" destOrd="0" presId="urn:microsoft.com/office/officeart/2008/layout/HalfCircleOrganizationChart"/>
-    <dgm:cxn modelId="{419318DA-F390-4246-8D43-AA2D24F011CE}" type="presOf" srcId="{EEE139DD-6BD9-4EC9-8042-E78DD30D1D8C}" destId="{69A97763-BE97-416D-8B03-4DD1726590CB}" srcOrd="0" destOrd="0" presId="urn:microsoft.com/office/officeart/2008/layout/HalfCircleOrganizationChart"/>
-    <dgm:cxn modelId="{0BF5C5E2-A912-4B12-BBCA-D3EC7FE54F07}" type="presOf" srcId="{8A07FF1D-E38A-4342-AF9A-01C4A1DD8AE6}" destId="{5F595239-3592-47D7-86E6-6E551D57B10C}" srcOrd="0" destOrd="0" presId="urn:microsoft.com/office/officeart/2008/layout/HalfCircleOrganizationChart"/>
-    <dgm:cxn modelId="{283F1FF3-FD18-46E3-A8FE-84CEAF57091D}" srcId="{678858C1-A72E-4293-B4E2-EDEE76913A07}" destId="{58ED5B74-4D3D-4D7B-9D0F-2CFA2949F825}" srcOrd="1" destOrd="0" parTransId="{3F7381DD-ED20-4116-BC12-2B4DE078BF64}" sibTransId="{E950A640-BF18-4F4B-9B4E-EFAAF12CBB7F}"/>
+    <dgm:cxn modelId="{60EE0864-598A-44F0-A2C0-FEA39647D058}" type="presOf" srcId="{78043E46-CA8E-4973-A6BF-48047BC6AEB9}" destId="{EF19D4C2-E2C9-459C-B5EB-B91817C71BEC}" srcOrd="0" destOrd="0" presId="urn:microsoft.com/office/officeart/2008/layout/HalfCircleOrganizationChart"/>
     <dgm:cxn modelId="{6622A2F3-4EB3-4E24-892A-1A0EBDFA45D8}" type="presOf" srcId="{678858C1-A72E-4293-B4E2-EDEE76913A07}" destId="{BF620ED3-149B-4BE5-8967-76C975947210}" srcOrd="1" destOrd="0" presId="urn:microsoft.com/office/officeart/2008/layout/HalfCircleOrganizationChart"/>
-    <dgm:cxn modelId="{08D56FF4-E9A5-4B76-8425-805EC64B299D}" type="presOf" srcId="{6DA28D63-4730-4A5B-AB18-D532E19BDA3A}" destId="{EB6F2F9B-C4C6-4174-9FD1-BFE8FFE1BE96}" srcOrd="0" destOrd="0" presId="urn:microsoft.com/office/officeart/2008/layout/HalfCircleOrganizationChart"/>
-    <dgm:cxn modelId="{497726F5-2F62-44DE-AD01-E9CD2189C4FB}" type="presOf" srcId="{C14D0F75-6609-48C1-97E3-B941EDEAFB10}" destId="{8A3828F0-D508-45CD-909C-6B79D3147092}" srcOrd="0" destOrd="0" presId="urn:microsoft.com/office/officeart/2008/layout/HalfCircleOrganizationChart"/>
-    <dgm:cxn modelId="{DAC802FC-CA03-49F3-AA06-B79634483264}" type="presOf" srcId="{A30F1F8E-C4E9-4A09-AC6A-AD5FC9F73251}" destId="{B72C17FE-E3EC-4354-BCF8-6C9463B8076E}" srcOrd="1" destOrd="0" presId="urn:microsoft.com/office/officeart/2008/layout/HalfCircleOrganizationChart"/>
-    <dgm:cxn modelId="{886FE1FD-B8A0-4F3D-B1A1-909D92FF3179}" type="presOf" srcId="{3672CFA3-F824-4353-A416-4BE028791597}" destId="{467A319E-C633-4231-AD74-585F9C882649}" srcOrd="0" destOrd="0" presId="urn:microsoft.com/office/officeart/2008/layout/HalfCircleOrganizationChart"/>
-    <dgm:cxn modelId="{A35B60FE-47DF-4554-96BA-A8CCF0F02E64}" srcId="{B8906F86-17A3-4CEB-B44F-1493A95F557A}" destId="{DE1A2641-A3A1-4066-B356-BDC20EEF333E}" srcOrd="2" destOrd="0" parTransId="{78043E46-CA8E-4973-A6BF-48047BC6AEB9}" sibTransId="{815F95EE-C1A4-4188-BEA1-8430528F93B0}"/>
-    <dgm:cxn modelId="{5F3F3FFF-E7EA-4CC6-9C70-62F4E6B3A4D6}" srcId="{BC9A9C50-9168-46B4-BB79-621CE0731647}" destId="{B8906F86-17A3-4CEB-B44F-1493A95F557A}" srcOrd="0" destOrd="0" parTransId="{7C7BA107-4E8C-43D5-A00A-14BA98EFAEA2}" sibTransId="{89B30F45-2A35-4210-A38A-FDCDABBABEF7}"/>
+    <dgm:cxn modelId="{B135C07E-C5A5-4BF4-84BF-33DCEC8938D4}" type="presOf" srcId="{EACB4901-6D83-49C4-A981-E2C11AE2C2D5}" destId="{A22CDC46-C806-4A47-ABE5-93DCA31BB80E}" srcOrd="0" destOrd="0" presId="urn:microsoft.com/office/officeart/2008/layout/HalfCircleOrganizationChart"/>
+    <dgm:cxn modelId="{A59B9D72-8A6D-449F-88A9-C508E37736E7}" srcId="{BC9A9C50-9168-46B4-BB79-621CE0731647}" destId="{8B7D134F-FB71-4F52-BA71-23B591E5F035}" srcOrd="2" destOrd="0" parTransId="{B26DDD2C-087C-40F0-81B8-0429EF3788B7}" sibTransId="{A3C33986-7EC2-4735-A682-E0D7F66782FE}"/>
+    <dgm:cxn modelId="{A71CEB96-324C-49F7-9518-1B76B7480524}" type="presOf" srcId="{912E8A23-D6C0-45FE-AE25-FC10026DEF3A}" destId="{098F425B-56B9-4B89-911B-15E648D4DE42}" srcOrd="0" destOrd="0" presId="urn:microsoft.com/office/officeart/2008/layout/HalfCircleOrganizationChart"/>
+    <dgm:cxn modelId="{C0F49576-35A7-4D63-A7BC-E633A186C6C7}" srcId="{8A07FF1D-E38A-4342-AF9A-01C4A1DD8AE6}" destId="{9BE01FAD-D3E7-488E-B77D-1653BD01874C}" srcOrd="0" destOrd="0" parTransId="{6DA28D63-4730-4A5B-AB18-D532E19BDA3A}" sibTransId="{3DD3D6F6-A4E5-43F0-BD80-0D036A79561D}"/>
     <dgm:cxn modelId="{2B11B936-0E68-41E2-B67B-A575C8012D74}" type="presParOf" srcId="{B2120968-539E-4B0D-BFF5-8A6B5DAEADBA}" destId="{58ACBF22-9A56-4C74-BB78-A24F4D68246C}" srcOrd="0" destOrd="0" presId="urn:microsoft.com/office/officeart/2008/layout/HalfCircleOrganizationChart"/>
     <dgm:cxn modelId="{092686F9-3C74-4DEE-93BD-A4172D1D1705}" type="presParOf" srcId="{58ACBF22-9A56-4C74-BB78-A24F4D68246C}" destId="{D2B6480E-32C2-499C-BA23-24C7673AE08B}" srcOrd="0" destOrd="0" presId="urn:microsoft.com/office/officeart/2008/layout/HalfCircleOrganizationChart"/>
     <dgm:cxn modelId="{9D858202-C1B2-474F-B6D3-3523E22FA09B}" type="presParOf" srcId="{D2B6480E-32C2-499C-BA23-24C7673AE08B}" destId="{027B608F-637C-48ED-B7F5-4CB9A5090520}" srcOrd="0" destOrd="0" presId="urn:microsoft.com/office/officeart/2008/layout/HalfCircleOrganizationChart"/>
@@ -4092,11 +4497,14 @@
         <a:lstStyle/>
         <a:p>
           <a:r>
-            <a:rPr lang="en-US" sz="1600" dirty="0">
+            <a:rPr lang="en-US" sz="1600" dirty="0" smtClean="0">
               <a:latin typeface="Georgia" panose="02040502050405020303" pitchFamily="18" charset="0"/>
             </a:rPr>
-            <a:t>Members</a:t>
+            <a:t>Subjects</a:t>
           </a:r>
+          <a:endParaRPr lang="en-US" sz="1600" dirty="0">
+            <a:latin typeface="Georgia" panose="02040502050405020303" pitchFamily="18" charset="0"/>
+          </a:endParaRPr>
         </a:p>
       </dgm:t>
     </dgm:pt>
@@ -4266,6 +4674,13 @@
         </dgm:presLayoutVars>
       </dgm:prSet>
       <dgm:spPr/>
+      <dgm:t>
+        <a:bodyPr/>
+        <a:lstStyle/>
+        <a:p>
+          <a:endParaRPr lang="en-US"/>
+        </a:p>
+      </dgm:t>
     </dgm:pt>
     <dgm:pt modelId="{D98E100B-2ED5-4382-9F12-C553055AFDF9}" type="pres">
       <dgm:prSet presAssocID="{BC9A9C50-9168-46B4-BB79-621CE0731647}" presName="root1" presStyleCnt="0"/>
@@ -4278,6 +4693,13 @@
         </dgm:presLayoutVars>
       </dgm:prSet>
       <dgm:spPr/>
+      <dgm:t>
+        <a:bodyPr/>
+        <a:lstStyle/>
+        <a:p>
+          <a:endParaRPr lang="en-US"/>
+        </a:p>
+      </dgm:t>
     </dgm:pt>
     <dgm:pt modelId="{67212A2F-8E86-461F-B0A1-DC71E47EE2C1}" type="pres">
       <dgm:prSet presAssocID="{BC9A9C50-9168-46B4-BB79-621CE0731647}" presName="level2hierChild" presStyleCnt="0"/>
@@ -4286,10 +4708,24 @@
     <dgm:pt modelId="{F054D97F-D96D-4761-A87D-1BDBEDE4B918}" type="pres">
       <dgm:prSet presAssocID="{7C7BA107-4E8C-43D5-A00A-14BA98EFAEA2}" presName="conn2-1" presStyleLbl="parChTrans1D2" presStyleIdx="0" presStyleCnt="3"/>
       <dgm:spPr/>
+      <dgm:t>
+        <a:bodyPr/>
+        <a:lstStyle/>
+        <a:p>
+          <a:endParaRPr lang="en-US"/>
+        </a:p>
+      </dgm:t>
     </dgm:pt>
     <dgm:pt modelId="{C5C2DF73-1AAC-4E00-90AF-D5A35DDB7F39}" type="pres">
       <dgm:prSet presAssocID="{7C7BA107-4E8C-43D5-A00A-14BA98EFAEA2}" presName="connTx" presStyleLbl="parChTrans1D2" presStyleIdx="0" presStyleCnt="3"/>
       <dgm:spPr/>
+      <dgm:t>
+        <a:bodyPr/>
+        <a:lstStyle/>
+        <a:p>
+          <a:endParaRPr lang="en-US"/>
+        </a:p>
+      </dgm:t>
     </dgm:pt>
     <dgm:pt modelId="{BA551DD1-842D-47D8-A429-7E2135A7322F}" type="pres">
       <dgm:prSet presAssocID="{B8906F86-17A3-4CEB-B44F-1493A95F557A}" presName="root2" presStyleCnt="0"/>
@@ -4302,6 +4738,13 @@
         </dgm:presLayoutVars>
       </dgm:prSet>
       <dgm:spPr/>
+      <dgm:t>
+        <a:bodyPr/>
+        <a:lstStyle/>
+        <a:p>
+          <a:endParaRPr lang="en-US"/>
+        </a:p>
+      </dgm:t>
     </dgm:pt>
     <dgm:pt modelId="{E6A389EF-D8C8-4C74-A8C2-CC0A923C928D}" type="pres">
       <dgm:prSet presAssocID="{B8906F86-17A3-4CEB-B44F-1493A95F557A}" presName="level3hierChild" presStyleCnt="0"/>
@@ -4310,10 +4753,24 @@
     <dgm:pt modelId="{03B7EFBF-7EBD-4EA5-91F5-B550DB0E8570}" type="pres">
       <dgm:prSet presAssocID="{267A48DD-6714-445C-95C4-0A20DBC604E8}" presName="conn2-1" presStyleLbl="parChTrans1D3" presStyleIdx="0" presStyleCnt="7"/>
       <dgm:spPr/>
+      <dgm:t>
+        <a:bodyPr/>
+        <a:lstStyle/>
+        <a:p>
+          <a:endParaRPr lang="en-US"/>
+        </a:p>
+      </dgm:t>
     </dgm:pt>
     <dgm:pt modelId="{4E52598F-E6D1-48CE-A297-F0C879B041A5}" type="pres">
       <dgm:prSet presAssocID="{267A48DD-6714-445C-95C4-0A20DBC604E8}" presName="connTx" presStyleLbl="parChTrans1D3" presStyleIdx="0" presStyleCnt="7"/>
       <dgm:spPr/>
+      <dgm:t>
+        <a:bodyPr/>
+        <a:lstStyle/>
+        <a:p>
+          <a:endParaRPr lang="en-US"/>
+        </a:p>
+      </dgm:t>
     </dgm:pt>
     <dgm:pt modelId="{AD604666-168A-4F23-8406-B4B68B12C895}" type="pres">
       <dgm:prSet presAssocID="{735FEB49-8C14-4DEF-9912-D98E8B581D0C}" presName="root2" presStyleCnt="0"/>
@@ -4326,6 +4783,13 @@
         </dgm:presLayoutVars>
       </dgm:prSet>
       <dgm:spPr/>
+      <dgm:t>
+        <a:bodyPr/>
+        <a:lstStyle/>
+        <a:p>
+          <a:endParaRPr lang="en-US"/>
+        </a:p>
+      </dgm:t>
     </dgm:pt>
     <dgm:pt modelId="{36236B8A-93CC-4D6E-ACF8-639578212A70}" type="pres">
       <dgm:prSet presAssocID="{735FEB49-8C14-4DEF-9912-D98E8B581D0C}" presName="level3hierChild" presStyleCnt="0"/>
@@ -4334,10 +4798,24 @@
     <dgm:pt modelId="{982D66C1-F89A-41CD-AAFC-9351D3547535}" type="pres">
       <dgm:prSet presAssocID="{EACB4901-6D83-49C4-A981-E2C11AE2C2D5}" presName="conn2-1" presStyleLbl="parChTrans1D3" presStyleIdx="1" presStyleCnt="7"/>
       <dgm:spPr/>
+      <dgm:t>
+        <a:bodyPr/>
+        <a:lstStyle/>
+        <a:p>
+          <a:endParaRPr lang="en-US"/>
+        </a:p>
+      </dgm:t>
     </dgm:pt>
     <dgm:pt modelId="{D8B00509-B1BC-4823-98CA-56F364FB39EA}" type="pres">
       <dgm:prSet presAssocID="{EACB4901-6D83-49C4-A981-E2C11AE2C2D5}" presName="connTx" presStyleLbl="parChTrans1D3" presStyleIdx="1" presStyleCnt="7"/>
       <dgm:spPr/>
+      <dgm:t>
+        <a:bodyPr/>
+        <a:lstStyle/>
+        <a:p>
+          <a:endParaRPr lang="en-US"/>
+        </a:p>
+      </dgm:t>
     </dgm:pt>
     <dgm:pt modelId="{8A7B971A-616A-46FD-B353-47124C84054D}" type="pres">
       <dgm:prSet presAssocID="{912E8A23-D6C0-45FE-AE25-FC10026DEF3A}" presName="root2" presStyleCnt="0"/>
@@ -4350,6 +4828,13 @@
         </dgm:presLayoutVars>
       </dgm:prSet>
       <dgm:spPr/>
+      <dgm:t>
+        <a:bodyPr/>
+        <a:lstStyle/>
+        <a:p>
+          <a:endParaRPr lang="en-US"/>
+        </a:p>
+      </dgm:t>
     </dgm:pt>
     <dgm:pt modelId="{F960EB13-A5FC-45AF-A7B4-4FCFDC52B33D}" type="pres">
       <dgm:prSet presAssocID="{912E8A23-D6C0-45FE-AE25-FC10026DEF3A}" presName="level3hierChild" presStyleCnt="0"/>
@@ -4358,10 +4843,24 @@
     <dgm:pt modelId="{DA0A60B9-6729-49CC-B2A3-DEC3174F6C4B}" type="pres">
       <dgm:prSet presAssocID="{78043E46-CA8E-4973-A6BF-48047BC6AEB9}" presName="conn2-1" presStyleLbl="parChTrans1D3" presStyleIdx="2" presStyleCnt="7"/>
       <dgm:spPr/>
+      <dgm:t>
+        <a:bodyPr/>
+        <a:lstStyle/>
+        <a:p>
+          <a:endParaRPr lang="en-US"/>
+        </a:p>
+      </dgm:t>
     </dgm:pt>
     <dgm:pt modelId="{88779CA9-0E7E-469B-9452-AA4129BD52EE}" type="pres">
       <dgm:prSet presAssocID="{78043E46-CA8E-4973-A6BF-48047BC6AEB9}" presName="connTx" presStyleLbl="parChTrans1D3" presStyleIdx="2" presStyleCnt="7"/>
       <dgm:spPr/>
+      <dgm:t>
+        <a:bodyPr/>
+        <a:lstStyle/>
+        <a:p>
+          <a:endParaRPr lang="en-US"/>
+        </a:p>
+      </dgm:t>
     </dgm:pt>
     <dgm:pt modelId="{41477010-B477-4DE3-89CC-4A78AA0C0DA7}" type="pres">
       <dgm:prSet presAssocID="{DE1A2641-A3A1-4066-B356-BDC20EEF333E}" presName="root2" presStyleCnt="0"/>
@@ -4374,6 +4873,13 @@
         </dgm:presLayoutVars>
       </dgm:prSet>
       <dgm:spPr/>
+      <dgm:t>
+        <a:bodyPr/>
+        <a:lstStyle/>
+        <a:p>
+          <a:endParaRPr lang="en-US"/>
+        </a:p>
+      </dgm:t>
     </dgm:pt>
     <dgm:pt modelId="{5A9D6FAD-3136-469F-885F-892416257103}" type="pres">
       <dgm:prSet presAssocID="{DE1A2641-A3A1-4066-B356-BDC20EEF333E}" presName="level3hierChild" presStyleCnt="0"/>
@@ -4382,10 +4888,24 @@
     <dgm:pt modelId="{046947A8-49CC-46F9-803E-A17C0DF425B8}" type="pres">
       <dgm:prSet presAssocID="{CBB24B04-170C-4FE6-8FE5-4EB888A4BC34}" presName="conn2-1" presStyleLbl="parChTrans1D2" presStyleIdx="1" presStyleCnt="3"/>
       <dgm:spPr/>
+      <dgm:t>
+        <a:bodyPr/>
+        <a:lstStyle/>
+        <a:p>
+          <a:endParaRPr lang="en-US"/>
+        </a:p>
+      </dgm:t>
     </dgm:pt>
     <dgm:pt modelId="{2508B35B-40FD-47ED-8159-5A72A58BFE5A}" type="pres">
       <dgm:prSet presAssocID="{CBB24B04-170C-4FE6-8FE5-4EB888A4BC34}" presName="connTx" presStyleLbl="parChTrans1D2" presStyleIdx="1" presStyleCnt="3"/>
       <dgm:spPr/>
+      <dgm:t>
+        <a:bodyPr/>
+        <a:lstStyle/>
+        <a:p>
+          <a:endParaRPr lang="en-US"/>
+        </a:p>
+      </dgm:t>
     </dgm:pt>
     <dgm:pt modelId="{04FC6B8B-E698-4512-A7F5-82D1E5D166C8}" type="pres">
       <dgm:prSet presAssocID="{2DCAE112-F0F2-405F-A6D2-4555D7500456}" presName="root2" presStyleCnt="0"/>
@@ -4398,6 +4918,13 @@
         </dgm:presLayoutVars>
       </dgm:prSet>
       <dgm:spPr/>
+      <dgm:t>
+        <a:bodyPr/>
+        <a:lstStyle/>
+        <a:p>
+          <a:endParaRPr lang="en-US"/>
+        </a:p>
+      </dgm:t>
     </dgm:pt>
     <dgm:pt modelId="{D7047949-57DC-4B0A-B375-6A42E489B457}" type="pres">
       <dgm:prSet presAssocID="{2DCAE112-F0F2-405F-A6D2-4555D7500456}" presName="level3hierChild" presStyleCnt="0"/>
@@ -4406,10 +4933,24 @@
     <dgm:pt modelId="{E807D29F-AA73-4F31-B505-229272DE9AA5}" type="pres">
       <dgm:prSet presAssocID="{03939815-54A3-4173-9374-3229E8C8C468}" presName="conn2-1" presStyleLbl="parChTrans1D3" presStyleIdx="3" presStyleCnt="7"/>
       <dgm:spPr/>
+      <dgm:t>
+        <a:bodyPr/>
+        <a:lstStyle/>
+        <a:p>
+          <a:endParaRPr lang="en-US"/>
+        </a:p>
+      </dgm:t>
     </dgm:pt>
     <dgm:pt modelId="{24B3DEB3-32CF-4001-926B-1DBE426C65B1}" type="pres">
       <dgm:prSet presAssocID="{03939815-54A3-4173-9374-3229E8C8C468}" presName="connTx" presStyleLbl="parChTrans1D3" presStyleIdx="3" presStyleCnt="7"/>
       <dgm:spPr/>
+      <dgm:t>
+        <a:bodyPr/>
+        <a:lstStyle/>
+        <a:p>
+          <a:endParaRPr lang="en-US"/>
+        </a:p>
+      </dgm:t>
     </dgm:pt>
     <dgm:pt modelId="{1C07BEC9-F273-47FB-9865-6C200E2EE970}" type="pres">
       <dgm:prSet presAssocID="{8A07FF1D-E38A-4342-AF9A-01C4A1DD8AE6}" presName="root2" presStyleCnt="0"/>
@@ -4422,6 +4963,13 @@
         </dgm:presLayoutVars>
       </dgm:prSet>
       <dgm:spPr/>
+      <dgm:t>
+        <a:bodyPr/>
+        <a:lstStyle/>
+        <a:p>
+          <a:endParaRPr lang="en-US"/>
+        </a:p>
+      </dgm:t>
     </dgm:pt>
     <dgm:pt modelId="{AD60B7E8-DFBE-41E3-8297-FD6E47D1A243}" type="pres">
       <dgm:prSet presAssocID="{8A07FF1D-E38A-4342-AF9A-01C4A1DD8AE6}" presName="level3hierChild" presStyleCnt="0"/>
@@ -4430,10 +4978,24 @@
     <dgm:pt modelId="{27561560-B032-40A5-A822-23BF89050ABD}" type="pres">
       <dgm:prSet presAssocID="{6DA28D63-4730-4A5B-AB18-D532E19BDA3A}" presName="conn2-1" presStyleLbl="parChTrans1D4" presStyleIdx="0" presStyleCnt="8"/>
       <dgm:spPr/>
+      <dgm:t>
+        <a:bodyPr/>
+        <a:lstStyle/>
+        <a:p>
+          <a:endParaRPr lang="en-US"/>
+        </a:p>
+      </dgm:t>
     </dgm:pt>
     <dgm:pt modelId="{B22054E9-B1A2-4327-8968-376FD137C6B1}" type="pres">
       <dgm:prSet presAssocID="{6DA28D63-4730-4A5B-AB18-D532E19BDA3A}" presName="connTx" presStyleLbl="parChTrans1D4" presStyleIdx="0" presStyleCnt="8"/>
       <dgm:spPr/>
+      <dgm:t>
+        <a:bodyPr/>
+        <a:lstStyle/>
+        <a:p>
+          <a:endParaRPr lang="en-US"/>
+        </a:p>
+      </dgm:t>
     </dgm:pt>
     <dgm:pt modelId="{608D932F-A46C-46C7-AF07-E28ED0DBBDC3}" type="pres">
       <dgm:prSet presAssocID="{9BE01FAD-D3E7-488E-B77D-1653BD01874C}" presName="root2" presStyleCnt="0"/>
@@ -4446,6 +5008,13 @@
         </dgm:presLayoutVars>
       </dgm:prSet>
       <dgm:spPr/>
+      <dgm:t>
+        <a:bodyPr/>
+        <a:lstStyle/>
+        <a:p>
+          <a:endParaRPr lang="en-US"/>
+        </a:p>
+      </dgm:t>
     </dgm:pt>
     <dgm:pt modelId="{F47F5C8A-40EB-45F4-A2E2-1716705F40E3}" type="pres">
       <dgm:prSet presAssocID="{9BE01FAD-D3E7-488E-B77D-1653BD01874C}" presName="level3hierChild" presStyleCnt="0"/>
@@ -4454,10 +5023,24 @@
     <dgm:pt modelId="{2479CDC7-9A6B-4405-B11A-C1D9E09A8093}" type="pres">
       <dgm:prSet presAssocID="{7238AB7F-EEC4-473A-8CD5-8FD9BD98477C}" presName="conn2-1" presStyleLbl="parChTrans1D4" presStyleIdx="1" presStyleCnt="8"/>
       <dgm:spPr/>
+      <dgm:t>
+        <a:bodyPr/>
+        <a:lstStyle/>
+        <a:p>
+          <a:endParaRPr lang="en-US"/>
+        </a:p>
+      </dgm:t>
     </dgm:pt>
     <dgm:pt modelId="{DB70FE2F-74CE-49FC-9D75-3A977D4AD470}" type="pres">
       <dgm:prSet presAssocID="{7238AB7F-EEC4-473A-8CD5-8FD9BD98477C}" presName="connTx" presStyleLbl="parChTrans1D4" presStyleIdx="1" presStyleCnt="8"/>
       <dgm:spPr/>
+      <dgm:t>
+        <a:bodyPr/>
+        <a:lstStyle/>
+        <a:p>
+          <a:endParaRPr lang="en-US"/>
+        </a:p>
+      </dgm:t>
     </dgm:pt>
     <dgm:pt modelId="{34D8D12F-A8A7-4E82-B726-4F8EF5D5EA69}" type="pres">
       <dgm:prSet presAssocID="{DAA55E57-B63E-42F8-A75C-1C8E0D5168F4}" presName="root2" presStyleCnt="0"/>
@@ -4470,6 +5053,13 @@
         </dgm:presLayoutVars>
       </dgm:prSet>
       <dgm:spPr/>
+      <dgm:t>
+        <a:bodyPr/>
+        <a:lstStyle/>
+        <a:p>
+          <a:endParaRPr lang="en-US"/>
+        </a:p>
+      </dgm:t>
     </dgm:pt>
     <dgm:pt modelId="{56CA84D5-D7DD-4147-8E29-D3873F2EA89A}" type="pres">
       <dgm:prSet presAssocID="{DAA55E57-B63E-42F8-A75C-1C8E0D5168F4}" presName="level3hierChild" presStyleCnt="0"/>
@@ -4478,10 +5068,24 @@
     <dgm:pt modelId="{67164877-C804-4F54-82E5-2B35290E4932}" type="pres">
       <dgm:prSet presAssocID="{3672CFA3-F824-4353-A416-4BE028791597}" presName="conn2-1" presStyleLbl="parChTrans1D4" presStyleIdx="2" presStyleCnt="8"/>
       <dgm:spPr/>
+      <dgm:t>
+        <a:bodyPr/>
+        <a:lstStyle/>
+        <a:p>
+          <a:endParaRPr lang="en-US"/>
+        </a:p>
+      </dgm:t>
     </dgm:pt>
     <dgm:pt modelId="{0D1C7B25-C3EF-4682-9347-FF4CF660B7F1}" type="pres">
       <dgm:prSet presAssocID="{3672CFA3-F824-4353-A416-4BE028791597}" presName="connTx" presStyleLbl="parChTrans1D4" presStyleIdx="2" presStyleCnt="8"/>
       <dgm:spPr/>
+      <dgm:t>
+        <a:bodyPr/>
+        <a:lstStyle/>
+        <a:p>
+          <a:endParaRPr lang="en-US"/>
+        </a:p>
+      </dgm:t>
     </dgm:pt>
     <dgm:pt modelId="{7FFD5D69-F3B2-48A6-B8BB-5012ED25FED7}" type="pres">
       <dgm:prSet presAssocID="{BB9CCF92-5598-47EF-9C32-5DE7578698FF}" presName="root2" presStyleCnt="0"/>
@@ -4494,6 +5098,13 @@
         </dgm:presLayoutVars>
       </dgm:prSet>
       <dgm:spPr/>
+      <dgm:t>
+        <a:bodyPr/>
+        <a:lstStyle/>
+        <a:p>
+          <a:endParaRPr lang="en-US"/>
+        </a:p>
+      </dgm:t>
     </dgm:pt>
     <dgm:pt modelId="{77B0F937-8FA6-4951-9C05-30DE7D51D4C0}" type="pres">
       <dgm:prSet presAssocID="{BB9CCF92-5598-47EF-9C32-5DE7578698FF}" presName="level3hierChild" presStyleCnt="0"/>
@@ -4502,10 +5113,24 @@
     <dgm:pt modelId="{DD976305-B913-468C-9B7F-2C7EFFCB2FFA}" type="pres">
       <dgm:prSet presAssocID="{D79E8F8B-6AC8-4832-B42B-9CD2FBEC40BC}" presName="conn2-1" presStyleLbl="parChTrans1D4" presStyleIdx="3" presStyleCnt="8"/>
       <dgm:spPr/>
+      <dgm:t>
+        <a:bodyPr/>
+        <a:lstStyle/>
+        <a:p>
+          <a:endParaRPr lang="en-US"/>
+        </a:p>
+      </dgm:t>
     </dgm:pt>
     <dgm:pt modelId="{B0550655-84CB-46B4-8904-D3123A1325DD}" type="pres">
       <dgm:prSet presAssocID="{D79E8F8B-6AC8-4832-B42B-9CD2FBEC40BC}" presName="connTx" presStyleLbl="parChTrans1D4" presStyleIdx="3" presStyleCnt="8"/>
       <dgm:spPr/>
+      <dgm:t>
+        <a:bodyPr/>
+        <a:lstStyle/>
+        <a:p>
+          <a:endParaRPr lang="en-US"/>
+        </a:p>
+      </dgm:t>
     </dgm:pt>
     <dgm:pt modelId="{15C705B0-A71F-4EB2-BD92-0CCFF5E7F5C3}" type="pres">
       <dgm:prSet presAssocID="{C14D0F75-6609-48C1-97E3-B941EDEAFB10}" presName="root2" presStyleCnt="0"/>
@@ -4518,6 +5143,13 @@
         </dgm:presLayoutVars>
       </dgm:prSet>
       <dgm:spPr/>
+      <dgm:t>
+        <a:bodyPr/>
+        <a:lstStyle/>
+        <a:p>
+          <a:endParaRPr lang="en-US"/>
+        </a:p>
+      </dgm:t>
     </dgm:pt>
     <dgm:pt modelId="{3A9B209A-879D-432E-8891-E0272704EDCE}" type="pres">
       <dgm:prSet presAssocID="{C14D0F75-6609-48C1-97E3-B941EDEAFB10}" presName="level3hierChild" presStyleCnt="0"/>
@@ -4526,10 +5158,24 @@
     <dgm:pt modelId="{4F3EDF6D-0BA5-4387-900F-30E6F382B3EC}" type="pres">
       <dgm:prSet presAssocID="{EB531047-420C-4832-A697-5D55E49DEC24}" presName="conn2-1" presStyleLbl="parChTrans1D3" presStyleIdx="4" presStyleCnt="7"/>
       <dgm:spPr/>
+      <dgm:t>
+        <a:bodyPr/>
+        <a:lstStyle/>
+        <a:p>
+          <a:endParaRPr lang="en-US"/>
+        </a:p>
+      </dgm:t>
     </dgm:pt>
     <dgm:pt modelId="{19D9A274-34BD-4D11-B1A6-094BC6B5B407}" type="pres">
       <dgm:prSet presAssocID="{EB531047-420C-4832-A697-5D55E49DEC24}" presName="connTx" presStyleLbl="parChTrans1D3" presStyleIdx="4" presStyleCnt="7"/>
       <dgm:spPr/>
+      <dgm:t>
+        <a:bodyPr/>
+        <a:lstStyle/>
+        <a:p>
+          <a:endParaRPr lang="en-US"/>
+        </a:p>
+      </dgm:t>
     </dgm:pt>
     <dgm:pt modelId="{A9984B2C-CCBB-4F22-B0B6-D97D0790D021}" type="pres">
       <dgm:prSet presAssocID="{A30F1F8E-C4E9-4A09-AC6A-AD5FC9F73251}" presName="root2" presStyleCnt="0"/>
@@ -4542,6 +5188,13 @@
         </dgm:presLayoutVars>
       </dgm:prSet>
       <dgm:spPr/>
+      <dgm:t>
+        <a:bodyPr/>
+        <a:lstStyle/>
+        <a:p>
+          <a:endParaRPr lang="en-US"/>
+        </a:p>
+      </dgm:t>
     </dgm:pt>
     <dgm:pt modelId="{EB4AA73E-C433-4D3C-B9FF-082EB7F1325A}" type="pres">
       <dgm:prSet presAssocID="{A30F1F8E-C4E9-4A09-AC6A-AD5FC9F73251}" presName="level3hierChild" presStyleCnt="0"/>
@@ -4550,10 +5203,24 @@
     <dgm:pt modelId="{0CE51DFD-A2AC-490B-9267-F776572A5395}" type="pres">
       <dgm:prSet presAssocID="{41301CB3-C92D-423D-AA82-39E83E9F8ED4}" presName="conn2-1" presStyleLbl="parChTrans1D4" presStyleIdx="4" presStyleCnt="8"/>
       <dgm:spPr/>
+      <dgm:t>
+        <a:bodyPr/>
+        <a:lstStyle/>
+        <a:p>
+          <a:endParaRPr lang="en-US"/>
+        </a:p>
+      </dgm:t>
     </dgm:pt>
     <dgm:pt modelId="{84D69A88-4A56-48BE-A57F-980805331885}" type="pres">
       <dgm:prSet presAssocID="{41301CB3-C92D-423D-AA82-39E83E9F8ED4}" presName="connTx" presStyleLbl="parChTrans1D4" presStyleIdx="4" presStyleCnt="8"/>
       <dgm:spPr/>
+      <dgm:t>
+        <a:bodyPr/>
+        <a:lstStyle/>
+        <a:p>
+          <a:endParaRPr lang="en-US"/>
+        </a:p>
+      </dgm:t>
     </dgm:pt>
     <dgm:pt modelId="{5C449C27-B692-4838-992C-0AA207B70EE0}" type="pres">
       <dgm:prSet presAssocID="{C9E729E9-B75A-4976-9C61-A35BC00A20C6}" presName="root2" presStyleCnt="0"/>
@@ -4566,6 +5233,13 @@
         </dgm:presLayoutVars>
       </dgm:prSet>
       <dgm:spPr/>
+      <dgm:t>
+        <a:bodyPr/>
+        <a:lstStyle/>
+        <a:p>
+          <a:endParaRPr lang="en-US"/>
+        </a:p>
+      </dgm:t>
     </dgm:pt>
     <dgm:pt modelId="{830321A0-7E67-487D-9835-30531A7C0129}" type="pres">
       <dgm:prSet presAssocID="{C9E729E9-B75A-4976-9C61-A35BC00A20C6}" presName="level3hierChild" presStyleCnt="0"/>
@@ -4574,10 +5248,24 @@
     <dgm:pt modelId="{53784A77-5483-475E-AF09-9661FDA74FFC}" type="pres">
       <dgm:prSet presAssocID="{D7175D20-010C-46C3-A67F-0ACA9FCB4A10}" presName="conn2-1" presStyleLbl="parChTrans1D4" presStyleIdx="5" presStyleCnt="8"/>
       <dgm:spPr/>
+      <dgm:t>
+        <a:bodyPr/>
+        <a:lstStyle/>
+        <a:p>
+          <a:endParaRPr lang="en-US"/>
+        </a:p>
+      </dgm:t>
     </dgm:pt>
     <dgm:pt modelId="{8FC4DFEF-3849-4C13-BAFC-63BB004F0435}" type="pres">
       <dgm:prSet presAssocID="{D7175D20-010C-46C3-A67F-0ACA9FCB4A10}" presName="connTx" presStyleLbl="parChTrans1D4" presStyleIdx="5" presStyleCnt="8"/>
       <dgm:spPr/>
+      <dgm:t>
+        <a:bodyPr/>
+        <a:lstStyle/>
+        <a:p>
+          <a:endParaRPr lang="en-US"/>
+        </a:p>
+      </dgm:t>
     </dgm:pt>
     <dgm:pt modelId="{4794BD06-AE62-46BD-B873-671E41A1CE69}" type="pres">
       <dgm:prSet presAssocID="{678858C1-A72E-4293-B4E2-EDEE76913A07}" presName="root2" presStyleCnt="0"/>
@@ -4590,6 +5278,13 @@
         </dgm:presLayoutVars>
       </dgm:prSet>
       <dgm:spPr/>
+      <dgm:t>
+        <a:bodyPr/>
+        <a:lstStyle/>
+        <a:p>
+          <a:endParaRPr lang="en-US"/>
+        </a:p>
+      </dgm:t>
     </dgm:pt>
     <dgm:pt modelId="{41FFEE1D-8574-45CF-BECE-D9EB329A8D67}" type="pres">
       <dgm:prSet presAssocID="{678858C1-A72E-4293-B4E2-EDEE76913A07}" presName="level3hierChild" presStyleCnt="0"/>
@@ -4598,10 +5293,24 @@
     <dgm:pt modelId="{2DB00733-2B75-4BC5-8B36-501C6348FF01}" type="pres">
       <dgm:prSet presAssocID="{5F7B2DD5-0342-4DC8-A4C5-14746FFA0543}" presName="conn2-1" presStyleLbl="parChTrans1D4" presStyleIdx="6" presStyleCnt="8"/>
       <dgm:spPr/>
+      <dgm:t>
+        <a:bodyPr/>
+        <a:lstStyle/>
+        <a:p>
+          <a:endParaRPr lang="en-US"/>
+        </a:p>
+      </dgm:t>
     </dgm:pt>
     <dgm:pt modelId="{D70F010E-0BEB-4BBF-90A6-36BE58D558A1}" type="pres">
       <dgm:prSet presAssocID="{5F7B2DD5-0342-4DC8-A4C5-14746FFA0543}" presName="connTx" presStyleLbl="parChTrans1D4" presStyleIdx="6" presStyleCnt="8"/>
       <dgm:spPr/>
+      <dgm:t>
+        <a:bodyPr/>
+        <a:lstStyle/>
+        <a:p>
+          <a:endParaRPr lang="en-US"/>
+        </a:p>
+      </dgm:t>
     </dgm:pt>
     <dgm:pt modelId="{7E679EA1-43CE-469E-9E41-5E5A3E6E2F55}" type="pres">
       <dgm:prSet presAssocID="{8911FAA6-4CF0-4725-9FCB-2AA265211C55}" presName="root2" presStyleCnt="0"/>
@@ -4614,6 +5323,13 @@
         </dgm:presLayoutVars>
       </dgm:prSet>
       <dgm:spPr/>
+      <dgm:t>
+        <a:bodyPr/>
+        <a:lstStyle/>
+        <a:p>
+          <a:endParaRPr lang="en-US"/>
+        </a:p>
+      </dgm:t>
     </dgm:pt>
     <dgm:pt modelId="{4C29D92B-8DFD-4626-9926-D334E3A2E059}" type="pres">
       <dgm:prSet presAssocID="{8911FAA6-4CF0-4725-9FCB-2AA265211C55}" presName="level3hierChild" presStyleCnt="0"/>
@@ -4622,10 +5338,24 @@
     <dgm:pt modelId="{C8B75B46-BC11-454A-8DDB-B98844AD2692}" type="pres">
       <dgm:prSet presAssocID="{3F7381DD-ED20-4116-BC12-2B4DE078BF64}" presName="conn2-1" presStyleLbl="parChTrans1D4" presStyleIdx="7" presStyleCnt="8"/>
       <dgm:spPr/>
+      <dgm:t>
+        <a:bodyPr/>
+        <a:lstStyle/>
+        <a:p>
+          <a:endParaRPr lang="en-US"/>
+        </a:p>
+      </dgm:t>
     </dgm:pt>
     <dgm:pt modelId="{BFA7E891-3679-41FD-BD3B-9F4C8DE0A6EA}" type="pres">
       <dgm:prSet presAssocID="{3F7381DD-ED20-4116-BC12-2B4DE078BF64}" presName="connTx" presStyleLbl="parChTrans1D4" presStyleIdx="7" presStyleCnt="8"/>
       <dgm:spPr/>
+      <dgm:t>
+        <a:bodyPr/>
+        <a:lstStyle/>
+        <a:p>
+          <a:endParaRPr lang="en-US"/>
+        </a:p>
+      </dgm:t>
     </dgm:pt>
     <dgm:pt modelId="{FCDF25C1-81CF-40AC-840F-BC8B27DE2C54}" type="pres">
       <dgm:prSet presAssocID="{58ED5B74-4D3D-4D7B-9D0F-2CFA2949F825}" presName="root2" presStyleCnt="0"/>
@@ -4638,6 +5368,13 @@
         </dgm:presLayoutVars>
       </dgm:prSet>
       <dgm:spPr/>
+      <dgm:t>
+        <a:bodyPr/>
+        <a:lstStyle/>
+        <a:p>
+          <a:endParaRPr lang="en-US"/>
+        </a:p>
+      </dgm:t>
     </dgm:pt>
     <dgm:pt modelId="{53781C64-875D-4A4F-A3D6-ACCEE0176F2F}" type="pres">
       <dgm:prSet presAssocID="{58ED5B74-4D3D-4D7B-9D0F-2CFA2949F825}" presName="level3hierChild" presStyleCnt="0"/>
@@ -4646,10 +5383,24 @@
     <dgm:pt modelId="{18E0DA5C-700B-43C1-8098-45871A631B22}" type="pres">
       <dgm:prSet presAssocID="{B26DDD2C-087C-40F0-81B8-0429EF3788B7}" presName="conn2-1" presStyleLbl="parChTrans1D2" presStyleIdx="2" presStyleCnt="3"/>
       <dgm:spPr/>
+      <dgm:t>
+        <a:bodyPr/>
+        <a:lstStyle/>
+        <a:p>
+          <a:endParaRPr lang="en-US"/>
+        </a:p>
+      </dgm:t>
     </dgm:pt>
     <dgm:pt modelId="{9A5F00C9-2CFA-4187-8C72-2D5A7D435162}" type="pres">
       <dgm:prSet presAssocID="{B26DDD2C-087C-40F0-81B8-0429EF3788B7}" presName="connTx" presStyleLbl="parChTrans1D2" presStyleIdx="2" presStyleCnt="3"/>
       <dgm:spPr/>
+      <dgm:t>
+        <a:bodyPr/>
+        <a:lstStyle/>
+        <a:p>
+          <a:endParaRPr lang="en-US"/>
+        </a:p>
+      </dgm:t>
     </dgm:pt>
     <dgm:pt modelId="{424F2525-005A-4971-8ADD-6FAD8413017F}" type="pres">
       <dgm:prSet presAssocID="{8B7D134F-FB71-4F52-BA71-23B591E5F035}" presName="root2" presStyleCnt="0"/>
@@ -4662,6 +5413,13 @@
         </dgm:presLayoutVars>
       </dgm:prSet>
       <dgm:spPr/>
+      <dgm:t>
+        <a:bodyPr/>
+        <a:lstStyle/>
+        <a:p>
+          <a:endParaRPr lang="en-US"/>
+        </a:p>
+      </dgm:t>
     </dgm:pt>
     <dgm:pt modelId="{1F0B2E08-E7D0-4036-8CF7-AF0A9FBDA24F}" type="pres">
       <dgm:prSet presAssocID="{8B7D134F-FB71-4F52-BA71-23B591E5F035}" presName="level3hierChild" presStyleCnt="0"/>
@@ -4670,10 +5428,24 @@
     <dgm:pt modelId="{2CE679BE-AD83-4635-B333-1E6602DDA14B}" type="pres">
       <dgm:prSet presAssocID="{6F6FD406-9F95-40B3-B949-D2ED5A72BFED}" presName="conn2-1" presStyleLbl="parChTrans1D3" presStyleIdx="5" presStyleCnt="7"/>
       <dgm:spPr/>
+      <dgm:t>
+        <a:bodyPr/>
+        <a:lstStyle/>
+        <a:p>
+          <a:endParaRPr lang="en-US"/>
+        </a:p>
+      </dgm:t>
     </dgm:pt>
     <dgm:pt modelId="{9ADF2731-0F03-4FFE-AABC-A7C930ED082B}" type="pres">
       <dgm:prSet presAssocID="{6F6FD406-9F95-40B3-B949-D2ED5A72BFED}" presName="connTx" presStyleLbl="parChTrans1D3" presStyleIdx="5" presStyleCnt="7"/>
       <dgm:spPr/>
+      <dgm:t>
+        <a:bodyPr/>
+        <a:lstStyle/>
+        <a:p>
+          <a:endParaRPr lang="en-US"/>
+        </a:p>
+      </dgm:t>
     </dgm:pt>
     <dgm:pt modelId="{D4B67ACB-E511-4A74-94F9-281FBDDD68FA}" type="pres">
       <dgm:prSet presAssocID="{FF4042ED-4161-4B0B-9C47-17BD99290380}" presName="root2" presStyleCnt="0"/>
@@ -4686,6 +5458,13 @@
         </dgm:presLayoutVars>
       </dgm:prSet>
       <dgm:spPr/>
+      <dgm:t>
+        <a:bodyPr/>
+        <a:lstStyle/>
+        <a:p>
+          <a:endParaRPr lang="en-US"/>
+        </a:p>
+      </dgm:t>
     </dgm:pt>
     <dgm:pt modelId="{3541D668-EF15-4C50-96F5-D596117CD2D5}" type="pres">
       <dgm:prSet presAssocID="{FF4042ED-4161-4B0B-9C47-17BD99290380}" presName="level3hierChild" presStyleCnt="0"/>
@@ -4694,10 +5473,24 @@
     <dgm:pt modelId="{D7F7FD22-8D59-4136-9F39-26D4400EFB68}" type="pres">
       <dgm:prSet presAssocID="{EEE139DD-6BD9-4EC9-8042-E78DD30D1D8C}" presName="conn2-1" presStyleLbl="parChTrans1D3" presStyleIdx="6" presStyleCnt="7"/>
       <dgm:spPr/>
+      <dgm:t>
+        <a:bodyPr/>
+        <a:lstStyle/>
+        <a:p>
+          <a:endParaRPr lang="en-US"/>
+        </a:p>
+      </dgm:t>
     </dgm:pt>
     <dgm:pt modelId="{70046B07-64A0-42B7-8486-4C8489F360A3}" type="pres">
       <dgm:prSet presAssocID="{EEE139DD-6BD9-4EC9-8042-E78DD30D1D8C}" presName="connTx" presStyleLbl="parChTrans1D3" presStyleIdx="6" presStyleCnt="7"/>
       <dgm:spPr/>
+      <dgm:t>
+        <a:bodyPr/>
+        <a:lstStyle/>
+        <a:p>
+          <a:endParaRPr lang="en-US"/>
+        </a:p>
+      </dgm:t>
     </dgm:pt>
     <dgm:pt modelId="{887F4B6B-E788-4543-9780-2A80D80F2212}" type="pres">
       <dgm:prSet presAssocID="{384B76A2-E8AF-480B-A70F-40B4172E8325}" presName="root2" presStyleCnt="0"/>
@@ -4710,6 +5503,13 @@
         </dgm:presLayoutVars>
       </dgm:prSet>
       <dgm:spPr/>
+      <dgm:t>
+        <a:bodyPr/>
+        <a:lstStyle/>
+        <a:p>
+          <a:endParaRPr lang="en-US"/>
+        </a:p>
+      </dgm:t>
     </dgm:pt>
     <dgm:pt modelId="{B7FB891D-E0A4-42F2-A0E4-58F41D4D6035}" type="pres">
       <dgm:prSet presAssocID="{384B76A2-E8AF-480B-A70F-40B4172E8325}" presName="level3hierChild" presStyleCnt="0"/>
@@ -4717,81 +5517,81 @@
     </dgm:pt>
   </dgm:ptLst>
   <dgm:cxnLst>
+    <dgm:cxn modelId="{F113A510-7882-49B2-A671-F76FC8D7BE25}" type="presOf" srcId="{D79E8F8B-6AC8-4832-B42B-9CD2FBEC40BC}" destId="{B0550655-84CB-46B4-8904-D3123A1325DD}" srcOrd="1" destOrd="0" presId="urn:microsoft.com/office/officeart/2005/8/layout/hierarchy2"/>
+    <dgm:cxn modelId="{96ECB5CA-3F09-4B76-BEC2-6DB9189D1857}" srcId="{A30F1F8E-C4E9-4A09-AC6A-AD5FC9F73251}" destId="{C9E729E9-B75A-4976-9C61-A35BC00A20C6}" srcOrd="0" destOrd="0" parTransId="{41301CB3-C92D-423D-AA82-39E83E9F8ED4}" sibTransId="{6BDA0E34-B499-44E8-9591-97990E74ACD1}"/>
+    <dgm:cxn modelId="{6A803BF1-9DB0-4248-AE3B-D4BAF4D1FAFF}" type="presOf" srcId="{6DA28D63-4730-4A5B-AB18-D532E19BDA3A}" destId="{B22054E9-B1A2-4327-8968-376FD137C6B1}" srcOrd="1" destOrd="0" presId="urn:microsoft.com/office/officeart/2005/8/layout/hierarchy2"/>
+    <dgm:cxn modelId="{E6F1F77A-F2D9-4683-BD5B-2149CEA41FE0}" type="presOf" srcId="{C14D0F75-6609-48C1-97E3-B941EDEAFB10}" destId="{43C4D4AB-1A2C-4374-AEFE-841C2635DC0D}" srcOrd="0" destOrd="0" presId="urn:microsoft.com/office/officeart/2005/8/layout/hierarchy2"/>
+    <dgm:cxn modelId="{577F18F5-FABA-4DBC-8ABF-827C69D0DD29}" type="presOf" srcId="{3F7381DD-ED20-4116-BC12-2B4DE078BF64}" destId="{BFA7E891-3679-41FD-BD3B-9F4C8DE0A6EA}" srcOrd="1" destOrd="0" presId="urn:microsoft.com/office/officeart/2005/8/layout/hierarchy2"/>
+    <dgm:cxn modelId="{61801283-2894-4E39-ADE7-25D42708433B}" type="presOf" srcId="{41301CB3-C92D-423D-AA82-39E83E9F8ED4}" destId="{0CE51DFD-A2AC-490B-9267-F776572A5395}" srcOrd="0" destOrd="0" presId="urn:microsoft.com/office/officeart/2005/8/layout/hierarchy2"/>
+    <dgm:cxn modelId="{F589A9AA-27C4-420A-A457-CF763F27D258}" type="presOf" srcId="{BB9CCF92-5598-47EF-9C32-5DE7578698FF}" destId="{4C25817E-D421-493B-A9FC-D332138FFDE2}" srcOrd="0" destOrd="0" presId="urn:microsoft.com/office/officeart/2005/8/layout/hierarchy2"/>
+    <dgm:cxn modelId="{C2671D41-F198-44B1-B622-CAD46F3F07E1}" type="presOf" srcId="{7238AB7F-EEC4-473A-8CD5-8FD9BD98477C}" destId="{DB70FE2F-74CE-49FC-9D75-3A977D4AD470}" srcOrd="1" destOrd="0" presId="urn:microsoft.com/office/officeart/2005/8/layout/hierarchy2"/>
+    <dgm:cxn modelId="{DDF386D7-FD6E-468B-A921-52F9D47E45A6}" type="presOf" srcId="{5F7B2DD5-0342-4DC8-A4C5-14746FFA0543}" destId="{D70F010E-0BEB-4BBF-90A6-36BE58D558A1}" srcOrd="1" destOrd="0" presId="urn:microsoft.com/office/officeart/2005/8/layout/hierarchy2"/>
+    <dgm:cxn modelId="{970D86BA-5160-4EFA-A5E5-571DFBD6F835}" type="presOf" srcId="{6F6FD406-9F95-40B3-B949-D2ED5A72BFED}" destId="{2CE679BE-AD83-4635-B333-1E6602DDA14B}" srcOrd="0" destOrd="0" presId="urn:microsoft.com/office/officeart/2005/8/layout/hierarchy2"/>
+    <dgm:cxn modelId="{9493DDEA-3AB0-4C36-A00A-41C55AFF2AA9}" type="presOf" srcId="{78043E46-CA8E-4973-A6BF-48047BC6AEB9}" destId="{88779CA9-0E7E-469B-9452-AA4129BD52EE}" srcOrd="1" destOrd="0" presId="urn:microsoft.com/office/officeart/2005/8/layout/hierarchy2"/>
+    <dgm:cxn modelId="{71FA187A-3076-44FE-9462-396B12E43AFD}" srcId="{8B7D134F-FB71-4F52-BA71-23B591E5F035}" destId="{FF4042ED-4161-4B0B-9C47-17BD99290380}" srcOrd="0" destOrd="0" parTransId="{6F6FD406-9F95-40B3-B949-D2ED5A72BFED}" sibTransId="{170F1A97-7A0C-4AA5-982F-358740DFD550}"/>
+    <dgm:cxn modelId="{BE178C2B-2A46-4304-A6E4-D4887D191D66}" type="presOf" srcId="{912E8A23-D6C0-45FE-AE25-FC10026DEF3A}" destId="{890D381F-0412-4FAE-8FD5-2308167FBF9B}" srcOrd="0" destOrd="0" presId="urn:microsoft.com/office/officeart/2005/8/layout/hierarchy2"/>
+    <dgm:cxn modelId="{CA7E58F1-8B63-4C90-A9F8-AB0703170603}" type="presOf" srcId="{267A48DD-6714-445C-95C4-0A20DBC604E8}" destId="{03B7EFBF-7EBD-4EA5-91F5-B550DB0E8570}" srcOrd="0" destOrd="0" presId="urn:microsoft.com/office/officeart/2005/8/layout/hierarchy2"/>
     <dgm:cxn modelId="{422C6E02-7936-4151-A335-A32A4765B0A3}" type="presOf" srcId="{6F6FD406-9F95-40B3-B949-D2ED5A72BFED}" destId="{9ADF2731-0F03-4FFE-AABC-A7C930ED082B}" srcOrd="1" destOrd="0" presId="urn:microsoft.com/office/officeart/2005/8/layout/hierarchy2"/>
+    <dgm:cxn modelId="{FDA1C460-3E41-4051-876A-960362855009}" type="presOf" srcId="{BC9A9C50-9168-46B4-BB79-621CE0731647}" destId="{09424BF5-3025-4021-9BE2-FFBAC1598389}" srcOrd="0" destOrd="0" presId="urn:microsoft.com/office/officeart/2005/8/layout/hierarchy2"/>
+    <dgm:cxn modelId="{F18CC594-A04F-4FA3-A082-4FC06223D9AA}" type="presOf" srcId="{3672CFA3-F824-4353-A416-4BE028791597}" destId="{67164877-C804-4F54-82E5-2B35290E4932}" srcOrd="0" destOrd="0" presId="urn:microsoft.com/office/officeart/2005/8/layout/hierarchy2"/>
+    <dgm:cxn modelId="{42D2CAAC-7C16-4608-A681-E07472BB635D}" type="presOf" srcId="{5F7B2DD5-0342-4DC8-A4C5-14746FFA0543}" destId="{2DB00733-2B75-4BC5-8B36-501C6348FF01}" srcOrd="0" destOrd="0" presId="urn:microsoft.com/office/officeart/2005/8/layout/hierarchy2"/>
+    <dgm:cxn modelId="{E03B06F2-941B-4E59-8E05-B64C8EC9BDD1}" type="presOf" srcId="{EB531047-420C-4832-A697-5D55E49DEC24}" destId="{19D9A274-34BD-4D11-B1A6-094BC6B5B407}" srcOrd="1" destOrd="0" presId="urn:microsoft.com/office/officeart/2005/8/layout/hierarchy2"/>
+    <dgm:cxn modelId="{C73BCD65-884E-4244-99C0-C7A720469E08}" type="presOf" srcId="{03939815-54A3-4173-9374-3229E8C8C468}" destId="{E807D29F-AA73-4F31-B505-229272DE9AA5}" srcOrd="0" destOrd="0" presId="urn:microsoft.com/office/officeart/2005/8/layout/hierarchy2"/>
+    <dgm:cxn modelId="{8AFA8C94-CADB-4B5A-8960-87165859E21C}" type="presOf" srcId="{EEE139DD-6BD9-4EC9-8042-E78DD30D1D8C}" destId="{70046B07-64A0-42B7-8486-4C8489F360A3}" srcOrd="1" destOrd="0" presId="urn:microsoft.com/office/officeart/2005/8/layout/hierarchy2"/>
+    <dgm:cxn modelId="{0415DC80-FE81-482E-968A-9C109671167F}" type="presOf" srcId="{7238AB7F-EEC4-473A-8CD5-8FD9BD98477C}" destId="{2479CDC7-9A6B-4405-B11A-C1D9E09A8093}" srcOrd="0" destOrd="0" presId="urn:microsoft.com/office/officeart/2005/8/layout/hierarchy2"/>
+    <dgm:cxn modelId="{C4EEE99C-4D93-4566-9438-A34AB3106BB9}" type="presOf" srcId="{EB531047-420C-4832-A697-5D55E49DEC24}" destId="{4F3EDF6D-0BA5-4387-900F-30E6F382B3EC}" srcOrd="0" destOrd="0" presId="urn:microsoft.com/office/officeart/2005/8/layout/hierarchy2"/>
+    <dgm:cxn modelId="{AA3F299A-00BE-4E02-B092-B24BD97F2B29}" srcId="{678858C1-A72E-4293-B4E2-EDEE76913A07}" destId="{8911FAA6-4CF0-4725-9FCB-2AA265211C55}" srcOrd="0" destOrd="0" parTransId="{5F7B2DD5-0342-4DC8-A4C5-14746FFA0543}" sibTransId="{7DA2D2F3-3052-4492-899A-0552EC9715B9}"/>
+    <dgm:cxn modelId="{CFB6713E-B0A0-43B9-B92B-BDB1262C82E5}" type="presOf" srcId="{41301CB3-C92D-423D-AA82-39E83E9F8ED4}" destId="{84D69A88-4A56-48BE-A57F-980805331885}" srcOrd="1" destOrd="0" presId="urn:microsoft.com/office/officeart/2005/8/layout/hierarchy2"/>
+    <dgm:cxn modelId="{5A04C5D2-4095-47E6-81FA-C9BF757B61C4}" type="presOf" srcId="{3F7381DD-ED20-4116-BC12-2B4DE078BF64}" destId="{C8B75B46-BC11-454A-8DDB-B98844AD2692}" srcOrd="0" destOrd="0" presId="urn:microsoft.com/office/officeart/2005/8/layout/hierarchy2"/>
     <dgm:cxn modelId="{8A2F7808-B533-4FED-BFC1-702017AC98D7}" type="presOf" srcId="{735FEB49-8C14-4DEF-9912-D98E8B581D0C}" destId="{D660A967-D97E-475F-BFBF-59A4924C6EA0}" srcOrd="0" destOrd="0" presId="urn:microsoft.com/office/officeart/2005/8/layout/hierarchy2"/>
+    <dgm:cxn modelId="{5927A410-6293-4445-B472-04B791952D85}" type="presOf" srcId="{EEE139DD-6BD9-4EC9-8042-E78DD30D1D8C}" destId="{D7F7FD22-8D59-4136-9F39-26D4400EFB68}" srcOrd="0" destOrd="0" presId="urn:microsoft.com/office/officeart/2005/8/layout/hierarchy2"/>
+    <dgm:cxn modelId="{5555E481-1BEC-43D8-8EDE-0D2F9A2C8468}" srcId="{2DCAE112-F0F2-405F-A6D2-4555D7500456}" destId="{A30F1F8E-C4E9-4A09-AC6A-AD5FC9F73251}" srcOrd="1" destOrd="0" parTransId="{EB531047-420C-4832-A697-5D55E49DEC24}" sibTransId="{0663B977-E838-431B-9EBA-237F99B5CC48}"/>
+    <dgm:cxn modelId="{371FE67F-96FA-429E-87BC-43AB2BAA47FE}" srcId="{8B7D134F-FB71-4F52-BA71-23B591E5F035}" destId="{384B76A2-E8AF-480B-A70F-40B4172E8325}" srcOrd="1" destOrd="0" parTransId="{EEE139DD-6BD9-4EC9-8042-E78DD30D1D8C}" sibTransId="{70F714F6-58C5-4D86-AD12-872694D650D3}"/>
+    <dgm:cxn modelId="{D4E895EC-3C82-4225-B65A-580A1A8FBC69}" type="presOf" srcId="{B26DDD2C-087C-40F0-81B8-0429EF3788B7}" destId="{9A5F00C9-2CFA-4187-8C72-2D5A7D435162}" srcOrd="1" destOrd="0" presId="urn:microsoft.com/office/officeart/2005/8/layout/hierarchy2"/>
+    <dgm:cxn modelId="{EFF93CF6-04E7-4A01-8D03-1C8D8AA7E6DE}" type="presOf" srcId="{8911FAA6-4CF0-4725-9FCB-2AA265211C55}" destId="{04BCA59D-4361-47BF-9C97-37046A45D690}" srcOrd="0" destOrd="0" presId="urn:microsoft.com/office/officeart/2005/8/layout/hierarchy2"/>
+    <dgm:cxn modelId="{4ACD7AD6-9CE9-43AF-B6D5-C823C76DFF93}" srcId="{BC9A9C50-9168-46B4-BB79-621CE0731647}" destId="{2DCAE112-F0F2-405F-A6D2-4555D7500456}" srcOrd="1" destOrd="0" parTransId="{CBB24B04-170C-4FE6-8FE5-4EB888A4BC34}" sibTransId="{304D5F5D-386C-458B-AD4A-18819B48FF63}"/>
+    <dgm:cxn modelId="{C0F49576-35A7-4D63-A7BC-E633A186C6C7}" srcId="{8A07FF1D-E38A-4342-AF9A-01C4A1DD8AE6}" destId="{9BE01FAD-D3E7-488E-B77D-1653BD01874C}" srcOrd="0" destOrd="0" parTransId="{6DA28D63-4730-4A5B-AB18-D532E19BDA3A}" sibTransId="{3DD3D6F6-A4E5-43F0-BD80-0D036A79561D}"/>
+    <dgm:cxn modelId="{5E2FCB76-7E08-429E-A7CC-24E7E3A459A7}" srcId="{B8906F86-17A3-4CEB-B44F-1493A95F557A}" destId="{735FEB49-8C14-4DEF-9912-D98E8B581D0C}" srcOrd="0" destOrd="0" parTransId="{267A48DD-6714-445C-95C4-0A20DBC604E8}" sibTransId="{26124F59-FE0B-4CF8-A7A9-6542D490FFDE}"/>
+    <dgm:cxn modelId="{02261A9C-CE83-41B7-A046-E36D0E5B0680}" type="presOf" srcId="{78043E46-CA8E-4973-A6BF-48047BC6AEB9}" destId="{DA0A60B9-6729-49CC-B2A3-DEC3174F6C4B}" srcOrd="0" destOrd="0" presId="urn:microsoft.com/office/officeart/2005/8/layout/hierarchy2"/>
+    <dgm:cxn modelId="{283F1FF3-FD18-46E3-A8FE-84CEAF57091D}" srcId="{678858C1-A72E-4293-B4E2-EDEE76913A07}" destId="{58ED5B74-4D3D-4D7B-9D0F-2CFA2949F825}" srcOrd="1" destOrd="0" parTransId="{3F7381DD-ED20-4116-BC12-2B4DE078BF64}" sibTransId="{E950A640-BF18-4F4B-9B4E-EFAAF12CBB7F}"/>
+    <dgm:cxn modelId="{C940AE72-C0EC-4B8E-993F-5E1647DFA6E2}" type="presOf" srcId="{DD0C602C-77F9-465F-8D3E-CA33EA17A398}" destId="{C7E80C66-BBAF-4EE5-920D-203766C86DF4}" srcOrd="0" destOrd="0" presId="urn:microsoft.com/office/officeart/2005/8/layout/hierarchy2"/>
+    <dgm:cxn modelId="{49C79B87-F2E0-4B40-9E1A-27E77B7BEB23}" type="presOf" srcId="{8B7D134F-FB71-4F52-BA71-23B591E5F035}" destId="{038D5DA3-CAB9-47D8-A3A1-64D25EA90994}" srcOrd="0" destOrd="0" presId="urn:microsoft.com/office/officeart/2005/8/layout/hierarchy2"/>
+    <dgm:cxn modelId="{7F96FC47-3D5B-46E6-B51C-FFD015994D6B}" type="presOf" srcId="{9BE01FAD-D3E7-488E-B77D-1653BD01874C}" destId="{4DF879A6-A389-43BF-ADB3-F3BC5AE2ABB0}" srcOrd="0" destOrd="0" presId="urn:microsoft.com/office/officeart/2005/8/layout/hierarchy2"/>
+    <dgm:cxn modelId="{1A114626-CF94-4142-9B38-42C49414BFAF}" type="presOf" srcId="{FF4042ED-4161-4B0B-9C47-17BD99290380}" destId="{7231D220-0AEF-4F31-BE76-7694EFDBAE28}" srcOrd="0" destOrd="0" presId="urn:microsoft.com/office/officeart/2005/8/layout/hierarchy2"/>
+    <dgm:cxn modelId="{12C80C45-8574-4E8A-9F4A-9CB5F949F764}" srcId="{B8906F86-17A3-4CEB-B44F-1493A95F557A}" destId="{912E8A23-D6C0-45FE-AE25-FC10026DEF3A}" srcOrd="1" destOrd="0" parTransId="{EACB4901-6D83-49C4-A981-E2C11AE2C2D5}" sibTransId="{0141CC35-3EE2-4908-8E48-00AAD09710E2}"/>
+    <dgm:cxn modelId="{6BC77279-BAE6-47F9-B332-6151DBFA81EC}" type="presOf" srcId="{384B76A2-E8AF-480B-A70F-40B4172E8325}" destId="{521FF2EE-B7FB-45A8-AB95-F50878D8B9A0}" srcOrd="0" destOrd="0" presId="urn:microsoft.com/office/officeart/2005/8/layout/hierarchy2"/>
+    <dgm:cxn modelId="{B875D3CC-C2D7-4A17-8F5A-7414E42A777F}" type="presOf" srcId="{D79E8F8B-6AC8-4832-B42B-9CD2FBEC40BC}" destId="{DD976305-B913-468C-9B7F-2C7EFFCB2FFA}" srcOrd="0" destOrd="0" presId="urn:microsoft.com/office/officeart/2005/8/layout/hierarchy2"/>
+    <dgm:cxn modelId="{650C8F5B-FEB4-42E6-9AB8-639B6D3F1FBC}" type="presOf" srcId="{D7175D20-010C-46C3-A67F-0ACA9FCB4A10}" destId="{8FC4DFEF-3849-4C13-BAFC-63BB004F0435}" srcOrd="1" destOrd="0" presId="urn:microsoft.com/office/officeart/2005/8/layout/hierarchy2"/>
+    <dgm:cxn modelId="{8316A765-15D1-44BB-AA4D-6433B354F951}" type="presOf" srcId="{CBB24B04-170C-4FE6-8FE5-4EB888A4BC34}" destId="{046947A8-49CC-46F9-803E-A17C0DF425B8}" srcOrd="0" destOrd="0" presId="urn:microsoft.com/office/officeart/2005/8/layout/hierarchy2"/>
+    <dgm:cxn modelId="{80884BB8-B867-45D4-A03A-B3F1A0723CDF}" srcId="{DAA55E57-B63E-42F8-A75C-1C8E0D5168F4}" destId="{BB9CCF92-5598-47EF-9C32-5DE7578698FF}" srcOrd="0" destOrd="0" parTransId="{3672CFA3-F824-4353-A416-4BE028791597}" sibTransId="{DFC1E806-84B4-4A4B-BE7D-7A20A01C50A8}"/>
+    <dgm:cxn modelId="{A35B60FE-47DF-4554-96BA-A8CCF0F02E64}" srcId="{B8906F86-17A3-4CEB-B44F-1493A95F557A}" destId="{DE1A2641-A3A1-4066-B356-BDC20EEF333E}" srcOrd="2" destOrd="0" parTransId="{78043E46-CA8E-4973-A6BF-48047BC6AEB9}" sibTransId="{815F95EE-C1A4-4188-BEA1-8430528F93B0}"/>
+    <dgm:cxn modelId="{2C7B8D53-FEA8-4A02-B119-AD722559A773}" type="presOf" srcId="{CBB24B04-170C-4FE6-8FE5-4EB888A4BC34}" destId="{2508B35B-40FD-47ED-8159-5A72A58BFE5A}" srcOrd="1" destOrd="0" presId="urn:microsoft.com/office/officeart/2005/8/layout/hierarchy2"/>
+    <dgm:cxn modelId="{5F3F3FFF-E7EA-4CC6-9C70-62F4E6B3A4D6}" srcId="{BC9A9C50-9168-46B4-BB79-621CE0731647}" destId="{B8906F86-17A3-4CEB-B44F-1493A95F557A}" srcOrd="0" destOrd="0" parTransId="{7C7BA107-4E8C-43D5-A00A-14BA98EFAEA2}" sibTransId="{89B30F45-2A35-4210-A38A-FDCDABBABEF7}"/>
+    <dgm:cxn modelId="{536FB19E-FA6F-4868-ABBD-CC8B937E1FDF}" srcId="{DAA55E57-B63E-42F8-A75C-1C8E0D5168F4}" destId="{C14D0F75-6609-48C1-97E3-B941EDEAFB10}" srcOrd="1" destOrd="0" parTransId="{D79E8F8B-6AC8-4832-B42B-9CD2FBEC40BC}" sibTransId="{AF6FC7F4-FC4D-4542-8EDA-B7CAB1D2D627}"/>
+    <dgm:cxn modelId="{D311F0CE-A86A-48A9-909C-AF5C0E8CD69D}" type="presOf" srcId="{7C7BA107-4E8C-43D5-A00A-14BA98EFAEA2}" destId="{C5C2DF73-1AAC-4E00-90AF-D5A35DDB7F39}" srcOrd="1" destOrd="0" presId="urn:microsoft.com/office/officeart/2005/8/layout/hierarchy2"/>
+    <dgm:cxn modelId="{5DB1E98C-A33B-476D-AFDA-BC2151E330BE}" type="presOf" srcId="{678858C1-A72E-4293-B4E2-EDEE76913A07}" destId="{AAA9E7CC-5BBE-44F0-AFE7-19FD6B588EA7}" srcOrd="0" destOrd="0" presId="urn:microsoft.com/office/officeart/2005/8/layout/hierarchy2"/>
+    <dgm:cxn modelId="{4032905D-758B-47DB-B763-57A41CBFEB5B}" srcId="{2DCAE112-F0F2-405F-A6D2-4555D7500456}" destId="{8A07FF1D-E38A-4342-AF9A-01C4A1DD8AE6}" srcOrd="0" destOrd="0" parTransId="{03939815-54A3-4173-9374-3229E8C8C468}" sibTransId="{8672B0B0-74DC-4A65-8520-78DCC0625D5F}"/>
+    <dgm:cxn modelId="{C2C87F87-89E9-4AA8-AD7D-91C63910B6BD}" type="presOf" srcId="{B26DDD2C-087C-40F0-81B8-0429EF3788B7}" destId="{18E0DA5C-700B-43C1-8098-45871A631B22}" srcOrd="0" destOrd="0" presId="urn:microsoft.com/office/officeart/2005/8/layout/hierarchy2"/>
+    <dgm:cxn modelId="{6EF2353D-C559-49EE-BCB7-0BA8C04BB5C5}" type="presOf" srcId="{A30F1F8E-C4E9-4A09-AC6A-AD5FC9F73251}" destId="{664FDD2C-22F7-47C3-AC0D-C0EE1BFDF7D5}" srcOrd="0" destOrd="0" presId="urn:microsoft.com/office/officeart/2005/8/layout/hierarchy2"/>
+    <dgm:cxn modelId="{CAE17770-3EF1-4ACD-9718-0968224B7018}" srcId="{A30F1F8E-C4E9-4A09-AC6A-AD5FC9F73251}" destId="{678858C1-A72E-4293-B4E2-EDEE76913A07}" srcOrd="1" destOrd="0" parTransId="{D7175D20-010C-46C3-A67F-0ACA9FCB4A10}" sibTransId="{3232B2D0-4AC7-455E-9ABA-C8841405528B}"/>
+    <dgm:cxn modelId="{171D7A6F-D3B8-4126-B5C3-05D33C1E9CC2}" type="presOf" srcId="{8A07FF1D-E38A-4342-AF9A-01C4A1DD8AE6}" destId="{B3DE8D20-C743-4E78-AFCD-D56EA3BC44F1}" srcOrd="0" destOrd="0" presId="urn:microsoft.com/office/officeart/2005/8/layout/hierarchy2"/>
+    <dgm:cxn modelId="{9139EEE1-9B97-4943-A81A-8D8B6FD6BE57}" type="presOf" srcId="{2DCAE112-F0F2-405F-A6D2-4555D7500456}" destId="{48593CB9-0322-4861-A389-4336F12D7D90}" srcOrd="0" destOrd="0" presId="urn:microsoft.com/office/officeart/2005/8/layout/hierarchy2"/>
+    <dgm:cxn modelId="{A83B861D-3ECB-46AF-890F-A3B7BBB99ABE}" type="presOf" srcId="{7C7BA107-4E8C-43D5-A00A-14BA98EFAEA2}" destId="{F054D97F-D96D-4761-A87D-1BDBEDE4B918}" srcOrd="0" destOrd="0" presId="urn:microsoft.com/office/officeart/2005/8/layout/hierarchy2"/>
+    <dgm:cxn modelId="{F9D7EBE9-1D1B-43E7-BA44-B3E326720FDD}" type="presOf" srcId="{EACB4901-6D83-49C4-A981-E2C11AE2C2D5}" destId="{982D66C1-F89A-41CD-AAFC-9351D3547535}" srcOrd="0" destOrd="0" presId="urn:microsoft.com/office/officeart/2005/8/layout/hierarchy2"/>
+    <dgm:cxn modelId="{B31E782B-4AA6-4DE4-8875-1D45CD57F270}" srcId="{DD0C602C-77F9-465F-8D3E-CA33EA17A398}" destId="{BC9A9C50-9168-46B4-BB79-621CE0731647}" srcOrd="0" destOrd="0" parTransId="{03D2FCA4-57FC-41FB-ADC8-D05D0C221A0F}" sibTransId="{0FEEB6FE-9D66-480F-AEA0-68B7EDA42144}"/>
+    <dgm:cxn modelId="{67E43158-8AB6-4DDB-8E1D-87BFE2523A53}" srcId="{8A07FF1D-E38A-4342-AF9A-01C4A1DD8AE6}" destId="{DAA55E57-B63E-42F8-A75C-1C8E0D5168F4}" srcOrd="1" destOrd="0" parTransId="{7238AB7F-EEC4-473A-8CD5-8FD9BD98477C}" sibTransId="{82F6B85B-D53B-439D-A1AF-AD063E801C41}"/>
+    <dgm:cxn modelId="{7255A5C5-C3CE-4735-B35F-E3EE2B19B26E}" type="presOf" srcId="{D7175D20-010C-46C3-A67F-0ACA9FCB4A10}" destId="{53784A77-5483-475E-AF09-9661FDA74FFC}" srcOrd="0" destOrd="0" presId="urn:microsoft.com/office/officeart/2005/8/layout/hierarchy2"/>
+    <dgm:cxn modelId="{FD3CF25E-5C3B-476A-B2DF-B0F47162232E}" type="presOf" srcId="{B8906F86-17A3-4CEB-B44F-1493A95F557A}" destId="{D56E94B2-4931-4FFE-96A0-4E844CD4F00B}" srcOrd="0" destOrd="0" presId="urn:microsoft.com/office/officeart/2005/8/layout/hierarchy2"/>
+    <dgm:cxn modelId="{2FAFBED2-7C7D-4AAA-A55A-0AE764BA25C3}" type="presOf" srcId="{58ED5B74-4D3D-4D7B-9D0F-2CFA2949F825}" destId="{AC9FBEB5-0BAE-42FD-97C7-45EB1389FC80}" srcOrd="0" destOrd="0" presId="urn:microsoft.com/office/officeart/2005/8/layout/hierarchy2"/>
+    <dgm:cxn modelId="{D9C147A4-0483-43E1-ADB6-AF82148227A8}" type="presOf" srcId="{EACB4901-6D83-49C4-A981-E2C11AE2C2D5}" destId="{D8B00509-B1BC-4823-98CA-56F364FB39EA}" srcOrd="1" destOrd="0" presId="urn:microsoft.com/office/officeart/2005/8/layout/hierarchy2"/>
+    <dgm:cxn modelId="{A59B9D72-8A6D-449F-88A9-C508E37736E7}" srcId="{BC9A9C50-9168-46B4-BB79-621CE0731647}" destId="{8B7D134F-FB71-4F52-BA71-23B591E5F035}" srcOrd="2" destOrd="0" parTransId="{B26DDD2C-087C-40F0-81B8-0429EF3788B7}" sibTransId="{A3C33986-7EC2-4735-A682-E0D7F66782FE}"/>
     <dgm:cxn modelId="{11A6C10A-2BD5-4B73-99F5-DD0559988ABA}" type="presOf" srcId="{3672CFA3-F824-4353-A416-4BE028791597}" destId="{0D1C7B25-C3EF-4682-9347-FF4CF660B7F1}" srcOrd="1" destOrd="0" presId="urn:microsoft.com/office/officeart/2005/8/layout/hierarchy2"/>
-    <dgm:cxn modelId="{EF99C60E-F82E-4260-BB98-BA957E5E0F94}" type="presOf" srcId="{C9E729E9-B75A-4976-9C61-A35BC00A20C6}" destId="{BFDAF39F-45D3-4890-8EC2-74A93012A766}" srcOrd="0" destOrd="0" presId="urn:microsoft.com/office/officeart/2005/8/layout/hierarchy2"/>
-    <dgm:cxn modelId="{5927A410-6293-4445-B472-04B791952D85}" type="presOf" srcId="{EEE139DD-6BD9-4EC9-8042-E78DD30D1D8C}" destId="{D7F7FD22-8D59-4136-9F39-26D4400EFB68}" srcOrd="0" destOrd="0" presId="urn:microsoft.com/office/officeart/2005/8/layout/hierarchy2"/>
-    <dgm:cxn modelId="{F113A510-7882-49B2-A671-F76FC8D7BE25}" type="presOf" srcId="{D79E8F8B-6AC8-4832-B42B-9CD2FBEC40BC}" destId="{B0550655-84CB-46B4-8904-D3123A1325DD}" srcOrd="1" destOrd="0" presId="urn:microsoft.com/office/officeart/2005/8/layout/hierarchy2"/>
-    <dgm:cxn modelId="{A83B861D-3ECB-46AF-890F-A3B7BBB99ABE}" type="presOf" srcId="{7C7BA107-4E8C-43D5-A00A-14BA98EFAEA2}" destId="{F054D97F-D96D-4761-A87D-1BDBEDE4B918}" srcOrd="0" destOrd="0" presId="urn:microsoft.com/office/officeart/2005/8/layout/hierarchy2"/>
-    <dgm:cxn modelId="{1A114626-CF94-4142-9B38-42C49414BFAF}" type="presOf" srcId="{FF4042ED-4161-4B0B-9C47-17BD99290380}" destId="{7231D220-0AEF-4F31-BE76-7694EFDBAE28}" srcOrd="0" destOrd="0" presId="urn:microsoft.com/office/officeart/2005/8/layout/hierarchy2"/>
-    <dgm:cxn modelId="{B31E782B-4AA6-4DE4-8875-1D45CD57F270}" srcId="{DD0C602C-77F9-465F-8D3E-CA33EA17A398}" destId="{BC9A9C50-9168-46B4-BB79-621CE0731647}" srcOrd="0" destOrd="0" parTransId="{03D2FCA4-57FC-41FB-ADC8-D05D0C221A0F}" sibTransId="{0FEEB6FE-9D66-480F-AEA0-68B7EDA42144}"/>
-    <dgm:cxn modelId="{BE178C2B-2A46-4304-A6E4-D4887D191D66}" type="presOf" srcId="{912E8A23-D6C0-45FE-AE25-FC10026DEF3A}" destId="{890D381F-0412-4FAE-8FD5-2308167FBF9B}" srcOrd="0" destOrd="0" presId="urn:microsoft.com/office/officeart/2005/8/layout/hierarchy2"/>
-    <dgm:cxn modelId="{6EF2353D-C559-49EE-BCB7-0BA8C04BB5C5}" type="presOf" srcId="{A30F1F8E-C4E9-4A09-AC6A-AD5FC9F73251}" destId="{664FDD2C-22F7-47C3-AC0D-C0EE1BFDF7D5}" srcOrd="0" destOrd="0" presId="urn:microsoft.com/office/officeart/2005/8/layout/hierarchy2"/>
-    <dgm:cxn modelId="{CFB6713E-B0A0-43B9-B92B-BDB1262C82E5}" type="presOf" srcId="{41301CB3-C92D-423D-AA82-39E83E9F8ED4}" destId="{84D69A88-4A56-48BE-A57F-980805331885}" srcOrd="1" destOrd="0" presId="urn:microsoft.com/office/officeart/2005/8/layout/hierarchy2"/>
-    <dgm:cxn modelId="{650C8F5B-FEB4-42E6-9AB8-639B6D3F1FBC}" type="presOf" srcId="{D7175D20-010C-46C3-A67F-0ACA9FCB4A10}" destId="{8FC4DFEF-3849-4C13-BAFC-63BB004F0435}" srcOrd="1" destOrd="0" presId="urn:microsoft.com/office/officeart/2005/8/layout/hierarchy2"/>
-    <dgm:cxn modelId="{19D0B65B-1865-4E1D-A8B3-461BC7FED8FE}" type="presOf" srcId="{267A48DD-6714-445C-95C4-0A20DBC604E8}" destId="{4E52598F-E6D1-48CE-A297-F0C879B041A5}" srcOrd="1" destOrd="0" presId="urn:microsoft.com/office/officeart/2005/8/layout/hierarchy2"/>
-    <dgm:cxn modelId="{4032905D-758B-47DB-B763-57A41CBFEB5B}" srcId="{2DCAE112-F0F2-405F-A6D2-4555D7500456}" destId="{8A07FF1D-E38A-4342-AF9A-01C4A1DD8AE6}" srcOrd="0" destOrd="0" parTransId="{03939815-54A3-4173-9374-3229E8C8C468}" sibTransId="{8672B0B0-74DC-4A65-8520-78DCC0625D5F}"/>
-    <dgm:cxn modelId="{FD3CF25E-5C3B-476A-B2DF-B0F47162232E}" type="presOf" srcId="{B8906F86-17A3-4CEB-B44F-1493A95F557A}" destId="{D56E94B2-4931-4FFE-96A0-4E844CD4F00B}" srcOrd="0" destOrd="0" presId="urn:microsoft.com/office/officeart/2005/8/layout/hierarchy2"/>
-    <dgm:cxn modelId="{FDA1C460-3E41-4051-876A-960362855009}" type="presOf" srcId="{BC9A9C50-9168-46B4-BB79-621CE0731647}" destId="{09424BF5-3025-4021-9BE2-FFBAC1598389}" srcOrd="0" destOrd="0" presId="urn:microsoft.com/office/officeart/2005/8/layout/hierarchy2"/>
-    <dgm:cxn modelId="{C2671D41-F198-44B1-B622-CAD46F3F07E1}" type="presOf" srcId="{7238AB7F-EEC4-473A-8CD5-8FD9BD98477C}" destId="{DB70FE2F-74CE-49FC-9D75-3A977D4AD470}" srcOrd="1" destOrd="0" presId="urn:microsoft.com/office/officeart/2005/8/layout/hierarchy2"/>
-    <dgm:cxn modelId="{12C80C45-8574-4E8A-9F4A-9CB5F949F764}" srcId="{B8906F86-17A3-4CEB-B44F-1493A95F557A}" destId="{912E8A23-D6C0-45FE-AE25-FC10026DEF3A}" srcOrd="1" destOrd="0" parTransId="{EACB4901-6D83-49C4-A981-E2C11AE2C2D5}" sibTransId="{0141CC35-3EE2-4908-8E48-00AAD09710E2}"/>
-    <dgm:cxn modelId="{8316A765-15D1-44BB-AA4D-6433B354F951}" type="presOf" srcId="{CBB24B04-170C-4FE6-8FE5-4EB888A4BC34}" destId="{046947A8-49CC-46F9-803E-A17C0DF425B8}" srcOrd="0" destOrd="0" presId="urn:microsoft.com/office/officeart/2005/8/layout/hierarchy2"/>
-    <dgm:cxn modelId="{C73BCD65-884E-4244-99C0-C7A720469E08}" type="presOf" srcId="{03939815-54A3-4173-9374-3229E8C8C468}" destId="{E807D29F-AA73-4F31-B505-229272DE9AA5}" srcOrd="0" destOrd="0" presId="urn:microsoft.com/office/officeart/2005/8/layout/hierarchy2"/>
-    <dgm:cxn modelId="{7F96FC47-3D5B-46E6-B51C-FFD015994D6B}" type="presOf" srcId="{9BE01FAD-D3E7-488E-B77D-1653BD01874C}" destId="{4DF879A6-A389-43BF-ADB3-F3BC5AE2ABB0}" srcOrd="0" destOrd="0" presId="urn:microsoft.com/office/officeart/2005/8/layout/hierarchy2"/>
     <dgm:cxn modelId="{EAB7CC4B-17AD-4072-8FC6-4E1B1C42DD9A}" type="presOf" srcId="{6DA28D63-4730-4A5B-AB18-D532E19BDA3A}" destId="{27561560-B032-40A5-A822-23BF89050ABD}" srcOrd="0" destOrd="0" presId="urn:microsoft.com/office/officeart/2005/8/layout/hierarchy2"/>
     <dgm:cxn modelId="{52A3954C-2AF5-4BAE-A95E-BEB436C1BD06}" type="presOf" srcId="{DE1A2641-A3A1-4066-B356-BDC20EEF333E}" destId="{E71F9E7D-E7A6-47C5-9CB3-36831C50D975}" srcOrd="0" destOrd="0" presId="urn:microsoft.com/office/officeart/2005/8/layout/hierarchy2"/>
-    <dgm:cxn modelId="{171D7A6F-D3B8-4126-B5C3-05D33C1E9CC2}" type="presOf" srcId="{8A07FF1D-E38A-4342-AF9A-01C4A1DD8AE6}" destId="{B3DE8D20-C743-4E78-AFCD-D56EA3BC44F1}" srcOrd="0" destOrd="0" presId="urn:microsoft.com/office/officeart/2005/8/layout/hierarchy2"/>
-    <dgm:cxn modelId="{CAE17770-3EF1-4ACD-9718-0968224B7018}" srcId="{A30F1F8E-C4E9-4A09-AC6A-AD5FC9F73251}" destId="{678858C1-A72E-4293-B4E2-EDEE76913A07}" srcOrd="1" destOrd="0" parTransId="{D7175D20-010C-46C3-A67F-0ACA9FCB4A10}" sibTransId="{3232B2D0-4AC7-455E-9ABA-C8841405528B}"/>
-    <dgm:cxn modelId="{A59B9D72-8A6D-449F-88A9-C508E37736E7}" srcId="{BC9A9C50-9168-46B4-BB79-621CE0731647}" destId="{8B7D134F-FB71-4F52-BA71-23B591E5F035}" srcOrd="2" destOrd="0" parTransId="{B26DDD2C-087C-40F0-81B8-0429EF3788B7}" sibTransId="{A3C33986-7EC2-4735-A682-E0D7F66782FE}"/>
-    <dgm:cxn modelId="{C940AE72-C0EC-4B8E-993F-5E1647DFA6E2}" type="presOf" srcId="{DD0C602C-77F9-465F-8D3E-CA33EA17A398}" destId="{C7E80C66-BBAF-4EE5-920D-203766C86DF4}" srcOrd="0" destOrd="0" presId="urn:microsoft.com/office/officeart/2005/8/layout/hierarchy2"/>
-    <dgm:cxn modelId="{2C7B8D53-FEA8-4A02-B119-AD722559A773}" type="presOf" srcId="{CBB24B04-170C-4FE6-8FE5-4EB888A4BC34}" destId="{2508B35B-40FD-47ED-8159-5A72A58BFE5A}" srcOrd="1" destOrd="0" presId="urn:microsoft.com/office/officeart/2005/8/layout/hierarchy2"/>
-    <dgm:cxn modelId="{C0F49576-35A7-4D63-A7BC-E633A186C6C7}" srcId="{8A07FF1D-E38A-4342-AF9A-01C4A1DD8AE6}" destId="{9BE01FAD-D3E7-488E-B77D-1653BD01874C}" srcOrd="0" destOrd="0" parTransId="{6DA28D63-4730-4A5B-AB18-D532E19BDA3A}" sibTransId="{3DD3D6F6-A4E5-43F0-BD80-0D036A79561D}"/>
-    <dgm:cxn modelId="{5E2FCB76-7E08-429E-A7CC-24E7E3A459A7}" srcId="{B8906F86-17A3-4CEB-B44F-1493A95F557A}" destId="{735FEB49-8C14-4DEF-9912-D98E8B581D0C}" srcOrd="0" destOrd="0" parTransId="{267A48DD-6714-445C-95C4-0A20DBC604E8}" sibTransId="{26124F59-FE0B-4CF8-A7A9-6542D490FFDE}"/>
-    <dgm:cxn modelId="{67E43158-8AB6-4DDB-8E1D-87BFE2523A53}" srcId="{8A07FF1D-E38A-4342-AF9A-01C4A1DD8AE6}" destId="{DAA55E57-B63E-42F8-A75C-1C8E0D5168F4}" srcOrd="1" destOrd="0" parTransId="{7238AB7F-EEC4-473A-8CD5-8FD9BD98477C}" sibTransId="{82F6B85B-D53B-439D-A1AF-AD063E801C41}"/>
-    <dgm:cxn modelId="{6BC77279-BAE6-47F9-B332-6151DBFA81EC}" type="presOf" srcId="{384B76A2-E8AF-480B-A70F-40B4172E8325}" destId="{521FF2EE-B7FB-45A8-AB95-F50878D8B9A0}" srcOrd="0" destOrd="0" presId="urn:microsoft.com/office/officeart/2005/8/layout/hierarchy2"/>
-    <dgm:cxn modelId="{71FA187A-3076-44FE-9462-396B12E43AFD}" srcId="{8B7D134F-FB71-4F52-BA71-23B591E5F035}" destId="{FF4042ED-4161-4B0B-9C47-17BD99290380}" srcOrd="0" destOrd="0" parTransId="{6F6FD406-9F95-40B3-B949-D2ED5A72BFED}" sibTransId="{170F1A97-7A0C-4AA5-982F-358740DFD550}"/>
-    <dgm:cxn modelId="{E6F1F77A-F2D9-4683-BD5B-2149CEA41FE0}" type="presOf" srcId="{C14D0F75-6609-48C1-97E3-B941EDEAFB10}" destId="{43C4D4AB-1A2C-4374-AEFE-841C2635DC0D}" srcOrd="0" destOrd="0" presId="urn:microsoft.com/office/officeart/2005/8/layout/hierarchy2"/>
-    <dgm:cxn modelId="{371FE67F-96FA-429E-87BC-43AB2BAA47FE}" srcId="{8B7D134F-FB71-4F52-BA71-23B591E5F035}" destId="{384B76A2-E8AF-480B-A70F-40B4172E8325}" srcOrd="1" destOrd="0" parTransId="{EEE139DD-6BD9-4EC9-8042-E78DD30D1D8C}" sibTransId="{70F714F6-58C5-4D86-AD12-872694D650D3}"/>
-    <dgm:cxn modelId="{0415DC80-FE81-482E-968A-9C109671167F}" type="presOf" srcId="{7238AB7F-EEC4-473A-8CD5-8FD9BD98477C}" destId="{2479CDC7-9A6B-4405-B11A-C1D9E09A8093}" srcOrd="0" destOrd="0" presId="urn:microsoft.com/office/officeart/2005/8/layout/hierarchy2"/>
-    <dgm:cxn modelId="{5555E481-1BEC-43D8-8EDE-0D2F9A2C8468}" srcId="{2DCAE112-F0F2-405F-A6D2-4555D7500456}" destId="{A30F1F8E-C4E9-4A09-AC6A-AD5FC9F73251}" srcOrd="1" destOrd="0" parTransId="{EB531047-420C-4832-A697-5D55E49DEC24}" sibTransId="{0663B977-E838-431B-9EBA-237F99B5CC48}"/>
-    <dgm:cxn modelId="{61801283-2894-4E39-ADE7-25D42708433B}" type="presOf" srcId="{41301CB3-C92D-423D-AA82-39E83E9F8ED4}" destId="{0CE51DFD-A2AC-490B-9267-F776572A5395}" srcOrd="0" destOrd="0" presId="urn:microsoft.com/office/officeart/2005/8/layout/hierarchy2"/>
-    <dgm:cxn modelId="{C2C87F87-89E9-4AA8-AD7D-91C63910B6BD}" type="presOf" srcId="{B26DDD2C-087C-40F0-81B8-0429EF3788B7}" destId="{18E0DA5C-700B-43C1-8098-45871A631B22}" srcOrd="0" destOrd="0" presId="urn:microsoft.com/office/officeart/2005/8/layout/hierarchy2"/>
-    <dgm:cxn modelId="{49C79B87-F2E0-4B40-9E1A-27E77B7BEB23}" type="presOf" srcId="{8B7D134F-FB71-4F52-BA71-23B591E5F035}" destId="{038D5DA3-CAB9-47D8-A3A1-64D25EA90994}" srcOrd="0" destOrd="0" presId="urn:microsoft.com/office/officeart/2005/8/layout/hierarchy2"/>
-    <dgm:cxn modelId="{5DB1E98C-A33B-476D-AFDA-BC2151E330BE}" type="presOf" srcId="{678858C1-A72E-4293-B4E2-EDEE76913A07}" destId="{AAA9E7CC-5BBE-44F0-AFE7-19FD6B588EA7}" srcOrd="0" destOrd="0" presId="urn:microsoft.com/office/officeart/2005/8/layout/hierarchy2"/>
-    <dgm:cxn modelId="{8AFA8C94-CADB-4B5A-8960-87165859E21C}" type="presOf" srcId="{EEE139DD-6BD9-4EC9-8042-E78DD30D1D8C}" destId="{70046B07-64A0-42B7-8486-4C8489F360A3}" srcOrd="1" destOrd="0" presId="urn:microsoft.com/office/officeart/2005/8/layout/hierarchy2"/>
-    <dgm:cxn modelId="{F18CC594-A04F-4FA3-A082-4FC06223D9AA}" type="presOf" srcId="{3672CFA3-F824-4353-A416-4BE028791597}" destId="{67164877-C804-4F54-82E5-2B35290E4932}" srcOrd="0" destOrd="0" presId="urn:microsoft.com/office/officeart/2005/8/layout/hierarchy2"/>
-    <dgm:cxn modelId="{AA3F299A-00BE-4E02-B092-B24BD97F2B29}" srcId="{678858C1-A72E-4293-B4E2-EDEE76913A07}" destId="{8911FAA6-4CF0-4725-9FCB-2AA265211C55}" srcOrd="0" destOrd="0" parTransId="{5F7B2DD5-0342-4DC8-A4C5-14746FFA0543}" sibTransId="{7DA2D2F3-3052-4492-899A-0552EC9715B9}"/>
-    <dgm:cxn modelId="{02261A9C-CE83-41B7-A046-E36D0E5B0680}" type="presOf" srcId="{78043E46-CA8E-4973-A6BF-48047BC6AEB9}" destId="{DA0A60B9-6729-49CC-B2A3-DEC3174F6C4B}" srcOrd="0" destOrd="0" presId="urn:microsoft.com/office/officeart/2005/8/layout/hierarchy2"/>
-    <dgm:cxn modelId="{C4EEE99C-4D93-4566-9438-A34AB3106BB9}" type="presOf" srcId="{EB531047-420C-4832-A697-5D55E49DEC24}" destId="{4F3EDF6D-0BA5-4387-900F-30E6F382B3EC}" srcOrd="0" destOrd="0" presId="urn:microsoft.com/office/officeart/2005/8/layout/hierarchy2"/>
-    <dgm:cxn modelId="{536FB19E-FA6F-4868-ABBD-CC8B937E1FDF}" srcId="{DAA55E57-B63E-42F8-A75C-1C8E0D5168F4}" destId="{C14D0F75-6609-48C1-97E3-B941EDEAFB10}" srcOrd="1" destOrd="0" parTransId="{D79E8F8B-6AC8-4832-B42B-9CD2FBEC40BC}" sibTransId="{AF6FC7F4-FC4D-4542-8EDA-B7CAB1D2D627}"/>
-    <dgm:cxn modelId="{D9C147A4-0483-43E1-ADB6-AF82148227A8}" type="presOf" srcId="{EACB4901-6D83-49C4-A981-E2C11AE2C2D5}" destId="{D8B00509-B1BC-4823-98CA-56F364FB39EA}" srcOrd="1" destOrd="0" presId="urn:microsoft.com/office/officeart/2005/8/layout/hierarchy2"/>
-    <dgm:cxn modelId="{F589A9AA-27C4-420A-A457-CF763F27D258}" type="presOf" srcId="{BB9CCF92-5598-47EF-9C32-5DE7578698FF}" destId="{4C25817E-D421-493B-A9FC-D332138FFDE2}" srcOrd="0" destOrd="0" presId="urn:microsoft.com/office/officeart/2005/8/layout/hierarchy2"/>
-    <dgm:cxn modelId="{42D2CAAC-7C16-4608-A681-E07472BB635D}" type="presOf" srcId="{5F7B2DD5-0342-4DC8-A4C5-14746FFA0543}" destId="{2DB00733-2B75-4BC5-8B36-501C6348FF01}" srcOrd="0" destOrd="0" presId="urn:microsoft.com/office/officeart/2005/8/layout/hierarchy2"/>
-    <dgm:cxn modelId="{80884BB8-B867-45D4-A03A-B3F1A0723CDF}" srcId="{DAA55E57-B63E-42F8-A75C-1C8E0D5168F4}" destId="{BB9CCF92-5598-47EF-9C32-5DE7578698FF}" srcOrd="0" destOrd="0" parTransId="{3672CFA3-F824-4353-A416-4BE028791597}" sibTransId="{DFC1E806-84B4-4A4B-BE7D-7A20A01C50A8}"/>
-    <dgm:cxn modelId="{970D86BA-5160-4EFA-A5E5-571DFBD6F835}" type="presOf" srcId="{6F6FD406-9F95-40B3-B949-D2ED5A72BFED}" destId="{2CE679BE-AD83-4635-B333-1E6602DDA14B}" srcOrd="0" destOrd="0" presId="urn:microsoft.com/office/officeart/2005/8/layout/hierarchy2"/>
-    <dgm:cxn modelId="{7255A5C5-C3CE-4735-B35F-E3EE2B19B26E}" type="presOf" srcId="{D7175D20-010C-46C3-A67F-0ACA9FCB4A10}" destId="{53784A77-5483-475E-AF09-9661FDA74FFC}" srcOrd="0" destOrd="0" presId="urn:microsoft.com/office/officeart/2005/8/layout/hierarchy2"/>
-    <dgm:cxn modelId="{96ECB5CA-3F09-4B76-BEC2-6DB9189D1857}" srcId="{A30F1F8E-C4E9-4A09-AC6A-AD5FC9F73251}" destId="{C9E729E9-B75A-4976-9C61-A35BC00A20C6}" srcOrd="0" destOrd="0" parTransId="{41301CB3-C92D-423D-AA82-39E83E9F8ED4}" sibTransId="{6BDA0E34-B499-44E8-9591-97990E74ACD1}"/>
+    <dgm:cxn modelId="{19D0B65B-1865-4E1D-A8B3-461BC7FED8FE}" type="presOf" srcId="{267A48DD-6714-445C-95C4-0A20DBC604E8}" destId="{4E52598F-E6D1-48CE-A297-F0C879B041A5}" srcOrd="1" destOrd="0" presId="urn:microsoft.com/office/officeart/2005/8/layout/hierarchy2"/>
+    <dgm:cxn modelId="{EF99C60E-F82E-4260-BB98-BA957E5E0F94}" type="presOf" srcId="{C9E729E9-B75A-4976-9C61-A35BC00A20C6}" destId="{BFDAF39F-45D3-4890-8EC2-74A93012A766}" srcOrd="0" destOrd="0" presId="urn:microsoft.com/office/officeart/2005/8/layout/hierarchy2"/>
+    <dgm:cxn modelId="{2D58F5FC-FA9F-4D84-A4F9-123A8C4A430C}" type="presOf" srcId="{03939815-54A3-4173-9374-3229E8C8C468}" destId="{24B3DEB3-32CF-4001-926B-1DBE426C65B1}" srcOrd="1" destOrd="0" presId="urn:microsoft.com/office/officeart/2005/8/layout/hierarchy2"/>
     <dgm:cxn modelId="{6B34A1CB-1956-4642-B8DC-7DF7CFB20C40}" type="presOf" srcId="{DAA55E57-B63E-42F8-A75C-1C8E0D5168F4}" destId="{A8F8EC4B-12E0-4C37-B73F-F5D4C509D544}" srcOrd="0" destOrd="0" presId="urn:microsoft.com/office/officeart/2005/8/layout/hierarchy2"/>
-    <dgm:cxn modelId="{B875D3CC-C2D7-4A17-8F5A-7414E42A777F}" type="presOf" srcId="{D79E8F8B-6AC8-4832-B42B-9CD2FBEC40BC}" destId="{DD976305-B913-468C-9B7F-2C7EFFCB2FFA}" srcOrd="0" destOrd="0" presId="urn:microsoft.com/office/officeart/2005/8/layout/hierarchy2"/>
-    <dgm:cxn modelId="{D311F0CE-A86A-48A9-909C-AF5C0E8CD69D}" type="presOf" srcId="{7C7BA107-4E8C-43D5-A00A-14BA98EFAEA2}" destId="{C5C2DF73-1AAC-4E00-90AF-D5A35DDB7F39}" srcOrd="1" destOrd="0" presId="urn:microsoft.com/office/officeart/2005/8/layout/hierarchy2"/>
-    <dgm:cxn modelId="{2FAFBED2-7C7D-4AAA-A55A-0AE764BA25C3}" type="presOf" srcId="{58ED5B74-4D3D-4D7B-9D0F-2CFA2949F825}" destId="{AC9FBEB5-0BAE-42FD-97C7-45EB1389FC80}" srcOrd="0" destOrd="0" presId="urn:microsoft.com/office/officeart/2005/8/layout/hierarchy2"/>
-    <dgm:cxn modelId="{5A04C5D2-4095-47E6-81FA-C9BF757B61C4}" type="presOf" srcId="{3F7381DD-ED20-4116-BC12-2B4DE078BF64}" destId="{C8B75B46-BC11-454A-8DDB-B98844AD2692}" srcOrd="0" destOrd="0" presId="urn:microsoft.com/office/officeart/2005/8/layout/hierarchy2"/>
-    <dgm:cxn modelId="{4ACD7AD6-9CE9-43AF-B6D5-C823C76DFF93}" srcId="{BC9A9C50-9168-46B4-BB79-621CE0731647}" destId="{2DCAE112-F0F2-405F-A6D2-4555D7500456}" srcOrd="1" destOrd="0" parTransId="{CBB24B04-170C-4FE6-8FE5-4EB888A4BC34}" sibTransId="{304D5F5D-386C-458B-AD4A-18819B48FF63}"/>
-    <dgm:cxn modelId="{DDF386D7-FD6E-468B-A921-52F9D47E45A6}" type="presOf" srcId="{5F7B2DD5-0342-4DC8-A4C5-14746FFA0543}" destId="{D70F010E-0BEB-4BBF-90A6-36BE58D558A1}" srcOrd="1" destOrd="0" presId="urn:microsoft.com/office/officeart/2005/8/layout/hierarchy2"/>
-    <dgm:cxn modelId="{9139EEE1-9B97-4943-A81A-8D8B6FD6BE57}" type="presOf" srcId="{2DCAE112-F0F2-405F-A6D2-4555D7500456}" destId="{48593CB9-0322-4861-A389-4336F12D7D90}" srcOrd="0" destOrd="0" presId="urn:microsoft.com/office/officeart/2005/8/layout/hierarchy2"/>
-    <dgm:cxn modelId="{F9D7EBE9-1D1B-43E7-BA44-B3E326720FDD}" type="presOf" srcId="{EACB4901-6D83-49C4-A981-E2C11AE2C2D5}" destId="{982D66C1-F89A-41CD-AAFC-9351D3547535}" srcOrd="0" destOrd="0" presId="urn:microsoft.com/office/officeart/2005/8/layout/hierarchy2"/>
-    <dgm:cxn modelId="{9493DDEA-3AB0-4C36-A00A-41C55AFF2AA9}" type="presOf" srcId="{78043E46-CA8E-4973-A6BF-48047BC6AEB9}" destId="{88779CA9-0E7E-469B-9452-AA4129BD52EE}" srcOrd="1" destOrd="0" presId="urn:microsoft.com/office/officeart/2005/8/layout/hierarchy2"/>
-    <dgm:cxn modelId="{D4E895EC-3C82-4225-B65A-580A1A8FBC69}" type="presOf" srcId="{B26DDD2C-087C-40F0-81B8-0429EF3788B7}" destId="{9A5F00C9-2CFA-4187-8C72-2D5A7D435162}" srcOrd="1" destOrd="0" presId="urn:microsoft.com/office/officeart/2005/8/layout/hierarchy2"/>
-    <dgm:cxn modelId="{6A803BF1-9DB0-4248-AE3B-D4BAF4D1FAFF}" type="presOf" srcId="{6DA28D63-4730-4A5B-AB18-D532E19BDA3A}" destId="{B22054E9-B1A2-4327-8968-376FD137C6B1}" srcOrd="1" destOrd="0" presId="urn:microsoft.com/office/officeart/2005/8/layout/hierarchy2"/>
-    <dgm:cxn modelId="{CA7E58F1-8B63-4C90-A9F8-AB0703170603}" type="presOf" srcId="{267A48DD-6714-445C-95C4-0A20DBC604E8}" destId="{03B7EFBF-7EBD-4EA5-91F5-B550DB0E8570}" srcOrd="0" destOrd="0" presId="urn:microsoft.com/office/officeart/2005/8/layout/hierarchy2"/>
-    <dgm:cxn modelId="{E03B06F2-941B-4E59-8E05-B64C8EC9BDD1}" type="presOf" srcId="{EB531047-420C-4832-A697-5D55E49DEC24}" destId="{19D9A274-34BD-4D11-B1A6-094BC6B5B407}" srcOrd="1" destOrd="0" presId="urn:microsoft.com/office/officeart/2005/8/layout/hierarchy2"/>
-    <dgm:cxn modelId="{283F1FF3-FD18-46E3-A8FE-84CEAF57091D}" srcId="{678858C1-A72E-4293-B4E2-EDEE76913A07}" destId="{58ED5B74-4D3D-4D7B-9D0F-2CFA2949F825}" srcOrd="1" destOrd="0" parTransId="{3F7381DD-ED20-4116-BC12-2B4DE078BF64}" sibTransId="{E950A640-BF18-4F4B-9B4E-EFAAF12CBB7F}"/>
-    <dgm:cxn modelId="{577F18F5-FABA-4DBC-8ABF-827C69D0DD29}" type="presOf" srcId="{3F7381DD-ED20-4116-BC12-2B4DE078BF64}" destId="{BFA7E891-3679-41FD-BD3B-9F4C8DE0A6EA}" srcOrd="1" destOrd="0" presId="urn:microsoft.com/office/officeart/2005/8/layout/hierarchy2"/>
-    <dgm:cxn modelId="{EFF93CF6-04E7-4A01-8D03-1C8D8AA7E6DE}" type="presOf" srcId="{8911FAA6-4CF0-4725-9FCB-2AA265211C55}" destId="{04BCA59D-4361-47BF-9C97-37046A45D690}" srcOrd="0" destOrd="0" presId="urn:microsoft.com/office/officeart/2005/8/layout/hierarchy2"/>
-    <dgm:cxn modelId="{2D58F5FC-FA9F-4D84-A4F9-123A8C4A430C}" type="presOf" srcId="{03939815-54A3-4173-9374-3229E8C8C468}" destId="{24B3DEB3-32CF-4001-926B-1DBE426C65B1}" srcOrd="1" destOrd="0" presId="urn:microsoft.com/office/officeart/2005/8/layout/hierarchy2"/>
-    <dgm:cxn modelId="{A35B60FE-47DF-4554-96BA-A8CCF0F02E64}" srcId="{B8906F86-17A3-4CEB-B44F-1493A95F557A}" destId="{DE1A2641-A3A1-4066-B356-BDC20EEF333E}" srcOrd="2" destOrd="0" parTransId="{78043E46-CA8E-4973-A6BF-48047BC6AEB9}" sibTransId="{815F95EE-C1A4-4188-BEA1-8430528F93B0}"/>
-    <dgm:cxn modelId="{5F3F3FFF-E7EA-4CC6-9C70-62F4E6B3A4D6}" srcId="{BC9A9C50-9168-46B4-BB79-621CE0731647}" destId="{B8906F86-17A3-4CEB-B44F-1493A95F557A}" srcOrd="0" destOrd="0" parTransId="{7C7BA107-4E8C-43D5-A00A-14BA98EFAEA2}" sibTransId="{89B30F45-2A35-4210-A38A-FDCDABBABEF7}"/>
     <dgm:cxn modelId="{1D7F6EFE-9C58-4B31-BD32-804B42AA16B2}" type="presParOf" srcId="{C7E80C66-BBAF-4EE5-920D-203766C86DF4}" destId="{D98E100B-2ED5-4382-9F12-C553055AFDF9}" srcOrd="0" destOrd="0" presId="urn:microsoft.com/office/officeart/2005/8/layout/hierarchy2"/>
     <dgm:cxn modelId="{6656A31A-EE26-4C85-BDAF-DBA0E6752A2C}" type="presParOf" srcId="{D98E100B-2ED5-4382-9F12-C553055AFDF9}" destId="{09424BF5-3025-4021-9BE2-FFBAC1598389}" srcOrd="0" destOrd="0" presId="urn:microsoft.com/office/officeart/2005/8/layout/hierarchy2"/>
     <dgm:cxn modelId="{EE2A8036-B20F-47C1-9B7A-7DB2F6E04B2E}" type="presParOf" srcId="{D98E100B-2ED5-4382-9F12-C553055AFDF9}" destId="{67212A2F-8E86-461F-B0A1-DC71E47EE2C1}" srcOrd="1" destOrd="0" presId="urn:microsoft.com/office/officeart/2005/8/layout/hierarchy2"/>
@@ -6123,7 +6923,7 @@
         </a:bodyPr>
         <a:lstStyle/>
         <a:p>
-          <a:pPr marL="0" lvl="0" indent="0" algn="ctr" defTabSz="755650">
+          <a:pPr lvl="0" algn="ctr" defTabSz="755650">
             <a:lnSpc>
               <a:spcPct val="90000"/>
             </a:lnSpc>
@@ -6133,7 +6933,6 @@
             <a:spcAft>
               <a:spcPct val="35000"/>
             </a:spcAft>
-            <a:buNone/>
           </a:pPr>
           <a:r>
             <a:rPr lang="en-US" sz="1700" kern="1200" dirty="0"/>
@@ -6276,7 +7075,7 @@
         </a:bodyPr>
         <a:lstStyle/>
         <a:p>
-          <a:pPr marL="0" lvl="0" indent="0" algn="ctr" defTabSz="755650">
+          <a:pPr lvl="0" algn="ctr" defTabSz="755650">
             <a:lnSpc>
               <a:spcPct val="90000"/>
             </a:lnSpc>
@@ -6286,7 +7085,6 @@
             <a:spcAft>
               <a:spcPct val="35000"/>
             </a:spcAft>
-            <a:buNone/>
           </a:pPr>
           <a:r>
             <a:rPr lang="en-US" sz="1700" kern="1200" dirty="0"/>
@@ -6429,7 +7227,7 @@
         </a:bodyPr>
         <a:lstStyle/>
         <a:p>
-          <a:pPr marL="0" lvl="0" indent="0" algn="ctr" defTabSz="755650">
+          <a:pPr lvl="0" algn="ctr" defTabSz="755650">
             <a:lnSpc>
               <a:spcPct val="90000"/>
             </a:lnSpc>
@@ -6439,7 +7237,6 @@
             <a:spcAft>
               <a:spcPct val="35000"/>
             </a:spcAft>
-            <a:buNone/>
           </a:pPr>
           <a:r>
             <a:rPr lang="en-US" sz="1700" kern="1200" dirty="0"/>
@@ -6582,7 +7379,7 @@
         </a:bodyPr>
         <a:lstStyle/>
         <a:p>
-          <a:pPr marL="0" lvl="0" indent="0" algn="ctr" defTabSz="755650">
+          <a:pPr lvl="0" algn="ctr" defTabSz="755650">
             <a:lnSpc>
               <a:spcPct val="90000"/>
             </a:lnSpc>
@@ -6592,7 +7389,6 @@
             <a:spcAft>
               <a:spcPct val="35000"/>
             </a:spcAft>
-            <a:buNone/>
           </a:pPr>
           <a:r>
             <a:rPr lang="en-US" sz="1700" kern="1200"/>
@@ -6736,7 +7532,7 @@
         </a:bodyPr>
         <a:lstStyle/>
         <a:p>
-          <a:pPr marL="0" lvl="0" indent="0" algn="ctr" defTabSz="755650">
+          <a:pPr lvl="0" algn="ctr" defTabSz="755650">
             <a:lnSpc>
               <a:spcPct val="90000"/>
             </a:lnSpc>
@@ -6746,7 +7542,6 @@
             <a:spcAft>
               <a:spcPct val="35000"/>
             </a:spcAft>
-            <a:buNone/>
           </a:pPr>
           <a:r>
             <a:rPr lang="en-US" sz="1700" kern="1200" dirty="0"/>
@@ -6889,7 +7684,7 @@
         </a:bodyPr>
         <a:lstStyle/>
         <a:p>
-          <a:pPr marL="0" lvl="0" indent="0" algn="ctr" defTabSz="755650">
+          <a:pPr lvl="0" algn="ctr" defTabSz="755650">
             <a:lnSpc>
               <a:spcPct val="90000"/>
             </a:lnSpc>
@@ -6899,7 +7694,6 @@
             <a:spcAft>
               <a:spcPct val="35000"/>
             </a:spcAft>
-            <a:buNone/>
           </a:pPr>
           <a:r>
             <a:rPr lang="en-US" sz="1700" kern="1200" dirty="0"/>
@@ -7042,7 +7836,7 @@
         </a:bodyPr>
         <a:lstStyle/>
         <a:p>
-          <a:pPr marL="0" lvl="0" indent="0" algn="ctr" defTabSz="755650">
+          <a:pPr lvl="0" algn="ctr" defTabSz="755650">
             <a:lnSpc>
               <a:spcPct val="90000"/>
             </a:lnSpc>
@@ -7052,7 +7846,6 @@
             <a:spcAft>
               <a:spcPct val="35000"/>
             </a:spcAft>
-            <a:buNone/>
           </a:pPr>
           <a:r>
             <a:rPr lang="en-US" sz="1700" kern="1200" dirty="0"/>
@@ -7195,7 +7988,7 @@
         </a:bodyPr>
         <a:lstStyle/>
         <a:p>
-          <a:pPr marL="0" lvl="0" indent="0" algn="ctr" defTabSz="755650">
+          <a:pPr lvl="0" algn="ctr" defTabSz="755650">
             <a:lnSpc>
               <a:spcPct val="90000"/>
             </a:lnSpc>
@@ -7205,7 +7998,6 @@
             <a:spcAft>
               <a:spcPct val="35000"/>
             </a:spcAft>
-            <a:buNone/>
           </a:pPr>
           <a:r>
             <a:rPr lang="en-US" sz="1700" kern="1200" dirty="0"/>
@@ -7348,7 +8140,7 @@
         </a:bodyPr>
         <a:lstStyle/>
         <a:p>
-          <a:pPr marL="0" lvl="0" indent="0" algn="ctr" defTabSz="755650">
+          <a:pPr lvl="0" algn="ctr" defTabSz="755650">
             <a:lnSpc>
               <a:spcPct val="90000"/>
             </a:lnSpc>
@@ -7358,7 +8150,6 @@
             <a:spcAft>
               <a:spcPct val="35000"/>
             </a:spcAft>
-            <a:buNone/>
           </a:pPr>
           <a:r>
             <a:rPr lang="en-US" sz="1700" kern="1200" dirty="0"/>
@@ -7501,7 +8292,7 @@
         </a:bodyPr>
         <a:lstStyle/>
         <a:p>
-          <a:pPr marL="0" lvl="0" indent="0" algn="ctr" defTabSz="755650">
+          <a:pPr lvl="0" algn="ctr" defTabSz="755650">
             <a:lnSpc>
               <a:spcPct val="90000"/>
             </a:lnSpc>
@@ -7511,7 +8302,6 @@
             <a:spcAft>
               <a:spcPct val="35000"/>
             </a:spcAft>
-            <a:buNone/>
           </a:pPr>
           <a:r>
             <a:rPr lang="en-US" sz="1700" kern="1200" dirty="0"/>
@@ -7654,7 +8444,7 @@
         </a:bodyPr>
         <a:lstStyle/>
         <a:p>
-          <a:pPr marL="0" lvl="0" indent="0" algn="ctr" defTabSz="755650">
+          <a:pPr lvl="0" algn="ctr" defTabSz="755650">
             <a:lnSpc>
               <a:spcPct val="90000"/>
             </a:lnSpc>
@@ -7664,7 +8454,6 @@
             <a:spcAft>
               <a:spcPct val="35000"/>
             </a:spcAft>
-            <a:buNone/>
           </a:pPr>
           <a:r>
             <a:rPr lang="en-US" sz="1700" kern="1200" dirty="0"/>
@@ -7807,7 +8596,7 @@
         </a:bodyPr>
         <a:lstStyle/>
         <a:p>
-          <a:pPr marL="0" lvl="0" indent="0" algn="ctr" defTabSz="755650">
+          <a:pPr lvl="0" algn="ctr" defTabSz="755650">
             <a:lnSpc>
               <a:spcPct val="90000"/>
             </a:lnSpc>
@@ -7817,7 +8606,6 @@
             <a:spcAft>
               <a:spcPct val="35000"/>
             </a:spcAft>
-            <a:buNone/>
           </a:pPr>
           <a:r>
             <a:rPr lang="en-US" sz="1700" kern="1200" dirty="0"/>
@@ -7960,7 +8748,7 @@
         </a:bodyPr>
         <a:lstStyle/>
         <a:p>
-          <a:pPr marL="0" lvl="0" indent="0" algn="ctr" defTabSz="755650">
+          <a:pPr lvl="0" algn="ctr" defTabSz="755650">
             <a:lnSpc>
               <a:spcPct val="90000"/>
             </a:lnSpc>
@@ -7970,7 +8758,6 @@
             <a:spcAft>
               <a:spcPct val="35000"/>
             </a:spcAft>
-            <a:buNone/>
           </a:pPr>
           <a:r>
             <a:rPr lang="en-US" sz="1700" kern="1200" dirty="0"/>
@@ -8113,7 +8900,7 @@
         </a:bodyPr>
         <a:lstStyle/>
         <a:p>
-          <a:pPr marL="0" lvl="0" indent="0" algn="ctr" defTabSz="755650">
+          <a:pPr lvl="0" algn="ctr" defTabSz="755650">
             <a:lnSpc>
               <a:spcPct val="90000"/>
             </a:lnSpc>
@@ -8123,7 +8910,6 @@
             <a:spcAft>
               <a:spcPct val="35000"/>
             </a:spcAft>
-            <a:buNone/>
           </a:pPr>
           <a:r>
             <a:rPr lang="en-US" sz="1700" kern="1200" dirty="0"/>
@@ -8266,7 +9052,7 @@
         </a:bodyPr>
         <a:lstStyle/>
         <a:p>
-          <a:pPr marL="0" lvl="0" indent="0" algn="ctr" defTabSz="755650">
+          <a:pPr lvl="0" algn="ctr" defTabSz="755650">
             <a:lnSpc>
               <a:spcPct val="90000"/>
             </a:lnSpc>
@@ -8276,7 +9062,6 @@
             <a:spcAft>
               <a:spcPct val="35000"/>
             </a:spcAft>
-            <a:buNone/>
           </a:pPr>
           <a:r>
             <a:rPr lang="en-US" sz="1700" kern="1200" dirty="0"/>
@@ -8419,7 +9204,7 @@
         </a:bodyPr>
         <a:lstStyle/>
         <a:p>
-          <a:pPr marL="0" lvl="0" indent="0" algn="ctr" defTabSz="755650">
+          <a:pPr lvl="0" algn="ctr" defTabSz="755650">
             <a:lnSpc>
               <a:spcPct val="90000"/>
             </a:lnSpc>
@@ -8429,7 +9214,6 @@
             <a:spcAft>
               <a:spcPct val="35000"/>
             </a:spcAft>
-            <a:buNone/>
           </a:pPr>
           <a:r>
             <a:rPr lang="en-US" sz="1700" kern="1200" dirty="0"/>
@@ -8572,7 +9356,7 @@
         </a:bodyPr>
         <a:lstStyle/>
         <a:p>
-          <a:pPr marL="0" lvl="0" indent="0" algn="ctr" defTabSz="755650">
+          <a:pPr lvl="0" algn="ctr" defTabSz="755650">
             <a:lnSpc>
               <a:spcPct val="90000"/>
             </a:lnSpc>
@@ -8582,7 +9366,6 @@
             <a:spcAft>
               <a:spcPct val="35000"/>
             </a:spcAft>
-            <a:buNone/>
           </a:pPr>
           <a:r>
             <a:rPr lang="en-US" sz="1700" kern="1200" dirty="0"/>
@@ -8725,7 +9508,7 @@
         </a:bodyPr>
         <a:lstStyle/>
         <a:p>
-          <a:pPr marL="0" lvl="0" indent="0" algn="ctr" defTabSz="755650">
+          <a:pPr lvl="0" algn="ctr" defTabSz="755650">
             <a:lnSpc>
               <a:spcPct val="90000"/>
             </a:lnSpc>
@@ -8735,7 +9518,6 @@
             <a:spcAft>
               <a:spcPct val="35000"/>
             </a:spcAft>
-            <a:buNone/>
           </a:pPr>
           <a:r>
             <a:rPr lang="en-US" sz="1700" kern="1200" dirty="0"/>
@@ -8878,7 +9660,7 @@
         </a:bodyPr>
         <a:lstStyle/>
         <a:p>
-          <a:pPr marL="0" lvl="0" indent="0" algn="ctr" defTabSz="755650">
+          <a:pPr lvl="0" algn="ctr" defTabSz="755650">
             <a:lnSpc>
               <a:spcPct val="90000"/>
             </a:lnSpc>
@@ -8888,12 +9670,12 @@
             <a:spcAft>
               <a:spcPct val="35000"/>
             </a:spcAft>
-            <a:buNone/>
           </a:pPr>
           <a:r>
-            <a:rPr lang="en-US" sz="1700" kern="1200" dirty="0"/>
-            <a:t>Members</a:t>
+            <a:rPr lang="en-US" sz="1700" kern="1200" smtClean="0"/>
+            <a:t>Subjects</a:t>
           </a:r>
+          <a:endParaRPr lang="en-US" sz="1700" kern="1200" dirty="0"/>
         </a:p>
       </dsp:txBody>
       <dsp:txXfrm>
@@ -8970,7 +9752,7 @@
         </a:bodyPr>
         <a:lstStyle/>
         <a:p>
-          <a:pPr marL="0" lvl="0" indent="0" algn="ctr" defTabSz="711200">
+          <a:pPr lvl="0" algn="ctr" defTabSz="711200">
             <a:lnSpc>
               <a:spcPct val="90000"/>
             </a:lnSpc>
@@ -8980,7 +9762,6 @@
             <a:spcAft>
               <a:spcPct val="35000"/>
             </a:spcAft>
-            <a:buNone/>
           </a:pPr>
           <a:r>
             <a:rPr lang="en-US" sz="1600" kern="1200" dirty="0">
@@ -9055,7 +9836,7 @@
         </a:bodyPr>
         <a:lstStyle/>
         <a:p>
-          <a:pPr marL="0" lvl="0" indent="0" algn="ctr" defTabSz="711200">
+          <a:pPr lvl="0" algn="ctr" defTabSz="711200">
             <a:lnSpc>
               <a:spcPct val="90000"/>
             </a:lnSpc>
@@ -9065,7 +9846,6 @@
             <a:spcAft>
               <a:spcPct val="35000"/>
             </a:spcAft>
-            <a:buNone/>
           </a:pPr>
           <a:endParaRPr lang="en-US" sz="1600" kern="1200">
             <a:latin typeface="Georgia" panose="02040502050405020303" pitchFamily="18" charset="0"/>
@@ -9134,7 +9914,7 @@
         </a:bodyPr>
         <a:lstStyle/>
         <a:p>
-          <a:pPr marL="0" lvl="0" indent="0" algn="ctr" defTabSz="711200">
+          <a:pPr lvl="0" algn="ctr" defTabSz="711200">
             <a:lnSpc>
               <a:spcPct val="90000"/>
             </a:lnSpc>
@@ -9144,7 +9924,6 @@
             <a:spcAft>
               <a:spcPct val="35000"/>
             </a:spcAft>
-            <a:buNone/>
           </a:pPr>
           <a:r>
             <a:rPr lang="en-US" sz="1600" kern="1200" dirty="0">
@@ -9219,7 +9998,7 @@
         </a:bodyPr>
         <a:lstStyle/>
         <a:p>
-          <a:pPr marL="0" lvl="0" indent="0" algn="ctr" defTabSz="711200">
+          <a:pPr lvl="0" algn="ctr" defTabSz="711200">
             <a:lnSpc>
               <a:spcPct val="90000"/>
             </a:lnSpc>
@@ -9229,7 +10008,6 @@
             <a:spcAft>
               <a:spcPct val="35000"/>
             </a:spcAft>
-            <a:buNone/>
           </a:pPr>
           <a:endParaRPr lang="en-US" sz="1600" kern="1200">
             <a:latin typeface="Georgia" panose="02040502050405020303" pitchFamily="18" charset="0"/>
@@ -9298,7 +10076,7 @@
         </a:bodyPr>
         <a:lstStyle/>
         <a:p>
-          <a:pPr marL="0" lvl="0" indent="0" algn="ctr" defTabSz="711200">
+          <a:pPr lvl="0" algn="ctr" defTabSz="711200">
             <a:lnSpc>
               <a:spcPct val="90000"/>
             </a:lnSpc>
@@ -9308,7 +10086,6 @@
             <a:spcAft>
               <a:spcPct val="35000"/>
             </a:spcAft>
-            <a:buNone/>
           </a:pPr>
           <a:r>
             <a:rPr lang="en-US" sz="1600" kern="1200" dirty="0">
@@ -9383,7 +10160,7 @@
         </a:bodyPr>
         <a:lstStyle/>
         <a:p>
-          <a:pPr marL="0" lvl="0" indent="0" algn="ctr" defTabSz="711200">
+          <a:pPr lvl="0" algn="ctr" defTabSz="711200">
             <a:lnSpc>
               <a:spcPct val="90000"/>
             </a:lnSpc>
@@ -9393,7 +10170,6 @@
             <a:spcAft>
               <a:spcPct val="35000"/>
             </a:spcAft>
-            <a:buNone/>
           </a:pPr>
           <a:endParaRPr lang="en-US" sz="1600" kern="1200">
             <a:latin typeface="Georgia" panose="02040502050405020303" pitchFamily="18" charset="0"/>
@@ -9462,7 +10238,7 @@
         </a:bodyPr>
         <a:lstStyle/>
         <a:p>
-          <a:pPr marL="0" lvl="0" indent="0" algn="ctr" defTabSz="711200">
+          <a:pPr lvl="0" algn="ctr" defTabSz="711200">
             <a:lnSpc>
               <a:spcPct val="90000"/>
             </a:lnSpc>
@@ -9472,7 +10248,6 @@
             <a:spcAft>
               <a:spcPct val="35000"/>
             </a:spcAft>
-            <a:buNone/>
           </a:pPr>
           <a:r>
             <a:rPr lang="en-US" sz="1600" kern="1200">
@@ -9550,7 +10325,7 @@
         </a:bodyPr>
         <a:lstStyle/>
         <a:p>
-          <a:pPr marL="0" lvl="0" indent="0" algn="ctr" defTabSz="711200">
+          <a:pPr lvl="0" algn="ctr" defTabSz="711200">
             <a:lnSpc>
               <a:spcPct val="90000"/>
             </a:lnSpc>
@@ -9560,7 +10335,6 @@
             <a:spcAft>
               <a:spcPct val="35000"/>
             </a:spcAft>
-            <a:buNone/>
           </a:pPr>
           <a:endParaRPr lang="en-US" sz="1600" kern="1200">
             <a:latin typeface="Georgia" panose="02040502050405020303" pitchFamily="18" charset="0"/>
@@ -9629,7 +10403,7 @@
         </a:bodyPr>
         <a:lstStyle/>
         <a:p>
-          <a:pPr marL="0" lvl="0" indent="0" algn="ctr" defTabSz="711200">
+          <a:pPr lvl="0" algn="ctr" defTabSz="711200">
             <a:lnSpc>
               <a:spcPct val="90000"/>
             </a:lnSpc>
@@ -9639,7 +10413,6 @@
             <a:spcAft>
               <a:spcPct val="35000"/>
             </a:spcAft>
-            <a:buNone/>
           </a:pPr>
           <a:r>
             <a:rPr lang="en-US" sz="1600" kern="1200" dirty="0">
@@ -9714,7 +10487,7 @@
         </a:bodyPr>
         <a:lstStyle/>
         <a:p>
-          <a:pPr marL="0" lvl="0" indent="0" algn="ctr" defTabSz="711200">
+          <a:pPr lvl="0" algn="ctr" defTabSz="711200">
             <a:lnSpc>
               <a:spcPct val="90000"/>
             </a:lnSpc>
@@ -9724,7 +10497,6 @@
             <a:spcAft>
               <a:spcPct val="35000"/>
             </a:spcAft>
-            <a:buNone/>
           </a:pPr>
           <a:endParaRPr lang="en-US" sz="1600" kern="1200">
             <a:latin typeface="Georgia" panose="02040502050405020303" pitchFamily="18" charset="0"/>
@@ -9793,7 +10565,7 @@
         </a:bodyPr>
         <a:lstStyle/>
         <a:p>
-          <a:pPr marL="0" lvl="0" indent="0" algn="ctr" defTabSz="711200">
+          <a:pPr lvl="0" algn="ctr" defTabSz="711200">
             <a:lnSpc>
               <a:spcPct val="90000"/>
             </a:lnSpc>
@@ -9803,7 +10575,6 @@
             <a:spcAft>
               <a:spcPct val="35000"/>
             </a:spcAft>
-            <a:buNone/>
           </a:pPr>
           <a:r>
             <a:rPr lang="en-US" sz="1600" kern="1200" dirty="0">
@@ -9878,7 +10649,7 @@
         </a:bodyPr>
         <a:lstStyle/>
         <a:p>
-          <a:pPr marL="0" lvl="0" indent="0" algn="ctr" defTabSz="711200">
+          <a:pPr lvl="0" algn="ctr" defTabSz="711200">
             <a:lnSpc>
               <a:spcPct val="90000"/>
             </a:lnSpc>
@@ -9888,7 +10659,6 @@
             <a:spcAft>
               <a:spcPct val="35000"/>
             </a:spcAft>
-            <a:buNone/>
           </a:pPr>
           <a:endParaRPr lang="en-US" sz="1600" kern="1200">
             <a:latin typeface="Georgia" panose="02040502050405020303" pitchFamily="18" charset="0"/>
@@ -9957,7 +10727,7 @@
         </a:bodyPr>
         <a:lstStyle/>
         <a:p>
-          <a:pPr marL="0" lvl="0" indent="0" algn="ctr" defTabSz="711200">
+          <a:pPr lvl="0" algn="ctr" defTabSz="711200">
             <a:lnSpc>
               <a:spcPct val="90000"/>
             </a:lnSpc>
@@ -9967,7 +10737,6 @@
             <a:spcAft>
               <a:spcPct val="35000"/>
             </a:spcAft>
-            <a:buNone/>
           </a:pPr>
           <a:r>
             <a:rPr lang="en-US" sz="1600" kern="1200" dirty="0">
@@ -10042,7 +10811,7 @@
         </a:bodyPr>
         <a:lstStyle/>
         <a:p>
-          <a:pPr marL="0" lvl="0" indent="0" algn="ctr" defTabSz="711200">
+          <a:pPr lvl="0" algn="ctr" defTabSz="711200">
             <a:lnSpc>
               <a:spcPct val="90000"/>
             </a:lnSpc>
@@ -10052,7 +10821,6 @@
             <a:spcAft>
               <a:spcPct val="35000"/>
             </a:spcAft>
-            <a:buNone/>
           </a:pPr>
           <a:endParaRPr lang="en-US" sz="1600" kern="1200">
             <a:latin typeface="Georgia" panose="02040502050405020303" pitchFamily="18" charset="0"/>
@@ -10121,7 +10889,7 @@
         </a:bodyPr>
         <a:lstStyle/>
         <a:p>
-          <a:pPr marL="0" lvl="0" indent="0" algn="ctr" defTabSz="711200">
+          <a:pPr lvl="0" algn="ctr" defTabSz="711200">
             <a:lnSpc>
               <a:spcPct val="90000"/>
             </a:lnSpc>
@@ -10131,7 +10899,6 @@
             <a:spcAft>
               <a:spcPct val="35000"/>
             </a:spcAft>
-            <a:buNone/>
           </a:pPr>
           <a:r>
             <a:rPr lang="en-US" sz="1600" kern="1200" dirty="0">
@@ -10206,7 +10973,7 @@
         </a:bodyPr>
         <a:lstStyle/>
         <a:p>
-          <a:pPr marL="0" lvl="0" indent="0" algn="ctr" defTabSz="711200">
+          <a:pPr lvl="0" algn="ctr" defTabSz="711200">
             <a:lnSpc>
               <a:spcPct val="90000"/>
             </a:lnSpc>
@@ -10216,7 +10983,6 @@
             <a:spcAft>
               <a:spcPct val="35000"/>
             </a:spcAft>
-            <a:buNone/>
           </a:pPr>
           <a:endParaRPr lang="en-US" sz="1600" kern="1200">
             <a:latin typeface="Georgia" panose="02040502050405020303" pitchFamily="18" charset="0"/>
@@ -10285,7 +11051,7 @@
         </a:bodyPr>
         <a:lstStyle/>
         <a:p>
-          <a:pPr marL="0" lvl="0" indent="0" algn="ctr" defTabSz="711200">
+          <a:pPr lvl="0" algn="ctr" defTabSz="711200">
             <a:lnSpc>
               <a:spcPct val="90000"/>
             </a:lnSpc>
@@ -10295,7 +11061,6 @@
             <a:spcAft>
               <a:spcPct val="35000"/>
             </a:spcAft>
-            <a:buNone/>
           </a:pPr>
           <a:r>
             <a:rPr lang="en-US" sz="1600" kern="1200" dirty="0">
@@ -10370,7 +11135,7 @@
         </a:bodyPr>
         <a:lstStyle/>
         <a:p>
-          <a:pPr marL="0" lvl="0" indent="0" algn="ctr" defTabSz="711200">
+          <a:pPr lvl="0" algn="ctr" defTabSz="711200">
             <a:lnSpc>
               <a:spcPct val="90000"/>
             </a:lnSpc>
@@ -10380,7 +11145,6 @@
             <a:spcAft>
               <a:spcPct val="35000"/>
             </a:spcAft>
-            <a:buNone/>
           </a:pPr>
           <a:endParaRPr lang="en-US" sz="1600" kern="1200">
             <a:latin typeface="Georgia" panose="02040502050405020303" pitchFamily="18" charset="0"/>
@@ -10449,7 +11213,7 @@
         </a:bodyPr>
         <a:lstStyle/>
         <a:p>
-          <a:pPr marL="0" lvl="0" indent="0" algn="ctr" defTabSz="711200">
+          <a:pPr lvl="0" algn="ctr" defTabSz="711200">
             <a:lnSpc>
               <a:spcPct val="90000"/>
             </a:lnSpc>
@@ -10459,7 +11223,6 @@
             <a:spcAft>
               <a:spcPct val="35000"/>
             </a:spcAft>
-            <a:buNone/>
           </a:pPr>
           <a:r>
             <a:rPr lang="en-US" sz="1600" kern="1200" dirty="0">
@@ -10534,7 +11297,7 @@
         </a:bodyPr>
         <a:lstStyle/>
         <a:p>
-          <a:pPr marL="0" lvl="0" indent="0" algn="ctr" defTabSz="711200">
+          <a:pPr lvl="0" algn="ctr" defTabSz="711200">
             <a:lnSpc>
               <a:spcPct val="90000"/>
             </a:lnSpc>
@@ -10544,7 +11307,6 @@
             <a:spcAft>
               <a:spcPct val="35000"/>
             </a:spcAft>
-            <a:buNone/>
           </a:pPr>
           <a:endParaRPr lang="en-US" sz="1600" kern="1200">
             <a:latin typeface="Georgia" panose="02040502050405020303" pitchFamily="18" charset="0"/>
@@ -10613,7 +11375,7 @@
         </a:bodyPr>
         <a:lstStyle/>
         <a:p>
-          <a:pPr marL="0" lvl="0" indent="0" algn="ctr" defTabSz="711200">
+          <a:pPr lvl="0" algn="ctr" defTabSz="711200">
             <a:lnSpc>
               <a:spcPct val="90000"/>
             </a:lnSpc>
@@ -10623,7 +11385,6 @@
             <a:spcAft>
               <a:spcPct val="35000"/>
             </a:spcAft>
-            <a:buNone/>
           </a:pPr>
           <a:r>
             <a:rPr lang="en-US" sz="1600" kern="1200" dirty="0">
@@ -10698,7 +11459,7 @@
         </a:bodyPr>
         <a:lstStyle/>
         <a:p>
-          <a:pPr marL="0" lvl="0" indent="0" algn="ctr" defTabSz="711200">
+          <a:pPr lvl="0" algn="ctr" defTabSz="711200">
             <a:lnSpc>
               <a:spcPct val="90000"/>
             </a:lnSpc>
@@ -10708,7 +11469,6 @@
             <a:spcAft>
               <a:spcPct val="35000"/>
             </a:spcAft>
-            <a:buNone/>
           </a:pPr>
           <a:endParaRPr lang="en-US" sz="1600" kern="1200">
             <a:latin typeface="Georgia" panose="02040502050405020303" pitchFamily="18" charset="0"/>
@@ -10777,7 +11537,7 @@
         </a:bodyPr>
         <a:lstStyle/>
         <a:p>
-          <a:pPr marL="0" lvl="0" indent="0" algn="ctr" defTabSz="711200">
+          <a:pPr lvl="0" algn="ctr" defTabSz="711200">
             <a:lnSpc>
               <a:spcPct val="90000"/>
             </a:lnSpc>
@@ -10787,7 +11547,6 @@
             <a:spcAft>
               <a:spcPct val="35000"/>
             </a:spcAft>
-            <a:buNone/>
           </a:pPr>
           <a:r>
             <a:rPr lang="en-US" sz="1600" kern="1200" dirty="0">
@@ -10862,7 +11621,7 @@
         </a:bodyPr>
         <a:lstStyle/>
         <a:p>
-          <a:pPr marL="0" lvl="0" indent="0" algn="ctr" defTabSz="711200">
+          <a:pPr lvl="0" algn="ctr" defTabSz="711200">
             <a:lnSpc>
               <a:spcPct val="90000"/>
             </a:lnSpc>
@@ -10872,7 +11631,6 @@
             <a:spcAft>
               <a:spcPct val="35000"/>
             </a:spcAft>
-            <a:buNone/>
           </a:pPr>
           <a:endParaRPr lang="en-US" sz="1600" kern="1200">
             <a:latin typeface="Georgia" panose="02040502050405020303" pitchFamily="18" charset="0"/>
@@ -10941,7 +11699,7 @@
         </a:bodyPr>
         <a:lstStyle/>
         <a:p>
-          <a:pPr marL="0" lvl="0" indent="0" algn="ctr" defTabSz="711200">
+          <a:pPr lvl="0" algn="ctr" defTabSz="711200">
             <a:lnSpc>
               <a:spcPct val="90000"/>
             </a:lnSpc>
@@ -10951,7 +11709,6 @@
             <a:spcAft>
               <a:spcPct val="35000"/>
             </a:spcAft>
-            <a:buNone/>
           </a:pPr>
           <a:r>
             <a:rPr lang="en-US" sz="1600" kern="1200" dirty="0">
@@ -11026,7 +11783,7 @@
         </a:bodyPr>
         <a:lstStyle/>
         <a:p>
-          <a:pPr marL="0" lvl="0" indent="0" algn="ctr" defTabSz="711200">
+          <a:pPr lvl="0" algn="ctr" defTabSz="711200">
             <a:lnSpc>
               <a:spcPct val="90000"/>
             </a:lnSpc>
@@ -11036,7 +11793,6 @@
             <a:spcAft>
               <a:spcPct val="35000"/>
             </a:spcAft>
-            <a:buNone/>
           </a:pPr>
           <a:endParaRPr lang="en-US" sz="1600" kern="1200">
             <a:latin typeface="Georgia" panose="02040502050405020303" pitchFamily="18" charset="0"/>
@@ -11105,7 +11861,7 @@
         </a:bodyPr>
         <a:lstStyle/>
         <a:p>
-          <a:pPr marL="0" lvl="0" indent="0" algn="ctr" defTabSz="711200">
+          <a:pPr lvl="0" algn="ctr" defTabSz="711200">
             <a:lnSpc>
               <a:spcPct val="90000"/>
             </a:lnSpc>
@@ -11115,7 +11871,6 @@
             <a:spcAft>
               <a:spcPct val="35000"/>
             </a:spcAft>
-            <a:buNone/>
           </a:pPr>
           <a:r>
             <a:rPr lang="en-US" sz="1600" kern="1200" dirty="0">
@@ -11190,7 +11945,7 @@
         </a:bodyPr>
         <a:lstStyle/>
         <a:p>
-          <a:pPr marL="0" lvl="0" indent="0" algn="ctr" defTabSz="711200">
+          <a:pPr lvl="0" algn="ctr" defTabSz="711200">
             <a:lnSpc>
               <a:spcPct val="90000"/>
             </a:lnSpc>
@@ -11200,7 +11955,6 @@
             <a:spcAft>
               <a:spcPct val="35000"/>
             </a:spcAft>
-            <a:buNone/>
           </a:pPr>
           <a:endParaRPr lang="en-US" sz="1600" kern="1200">
             <a:latin typeface="Georgia" panose="02040502050405020303" pitchFamily="18" charset="0"/>
@@ -11269,7 +12023,7 @@
         </a:bodyPr>
         <a:lstStyle/>
         <a:p>
-          <a:pPr marL="0" lvl="0" indent="0" algn="ctr" defTabSz="711200">
+          <a:pPr lvl="0" algn="ctr" defTabSz="711200">
             <a:lnSpc>
               <a:spcPct val="90000"/>
             </a:lnSpc>
@@ -11279,7 +12033,6 @@
             <a:spcAft>
               <a:spcPct val="35000"/>
             </a:spcAft>
-            <a:buNone/>
           </a:pPr>
           <a:r>
             <a:rPr lang="en-US" sz="1600" kern="1200" dirty="0">
@@ -11354,7 +12107,7 @@
         </a:bodyPr>
         <a:lstStyle/>
         <a:p>
-          <a:pPr marL="0" lvl="0" indent="0" algn="ctr" defTabSz="711200">
+          <a:pPr lvl="0" algn="ctr" defTabSz="711200">
             <a:lnSpc>
               <a:spcPct val="90000"/>
             </a:lnSpc>
@@ -11364,7 +12117,6 @@
             <a:spcAft>
               <a:spcPct val="35000"/>
             </a:spcAft>
-            <a:buNone/>
           </a:pPr>
           <a:endParaRPr lang="en-US" sz="1600" kern="1200">
             <a:latin typeface="Georgia" panose="02040502050405020303" pitchFamily="18" charset="0"/>
@@ -11433,7 +12185,7 @@
         </a:bodyPr>
         <a:lstStyle/>
         <a:p>
-          <a:pPr marL="0" lvl="0" indent="0" algn="ctr" defTabSz="711200">
+          <a:pPr lvl="0" algn="ctr" defTabSz="711200">
             <a:lnSpc>
               <a:spcPct val="90000"/>
             </a:lnSpc>
@@ -11443,7 +12195,6 @@
             <a:spcAft>
               <a:spcPct val="35000"/>
             </a:spcAft>
-            <a:buNone/>
           </a:pPr>
           <a:r>
             <a:rPr lang="en-US" sz="1600" kern="1200" dirty="0">
@@ -11518,7 +12269,7 @@
         </a:bodyPr>
         <a:lstStyle/>
         <a:p>
-          <a:pPr marL="0" lvl="0" indent="0" algn="ctr" defTabSz="711200">
+          <a:pPr lvl="0" algn="ctr" defTabSz="711200">
             <a:lnSpc>
               <a:spcPct val="90000"/>
             </a:lnSpc>
@@ -11528,7 +12279,6 @@
             <a:spcAft>
               <a:spcPct val="35000"/>
             </a:spcAft>
-            <a:buNone/>
           </a:pPr>
           <a:endParaRPr lang="en-US" sz="1600" kern="1200">
             <a:latin typeface="Georgia" panose="02040502050405020303" pitchFamily="18" charset="0"/>
@@ -11597,7 +12347,7 @@
         </a:bodyPr>
         <a:lstStyle/>
         <a:p>
-          <a:pPr marL="0" lvl="0" indent="0" algn="ctr" defTabSz="711200">
+          <a:pPr lvl="0" algn="ctr" defTabSz="711200">
             <a:lnSpc>
               <a:spcPct val="90000"/>
             </a:lnSpc>
@@ -11607,7 +12357,6 @@
             <a:spcAft>
               <a:spcPct val="35000"/>
             </a:spcAft>
-            <a:buNone/>
           </a:pPr>
           <a:r>
             <a:rPr lang="en-US" sz="1600" kern="1200" dirty="0">
@@ -11682,7 +12431,7 @@
         </a:bodyPr>
         <a:lstStyle/>
         <a:p>
-          <a:pPr marL="0" lvl="0" indent="0" algn="ctr" defTabSz="711200">
+          <a:pPr lvl="0" algn="ctr" defTabSz="711200">
             <a:lnSpc>
               <a:spcPct val="90000"/>
             </a:lnSpc>
@@ -11692,7 +12441,6 @@
             <a:spcAft>
               <a:spcPct val="35000"/>
             </a:spcAft>
-            <a:buNone/>
           </a:pPr>
           <a:endParaRPr lang="en-US" sz="1600" kern="1200">
             <a:latin typeface="Georgia" panose="02040502050405020303" pitchFamily="18" charset="0"/>
@@ -11761,7 +12509,7 @@
         </a:bodyPr>
         <a:lstStyle/>
         <a:p>
-          <a:pPr marL="0" lvl="0" indent="0" algn="ctr" defTabSz="711200">
+          <a:pPr lvl="0" algn="ctr" defTabSz="711200">
             <a:lnSpc>
               <a:spcPct val="90000"/>
             </a:lnSpc>
@@ -11771,7 +12519,6 @@
             <a:spcAft>
               <a:spcPct val="35000"/>
             </a:spcAft>
-            <a:buNone/>
           </a:pPr>
           <a:r>
             <a:rPr lang="en-US" sz="1600" kern="1200" dirty="0">
@@ -11846,7 +12593,7 @@
         </a:bodyPr>
         <a:lstStyle/>
         <a:p>
-          <a:pPr marL="0" lvl="0" indent="0" algn="ctr" defTabSz="711200">
+          <a:pPr lvl="0" algn="ctr" defTabSz="711200">
             <a:lnSpc>
               <a:spcPct val="90000"/>
             </a:lnSpc>
@@ -11856,7 +12603,6 @@
             <a:spcAft>
               <a:spcPct val="35000"/>
             </a:spcAft>
-            <a:buNone/>
           </a:pPr>
           <a:endParaRPr lang="en-US" sz="1600" kern="1200">
             <a:latin typeface="Georgia" panose="02040502050405020303" pitchFamily="18" charset="0"/>
@@ -11925,7 +12671,7 @@
         </a:bodyPr>
         <a:lstStyle/>
         <a:p>
-          <a:pPr marL="0" lvl="0" indent="0" algn="ctr" defTabSz="711200">
+          <a:pPr lvl="0" algn="ctr" defTabSz="711200">
             <a:lnSpc>
               <a:spcPct val="90000"/>
             </a:lnSpc>
@@ -11935,14 +12681,16 @@
             <a:spcAft>
               <a:spcPct val="35000"/>
             </a:spcAft>
-            <a:buNone/>
           </a:pPr>
           <a:r>
-            <a:rPr lang="en-US" sz="1600" kern="1200" dirty="0">
+            <a:rPr lang="en-US" sz="1600" kern="1200" dirty="0" smtClean="0">
               <a:latin typeface="Georgia" panose="02040502050405020303" pitchFamily="18" charset="0"/>
             </a:rPr>
-            <a:t>Members</a:t>
+            <a:t>Subjects</a:t>
           </a:r>
+          <a:endParaRPr lang="en-US" sz="1600" kern="1200" dirty="0">
+            <a:latin typeface="Georgia" panose="02040502050405020303" pitchFamily="18" charset="0"/>
+          </a:endParaRPr>
         </a:p>
       </dsp:txBody>
       <dsp:txXfrm>
@@ -15784,7 +16532,7 @@
           <a:p>
             <a:fld id="{606414D3-B65D-4A78-963B-07A4621ED676}" type="datetimeFigureOut">
               <a:rPr lang="en-US" smtClean="0"/>
-              <a:t>2/26/2024</a:t>
+              <a:t>2/28/2024</a:t>
             </a:fld>
             <a:endParaRPr lang="en-US"/>
           </a:p>
@@ -15982,7 +16730,7 @@
           <a:p>
             <a:fld id="{606414D3-B65D-4A78-963B-07A4621ED676}" type="datetimeFigureOut">
               <a:rPr lang="en-US" smtClean="0"/>
-              <a:t>2/26/2024</a:t>
+              <a:t>2/28/2024</a:t>
             </a:fld>
             <a:endParaRPr lang="en-US"/>
           </a:p>
@@ -16190,7 +16938,7 @@
           <a:p>
             <a:fld id="{606414D3-B65D-4A78-963B-07A4621ED676}" type="datetimeFigureOut">
               <a:rPr lang="en-US" smtClean="0"/>
-              <a:t>2/26/2024</a:t>
+              <a:t>2/28/2024</a:t>
             </a:fld>
             <a:endParaRPr lang="en-US"/>
           </a:p>
@@ -16388,7 +17136,7 @@
           <a:p>
             <a:fld id="{606414D3-B65D-4A78-963B-07A4621ED676}" type="datetimeFigureOut">
               <a:rPr lang="en-US" smtClean="0"/>
-              <a:t>2/26/2024</a:t>
+              <a:t>2/28/2024</a:t>
             </a:fld>
             <a:endParaRPr lang="en-US"/>
           </a:p>
@@ -16663,7 +17411,7 @@
           <a:p>
             <a:fld id="{606414D3-B65D-4A78-963B-07A4621ED676}" type="datetimeFigureOut">
               <a:rPr lang="en-US" smtClean="0"/>
-              <a:t>2/26/2024</a:t>
+              <a:t>2/28/2024</a:t>
             </a:fld>
             <a:endParaRPr lang="en-US"/>
           </a:p>
@@ -16928,7 +17676,7 @@
           <a:p>
             <a:fld id="{606414D3-B65D-4A78-963B-07A4621ED676}" type="datetimeFigureOut">
               <a:rPr lang="en-US" smtClean="0"/>
-              <a:t>2/26/2024</a:t>
+              <a:t>2/28/2024</a:t>
             </a:fld>
             <a:endParaRPr lang="en-US"/>
           </a:p>
@@ -17340,7 +18088,7 @@
           <a:p>
             <a:fld id="{606414D3-B65D-4A78-963B-07A4621ED676}" type="datetimeFigureOut">
               <a:rPr lang="en-US" smtClean="0"/>
-              <a:t>2/26/2024</a:t>
+              <a:t>2/28/2024</a:t>
             </a:fld>
             <a:endParaRPr lang="en-US"/>
           </a:p>
@@ -17481,7 +18229,7 @@
           <a:p>
             <a:fld id="{606414D3-B65D-4A78-963B-07A4621ED676}" type="datetimeFigureOut">
               <a:rPr lang="en-US" smtClean="0"/>
-              <a:t>2/26/2024</a:t>
+              <a:t>2/28/2024</a:t>
             </a:fld>
             <a:endParaRPr lang="en-US"/>
           </a:p>
@@ -17594,7 +18342,7 @@
           <a:p>
             <a:fld id="{606414D3-B65D-4A78-963B-07A4621ED676}" type="datetimeFigureOut">
               <a:rPr lang="en-US" smtClean="0"/>
-              <a:t>2/26/2024</a:t>
+              <a:t>2/28/2024</a:t>
             </a:fld>
             <a:endParaRPr lang="en-US"/>
           </a:p>
@@ -17905,7 +18653,7 @@
           <a:p>
             <a:fld id="{606414D3-B65D-4A78-963B-07A4621ED676}" type="datetimeFigureOut">
               <a:rPr lang="en-US" smtClean="0"/>
-              <a:t>2/26/2024</a:t>
+              <a:t>2/28/2024</a:t>
             </a:fld>
             <a:endParaRPr lang="en-US"/>
           </a:p>
@@ -18193,7 +18941,7 @@
           <a:p>
             <a:fld id="{606414D3-B65D-4A78-963B-07A4621ED676}" type="datetimeFigureOut">
               <a:rPr lang="en-US" smtClean="0"/>
-              <a:t>2/26/2024</a:t>
+              <a:t>2/28/2024</a:t>
             </a:fld>
             <a:endParaRPr lang="en-US"/>
           </a:p>
@@ -18434,7 +19182,7 @@
           <a:p>
             <a:fld id="{606414D3-B65D-4A78-963B-07A4621ED676}" type="datetimeFigureOut">
               <a:rPr lang="en-US" smtClean="0"/>
-              <a:t>2/26/2024</a:t>
+              <a:t>2/28/2024</a:t>
             </a:fld>
             <a:endParaRPr lang="en-US"/>
           </a:p>
@@ -18864,7 +19612,7 @@
           <p:nvPr>
             <p:extLst>
               <p:ext uri="{D42A27DB-BD31-4B8C-83A1-F6EECF244321}">
-                <p14:modId xmlns:p14="http://schemas.microsoft.com/office/powerpoint/2010/main" val="3674913024"/>
+                <p14:modId xmlns:p14="http://schemas.microsoft.com/office/powerpoint/2010/main" val="3975325132"/>
               </p:ext>
             </p:extLst>
           </p:nvPr>
@@ -18922,7 +19670,7 @@
           <p:nvPr>
             <p:extLst>
               <p:ext uri="{D42A27DB-BD31-4B8C-83A1-F6EECF244321}">
-                <p14:modId xmlns:p14="http://schemas.microsoft.com/office/powerpoint/2010/main" val="2080336809"/>
+                <p14:modId xmlns:p14="http://schemas.microsoft.com/office/powerpoint/2010/main" val="49590722"/>
               </p:ext>
             </p:extLst>
           </p:nvPr>
